--- a/presentation/Presentazione tesi - WASI.pptx
+++ b/presentation/Presentazione tesi - WASI.pptx
@@ -6329,7 +6329,7 @@
         </p:blipFill>
         <p:spPr>
           <a:xfrm>
-            <a:off x="1573000" y="658875"/>
+            <a:off x="1652875" y="658875"/>
             <a:ext cx="5998003" cy="2039150"/>
           </a:xfrm>
           <a:prstGeom prst="rect">
@@ -6873,7 +6873,7 @@
                 <a:cs typeface="Source Sans Pro"/>
                 <a:sym typeface="Source Sans Pro"/>
               </a:rPr>
-              <a:t>Un confronto (NodeJS vs Wasm)</a:t>
+              <a:t>Un confronto e Conclusioni</a:t>
             </a:r>
             <a:endParaRPr>
               <a:latin typeface="Source Sans Pro"/>
@@ -6900,7 +6900,7 @@
         </p:blipFill>
         <p:spPr>
           <a:xfrm>
-            <a:off x="4669325" y="3764200"/>
+            <a:off x="169975" y="3790625"/>
             <a:ext cx="4325824" cy="1240903"/>
           </a:xfrm>
           <a:prstGeom prst="rect">
@@ -6980,7 +6980,7 @@
                   <a:schemeClr val="dk1"/>
                 </a:solidFill>
               </a:rPr>
-              <a:t>Benchmark</a:t>
+              <a:t>Benchmark - CPU Apple M1 8 core e 16 GB di RAM </a:t>
             </a:r>
             <a:br>
               <a:rPr lang="it" sz="1300">
@@ -7244,7 +7244,7 @@
         </p:blipFill>
         <p:spPr>
           <a:xfrm>
-            <a:off x="118350" y="3764200"/>
+            <a:off x="4648200" y="3790625"/>
             <a:ext cx="4325824" cy="1240900"/>
           </a:xfrm>
           <a:prstGeom prst="rect">
@@ -7425,6 +7425,285 @@
 </file>
 
 <file path=ppt/theme/theme1.xml><?xml version="1.0" encoding="utf-8"?>
+<a:theme xmlns:a="http://schemas.openxmlformats.org/drawingml/2006/main" xmlns:r="http://schemas.openxmlformats.org/officeDocument/2006/relationships">
+  <a:themeElements>
+    <a:clrScheme name="Default">
+      <a:dk1>
+        <a:srgbClr val="000000"/>
+      </a:dk1>
+      <a:lt1>
+        <a:srgbClr val="FFFFFF"/>
+      </a:lt1>
+      <a:dk2>
+        <a:srgbClr val="158158"/>
+      </a:dk2>
+      <a:lt2>
+        <a:srgbClr val="F3F3F3"/>
+      </a:lt2>
+      <a:accent1>
+        <a:srgbClr val="058DC7"/>
+      </a:accent1>
+      <a:accent2>
+        <a:srgbClr val="50B432"/>
+      </a:accent2>
+      <a:accent3>
+        <a:srgbClr val="ED561B"/>
+      </a:accent3>
+      <a:accent4>
+        <a:srgbClr val="EDEF00"/>
+      </a:accent4>
+      <a:accent5>
+        <a:srgbClr val="24CBE5"/>
+      </a:accent5>
+      <a:accent6>
+        <a:srgbClr val="64E572"/>
+      </a:accent6>
+      <a:hlink>
+        <a:srgbClr val="2200CC"/>
+      </a:hlink>
+      <a:folHlink>
+        <a:srgbClr val="551A8B"/>
+      </a:folHlink>
+    </a:clrScheme>
+    <a:fontScheme name="Office">
+      <a:majorFont>
+        <a:latin typeface="Arial"/>
+        <a:ea typeface=""/>
+        <a:cs typeface=""/>
+        <a:font script="Jpan" typeface="ＭＳ Ｐゴシック"/>
+        <a:font script="Hang" typeface="맑은 고딕"/>
+        <a:font script="Hans" typeface="宋体"/>
+        <a:font script="Hant" typeface="新細明體"/>
+        <a:font script="Arab" typeface="Times New Roman"/>
+        <a:font script="Hebr" typeface="Times New Roman"/>
+        <a:font script="Thai" typeface="Angsana New"/>
+        <a:font script="Ethi" typeface="Nyala"/>
+        <a:font script="Beng" typeface="Vrinda"/>
+        <a:font script="Gujr" typeface="Shruti"/>
+        <a:font script="Khmr" typeface="MoolBoran"/>
+        <a:font script="Knda" typeface="Tunga"/>
+        <a:font script="Guru" typeface="Raavi"/>
+        <a:font script="Cans" typeface="Euphemia"/>
+        <a:font script="Cher" typeface="Plantagenet Cherokee"/>
+        <a:font script="Yiii" typeface="Microsoft Yi Baiti"/>
+        <a:font script="Tibt" typeface="Microsoft Himalaya"/>
+        <a:font script="Thaa" typeface="MV Boli"/>
+        <a:font script="Deva" typeface="Mangal"/>
+        <a:font script="Telu" typeface="Gautami"/>
+        <a:font script="Taml" typeface="Latha"/>
+        <a:font script="Syrc" typeface="Estrangelo Edessa"/>
+        <a:font script="Orya" typeface="Kalinga"/>
+        <a:font script="Mlym" typeface="Kartika"/>
+        <a:font script="Laoo" typeface="DokChampa"/>
+        <a:font script="Sinh" typeface="Iskoola Pota"/>
+        <a:font script="Mong" typeface="Mongolian Baiti"/>
+        <a:font script="Viet" typeface="Times New Roman"/>
+        <a:font script="Uigh" typeface="Microsoft Uighur"/>
+        <a:font script="Geor" typeface="Sylfaen"/>
+      </a:majorFont>
+      <a:minorFont>
+        <a:latin typeface="Arial"/>
+        <a:ea typeface=""/>
+        <a:cs typeface=""/>
+        <a:font script="Jpan" typeface="ＭＳ Ｐゴシック"/>
+        <a:font script="Hang" typeface="맑은 고딕"/>
+        <a:font script="Hans" typeface="宋体"/>
+        <a:font script="Hant" typeface="新細明體"/>
+        <a:font script="Arab" typeface="Arial"/>
+        <a:font script="Hebr" typeface="Arial"/>
+        <a:font script="Thai" typeface="Cordia New"/>
+        <a:font script="Ethi" typeface="Nyala"/>
+        <a:font script="Beng" typeface="Vrinda"/>
+        <a:font script="Gujr" typeface="Shruti"/>
+        <a:font script="Khmr" typeface="DaunPenh"/>
+        <a:font script="Knda" typeface="Tunga"/>
+        <a:font script="Guru" typeface="Raavi"/>
+        <a:font script="Cans" typeface="Euphemia"/>
+        <a:font script="Cher" typeface="Plantagenet Cherokee"/>
+        <a:font script="Yiii" typeface="Microsoft Yi Baiti"/>
+        <a:font script="Tibt" typeface="Microsoft Himalaya"/>
+        <a:font script="Thaa" typeface="MV Boli"/>
+        <a:font script="Deva" typeface="Mangal"/>
+        <a:font script="Telu" typeface="Gautami"/>
+        <a:font script="Taml" typeface="Latha"/>
+        <a:font script="Syrc" typeface="Estrangelo Edessa"/>
+        <a:font script="Orya" typeface="Kalinga"/>
+        <a:font script="Mlym" typeface="Kartika"/>
+        <a:font script="Laoo" typeface="DokChampa"/>
+        <a:font script="Sinh" typeface="Iskoola Pota"/>
+        <a:font script="Mong" typeface="Mongolian Baiti"/>
+        <a:font script="Viet" typeface="Arial"/>
+        <a:font script="Uigh" typeface="Microsoft Uighur"/>
+        <a:font script="Geor" typeface="Sylfaen"/>
+      </a:minorFont>
+    </a:fontScheme>
+    <a:fmtScheme name="Office">
+      <a:fillStyleLst>
+        <a:solidFill>
+          <a:schemeClr val="phClr"/>
+        </a:solidFill>
+        <a:gradFill rotWithShape="1">
+          <a:gsLst>
+            <a:gs pos="0">
+              <a:schemeClr val="phClr">
+                <a:tint val="50000"/>
+                <a:satMod val="300000"/>
+              </a:schemeClr>
+            </a:gs>
+            <a:gs pos="35000">
+              <a:schemeClr val="phClr">
+                <a:tint val="37000"/>
+                <a:satMod val="300000"/>
+              </a:schemeClr>
+            </a:gs>
+            <a:gs pos="100000">
+              <a:schemeClr val="phClr">
+                <a:tint val="15000"/>
+                <a:satMod val="350000"/>
+              </a:schemeClr>
+            </a:gs>
+          </a:gsLst>
+          <a:lin ang="16200000" scaled="1"/>
+        </a:gradFill>
+        <a:gradFill rotWithShape="1">
+          <a:gsLst>
+            <a:gs pos="0">
+              <a:schemeClr val="phClr">
+                <a:tint val="100000"/>
+                <a:shade val="100000"/>
+                <a:satMod val="130000"/>
+              </a:schemeClr>
+            </a:gs>
+            <a:gs pos="100000">
+              <a:schemeClr val="phClr">
+                <a:tint val="50000"/>
+                <a:shade val="100000"/>
+                <a:satMod val="350000"/>
+              </a:schemeClr>
+            </a:gs>
+          </a:gsLst>
+          <a:lin ang="16200000" scaled="0"/>
+        </a:gradFill>
+      </a:fillStyleLst>
+      <a:lnStyleLst>
+        <a:ln w="9525" cap="flat" cmpd="sng" algn="ctr">
+          <a:solidFill>
+            <a:schemeClr val="phClr">
+              <a:shade val="95000"/>
+              <a:satMod val="105000"/>
+            </a:schemeClr>
+          </a:solidFill>
+          <a:prstDash val="solid"/>
+        </a:ln>
+        <a:ln w="25400" cap="flat" cmpd="sng" algn="ctr">
+          <a:solidFill>
+            <a:schemeClr val="phClr"/>
+          </a:solidFill>
+          <a:prstDash val="solid"/>
+        </a:ln>
+        <a:ln w="38100" cap="flat" cmpd="sng" algn="ctr">
+          <a:solidFill>
+            <a:schemeClr val="phClr"/>
+          </a:solidFill>
+          <a:prstDash val="solid"/>
+        </a:ln>
+      </a:lnStyleLst>
+      <a:effectStyleLst>
+        <a:effectStyle>
+          <a:effectLst>
+            <a:outerShdw blurRad="40000" dist="20000" dir="5400000" rotWithShape="0">
+              <a:srgbClr val="000000">
+                <a:alpha val="38000"/>
+              </a:srgbClr>
+            </a:outerShdw>
+          </a:effectLst>
+        </a:effectStyle>
+        <a:effectStyle>
+          <a:effectLst>
+            <a:outerShdw blurRad="40000" dist="23000" dir="5400000" rotWithShape="0">
+              <a:srgbClr val="000000">
+                <a:alpha val="35000"/>
+              </a:srgbClr>
+            </a:outerShdw>
+          </a:effectLst>
+        </a:effectStyle>
+        <a:effectStyle>
+          <a:effectLst>
+            <a:outerShdw blurRad="40000" dist="23000" dir="5400000" rotWithShape="0">
+              <a:srgbClr val="000000">
+                <a:alpha val="35000"/>
+              </a:srgbClr>
+            </a:outerShdw>
+          </a:effectLst>
+          <a:scene3d>
+            <a:camera prst="orthographicFront">
+              <a:rot lat="0" lon="0" rev="0"/>
+            </a:camera>
+            <a:lightRig rig="threePt" dir="t">
+              <a:rot lat="0" lon="0" rev="1200000"/>
+            </a:lightRig>
+          </a:scene3d>
+          <a:sp3d>
+            <a:bevelT w="63500" h="25400"/>
+          </a:sp3d>
+        </a:effectStyle>
+      </a:effectStyleLst>
+      <a:bgFillStyleLst>
+        <a:solidFill>
+          <a:schemeClr val="phClr"/>
+        </a:solidFill>
+        <a:gradFill rotWithShape="1">
+          <a:gsLst>
+            <a:gs pos="0">
+              <a:schemeClr val="phClr">
+                <a:tint val="40000"/>
+                <a:satMod val="350000"/>
+              </a:schemeClr>
+            </a:gs>
+            <a:gs pos="40000">
+              <a:schemeClr val="phClr">
+                <a:tint val="45000"/>
+                <a:shade val="99000"/>
+                <a:satMod val="350000"/>
+              </a:schemeClr>
+            </a:gs>
+            <a:gs pos="100000">
+              <a:schemeClr val="phClr">
+                <a:shade val="20000"/>
+                <a:satMod val="255000"/>
+              </a:schemeClr>
+            </a:gs>
+          </a:gsLst>
+          <a:path path="circle">
+            <a:fillToRect l="50000" t="-80000" r="50000" b="180000"/>
+          </a:path>
+        </a:gradFill>
+        <a:gradFill rotWithShape="1">
+          <a:gsLst>
+            <a:gs pos="0">
+              <a:schemeClr val="phClr">
+                <a:tint val="80000"/>
+                <a:satMod val="300000"/>
+              </a:schemeClr>
+            </a:gs>
+            <a:gs pos="100000">
+              <a:schemeClr val="phClr">
+                <a:shade val="30000"/>
+                <a:satMod val="200000"/>
+              </a:schemeClr>
+            </a:gs>
+          </a:gsLst>
+          <a:path path="circle">
+            <a:fillToRect l="50000" t="50000" r="50000" b="50000"/>
+          </a:path>
+        </a:gradFill>
+      </a:bgFillStyleLst>
+    </a:fmtScheme>
+  </a:themeElements>
+</a:theme>
+</file>
+
+<file path=ppt/theme/theme2.xml><?xml version="1.0" encoding="utf-8"?>
 <a:theme xmlns:a="http://schemas.openxmlformats.org/drawingml/2006/main" xmlns:r="http://schemas.openxmlformats.org/officeDocument/2006/relationships" name="Simple Light">
   <a:themeElements>
     <a:clrScheme name="Simple Light">
@@ -7701,283 +7980,4 @@
     </a:fmtScheme>
   </a:themeElements>
 </a:theme>
-</file>
-
-<file path=ppt/theme/theme2.xml><?xml version="1.0" encoding="utf-8"?>
-<a:theme xmlns:a="http://schemas.openxmlformats.org/drawingml/2006/main" xmlns:r="http://schemas.openxmlformats.org/officeDocument/2006/relationships">
-  <a:themeElements>
-    <a:clrScheme name="Default">
-      <a:dk1>
-        <a:srgbClr val="000000"/>
-      </a:dk1>
-      <a:lt1>
-        <a:srgbClr val="FFFFFF"/>
-      </a:lt1>
-      <a:dk2>
-        <a:srgbClr val="158158"/>
-      </a:dk2>
-      <a:lt2>
-        <a:srgbClr val="F3F3F3"/>
-      </a:lt2>
-      <a:accent1>
-        <a:srgbClr val="058DC7"/>
-      </a:accent1>
-      <a:accent2>
-        <a:srgbClr val="50B432"/>
-      </a:accent2>
-      <a:accent3>
-        <a:srgbClr val="ED561B"/>
-      </a:accent3>
-      <a:accent4>
-        <a:srgbClr val="EDEF00"/>
-      </a:accent4>
-      <a:accent5>
-        <a:srgbClr val="24CBE5"/>
-      </a:accent5>
-      <a:accent6>
-        <a:srgbClr val="64E572"/>
-      </a:accent6>
-      <a:hlink>
-        <a:srgbClr val="2200CC"/>
-      </a:hlink>
-      <a:folHlink>
-        <a:srgbClr val="551A8B"/>
-      </a:folHlink>
-    </a:clrScheme>
-    <a:fontScheme name="Office">
-      <a:majorFont>
-        <a:latin typeface="Arial"/>
-        <a:ea typeface=""/>
-        <a:cs typeface=""/>
-        <a:font script="Jpan" typeface="ＭＳ Ｐゴシック"/>
-        <a:font script="Hang" typeface="맑은 고딕"/>
-        <a:font script="Hans" typeface="宋体"/>
-        <a:font script="Hant" typeface="新細明體"/>
-        <a:font script="Arab" typeface="Times New Roman"/>
-        <a:font script="Hebr" typeface="Times New Roman"/>
-        <a:font script="Thai" typeface="Angsana New"/>
-        <a:font script="Ethi" typeface="Nyala"/>
-        <a:font script="Beng" typeface="Vrinda"/>
-        <a:font script="Gujr" typeface="Shruti"/>
-        <a:font script="Khmr" typeface="MoolBoran"/>
-        <a:font script="Knda" typeface="Tunga"/>
-        <a:font script="Guru" typeface="Raavi"/>
-        <a:font script="Cans" typeface="Euphemia"/>
-        <a:font script="Cher" typeface="Plantagenet Cherokee"/>
-        <a:font script="Yiii" typeface="Microsoft Yi Baiti"/>
-        <a:font script="Tibt" typeface="Microsoft Himalaya"/>
-        <a:font script="Thaa" typeface="MV Boli"/>
-        <a:font script="Deva" typeface="Mangal"/>
-        <a:font script="Telu" typeface="Gautami"/>
-        <a:font script="Taml" typeface="Latha"/>
-        <a:font script="Syrc" typeface="Estrangelo Edessa"/>
-        <a:font script="Orya" typeface="Kalinga"/>
-        <a:font script="Mlym" typeface="Kartika"/>
-        <a:font script="Laoo" typeface="DokChampa"/>
-        <a:font script="Sinh" typeface="Iskoola Pota"/>
-        <a:font script="Mong" typeface="Mongolian Baiti"/>
-        <a:font script="Viet" typeface="Times New Roman"/>
-        <a:font script="Uigh" typeface="Microsoft Uighur"/>
-        <a:font script="Geor" typeface="Sylfaen"/>
-      </a:majorFont>
-      <a:minorFont>
-        <a:latin typeface="Arial"/>
-        <a:ea typeface=""/>
-        <a:cs typeface=""/>
-        <a:font script="Jpan" typeface="ＭＳ Ｐゴシック"/>
-        <a:font script="Hang" typeface="맑은 고딕"/>
-        <a:font script="Hans" typeface="宋体"/>
-        <a:font script="Hant" typeface="新細明體"/>
-        <a:font script="Arab" typeface="Arial"/>
-        <a:font script="Hebr" typeface="Arial"/>
-        <a:font script="Thai" typeface="Cordia New"/>
-        <a:font script="Ethi" typeface="Nyala"/>
-        <a:font script="Beng" typeface="Vrinda"/>
-        <a:font script="Gujr" typeface="Shruti"/>
-        <a:font script="Khmr" typeface="DaunPenh"/>
-        <a:font script="Knda" typeface="Tunga"/>
-        <a:font script="Guru" typeface="Raavi"/>
-        <a:font script="Cans" typeface="Euphemia"/>
-        <a:font script="Cher" typeface="Plantagenet Cherokee"/>
-        <a:font script="Yiii" typeface="Microsoft Yi Baiti"/>
-        <a:font script="Tibt" typeface="Microsoft Himalaya"/>
-        <a:font script="Thaa" typeface="MV Boli"/>
-        <a:font script="Deva" typeface="Mangal"/>
-        <a:font script="Telu" typeface="Gautami"/>
-        <a:font script="Taml" typeface="Latha"/>
-        <a:font script="Syrc" typeface="Estrangelo Edessa"/>
-        <a:font script="Orya" typeface="Kalinga"/>
-        <a:font script="Mlym" typeface="Kartika"/>
-        <a:font script="Laoo" typeface="DokChampa"/>
-        <a:font script="Sinh" typeface="Iskoola Pota"/>
-        <a:font script="Mong" typeface="Mongolian Baiti"/>
-        <a:font script="Viet" typeface="Arial"/>
-        <a:font script="Uigh" typeface="Microsoft Uighur"/>
-        <a:font script="Geor" typeface="Sylfaen"/>
-      </a:minorFont>
-    </a:fontScheme>
-    <a:fmtScheme name="Office">
-      <a:fillStyleLst>
-        <a:solidFill>
-          <a:schemeClr val="phClr"/>
-        </a:solidFill>
-        <a:gradFill rotWithShape="1">
-          <a:gsLst>
-            <a:gs pos="0">
-              <a:schemeClr val="phClr">
-                <a:tint val="50000"/>
-                <a:satMod val="300000"/>
-              </a:schemeClr>
-            </a:gs>
-            <a:gs pos="35000">
-              <a:schemeClr val="phClr">
-                <a:tint val="37000"/>
-                <a:satMod val="300000"/>
-              </a:schemeClr>
-            </a:gs>
-            <a:gs pos="100000">
-              <a:schemeClr val="phClr">
-                <a:tint val="15000"/>
-                <a:satMod val="350000"/>
-              </a:schemeClr>
-            </a:gs>
-          </a:gsLst>
-          <a:lin ang="16200000" scaled="1"/>
-        </a:gradFill>
-        <a:gradFill rotWithShape="1">
-          <a:gsLst>
-            <a:gs pos="0">
-              <a:schemeClr val="phClr">
-                <a:tint val="100000"/>
-                <a:shade val="100000"/>
-                <a:satMod val="130000"/>
-              </a:schemeClr>
-            </a:gs>
-            <a:gs pos="100000">
-              <a:schemeClr val="phClr">
-                <a:tint val="50000"/>
-                <a:shade val="100000"/>
-                <a:satMod val="350000"/>
-              </a:schemeClr>
-            </a:gs>
-          </a:gsLst>
-          <a:lin ang="16200000" scaled="0"/>
-        </a:gradFill>
-      </a:fillStyleLst>
-      <a:lnStyleLst>
-        <a:ln w="9525" cap="flat" cmpd="sng" algn="ctr">
-          <a:solidFill>
-            <a:schemeClr val="phClr">
-              <a:shade val="95000"/>
-              <a:satMod val="105000"/>
-            </a:schemeClr>
-          </a:solidFill>
-          <a:prstDash val="solid"/>
-        </a:ln>
-        <a:ln w="25400" cap="flat" cmpd="sng" algn="ctr">
-          <a:solidFill>
-            <a:schemeClr val="phClr"/>
-          </a:solidFill>
-          <a:prstDash val="solid"/>
-        </a:ln>
-        <a:ln w="38100" cap="flat" cmpd="sng" algn="ctr">
-          <a:solidFill>
-            <a:schemeClr val="phClr"/>
-          </a:solidFill>
-          <a:prstDash val="solid"/>
-        </a:ln>
-      </a:lnStyleLst>
-      <a:effectStyleLst>
-        <a:effectStyle>
-          <a:effectLst>
-            <a:outerShdw blurRad="40000" dist="20000" dir="5400000" rotWithShape="0">
-              <a:srgbClr val="000000">
-                <a:alpha val="38000"/>
-              </a:srgbClr>
-            </a:outerShdw>
-          </a:effectLst>
-        </a:effectStyle>
-        <a:effectStyle>
-          <a:effectLst>
-            <a:outerShdw blurRad="40000" dist="23000" dir="5400000" rotWithShape="0">
-              <a:srgbClr val="000000">
-                <a:alpha val="35000"/>
-              </a:srgbClr>
-            </a:outerShdw>
-          </a:effectLst>
-        </a:effectStyle>
-        <a:effectStyle>
-          <a:effectLst>
-            <a:outerShdw blurRad="40000" dist="23000" dir="5400000" rotWithShape="0">
-              <a:srgbClr val="000000">
-                <a:alpha val="35000"/>
-              </a:srgbClr>
-            </a:outerShdw>
-          </a:effectLst>
-          <a:scene3d>
-            <a:camera prst="orthographicFront">
-              <a:rot lat="0" lon="0" rev="0"/>
-            </a:camera>
-            <a:lightRig rig="threePt" dir="t">
-              <a:rot lat="0" lon="0" rev="1200000"/>
-            </a:lightRig>
-          </a:scene3d>
-          <a:sp3d>
-            <a:bevelT w="63500" h="25400"/>
-          </a:sp3d>
-        </a:effectStyle>
-      </a:effectStyleLst>
-      <a:bgFillStyleLst>
-        <a:solidFill>
-          <a:schemeClr val="phClr"/>
-        </a:solidFill>
-        <a:gradFill rotWithShape="1">
-          <a:gsLst>
-            <a:gs pos="0">
-              <a:schemeClr val="phClr">
-                <a:tint val="40000"/>
-                <a:satMod val="350000"/>
-              </a:schemeClr>
-            </a:gs>
-            <a:gs pos="40000">
-              <a:schemeClr val="phClr">
-                <a:tint val="45000"/>
-                <a:shade val="99000"/>
-                <a:satMod val="350000"/>
-              </a:schemeClr>
-            </a:gs>
-            <a:gs pos="100000">
-              <a:schemeClr val="phClr">
-                <a:shade val="20000"/>
-                <a:satMod val="255000"/>
-              </a:schemeClr>
-            </a:gs>
-          </a:gsLst>
-          <a:path path="circle">
-            <a:fillToRect l="50000" t="-80000" r="50000" b="180000"/>
-          </a:path>
-        </a:gradFill>
-        <a:gradFill rotWithShape="1">
-          <a:gsLst>
-            <a:gs pos="0">
-              <a:schemeClr val="phClr">
-                <a:tint val="80000"/>
-                <a:satMod val="300000"/>
-              </a:schemeClr>
-            </a:gs>
-            <a:gs pos="100000">
-              <a:schemeClr val="phClr">
-                <a:shade val="30000"/>
-                <a:satMod val="200000"/>
-              </a:schemeClr>
-            </a:gs>
-          </a:gsLst>
-          <a:path path="circle">
-            <a:fillToRect l="50000" t="50000" r="50000" b="50000"/>
-          </a:path>
-        </a:gradFill>
-      </a:bgFillStyleLst>
-    </a:fmtScheme>
-  </a:themeElements>
-</a:theme>
 </file>
--- a/presentation/Presentazione tesi - WASI.pptx
+++ b/presentation/Presentazione tesi - WASI.pptx
@@ -15,16 +15,18 @@
     <p:sldId id="260" r:id="rId10"/>
     <p:sldId id="261" r:id="rId11"/>
     <p:sldId id="262" r:id="rId12"/>
+    <p:sldId id="263" r:id="rId13"/>
+    <p:sldId id="264" r:id="rId14"/>
   </p:sldIdLst>
   <p:sldSz cy="5143500" cx="9144000"/>
   <p:notesSz cx="6858000" cy="9144000"/>
   <p:embeddedFontLst>
     <p:embeddedFont>
       <p:font typeface="Source Sans Pro"/>
-      <p:regular r:id="rId13"/>
-      <p:bold r:id="rId14"/>
-      <p:italic r:id="rId15"/>
-      <p:boldItalic r:id="rId16"/>
+      <p:regular r:id="rId15"/>
+      <p:bold r:id="rId16"/>
+      <p:italic r:id="rId17"/>
+      <p:boldItalic r:id="rId18"/>
     </p:embeddedFont>
   </p:embeddedFontLst>
   <p:defaultTextStyle>
@@ -805,7 +807,7 @@
   <p:cSld>
     <p:spTree>
       <p:nvGrpSpPr>
-        <p:cNvPr id="58" name="Shape 58"/>
+        <p:cNvPr id="62" name="Shape 62"/>
         <p:cNvGrpSpPr/>
         <p:nvPr/>
       </p:nvGrpSpPr>
@@ -819,7 +821,7 @@
       </p:grpSpPr>
       <p:sp>
         <p:nvSpPr>
-          <p:cNvPr id="59" name="Google Shape;59;g21c301281a3_0_3:notes"/>
+          <p:cNvPr id="63" name="Google Shape;63;g21fc4e117c9_0_15:notes"/>
           <p:cNvSpPr/>
           <p:nvPr>
             <p:ph idx="2" type="sldImg"/>
@@ -854,7 +856,7 @@
       </p:sp>
       <p:sp>
         <p:nvSpPr>
-          <p:cNvPr id="60" name="Google Shape;60;g21c301281a3_0_3:notes"/>
+          <p:cNvPr id="64" name="Google Shape;64;g21fc4e117c9_0_15:notes"/>
           <p:cNvSpPr txBox="1"/>
           <p:nvPr>
             <p:ph idx="1" type="body"/>
@@ -904,7 +906,7 @@
   <p:cSld>
     <p:spTree>
       <p:nvGrpSpPr>
-        <p:cNvPr id="65" name="Shape 65"/>
+        <p:cNvPr id="70" name="Shape 70"/>
         <p:cNvGrpSpPr/>
         <p:nvPr/>
       </p:nvGrpSpPr>
@@ -918,7 +920,7 @@
       </p:grpSpPr>
       <p:sp>
         <p:nvSpPr>
-          <p:cNvPr id="66" name="Google Shape;66;g21c301281a3_0_17:notes"/>
+          <p:cNvPr id="71" name="Google Shape;71;g21c301281a3_0_3:notes"/>
           <p:cNvSpPr/>
           <p:nvPr>
             <p:ph idx="2" type="sldImg"/>
@@ -953,7 +955,7 @@
       </p:sp>
       <p:sp>
         <p:nvSpPr>
-          <p:cNvPr id="67" name="Google Shape;67;g21c301281a3_0_17:notes"/>
+          <p:cNvPr id="72" name="Google Shape;72;g21c301281a3_0_3:notes"/>
           <p:cNvSpPr txBox="1"/>
           <p:nvPr>
             <p:ph idx="1" type="body"/>
@@ -984,9 +986,100 @@
               <a:buNone/>
             </a:pPr>
             <a:r>
-              <a:t/>
+              <a:rPr lang="it"/>
+              <a:t>v0: porre focus sul fatto che è gestito da un consorzio W3C, togli focus su standardizzato</a:t>
             </a:r>
             <a:endParaRPr/>
+          </a:p>
+          <a:p>
+            <a:pPr indent="0" lvl="0" marL="0" rtl="0" algn="l">
+              <a:spcBef>
+                <a:spcPts val="0"/>
+              </a:spcBef>
+              <a:spcAft>
+                <a:spcPts val="0"/>
+              </a:spcAft>
+              <a:buNone/>
+            </a:pPr>
+            <a:r>
+              <a:rPr lang="it"/>
+              <a:t>v1: meno a punti, fai più discorsiva</a:t>
+            </a:r>
+            <a:endParaRPr/>
+          </a:p>
+          <a:p>
+            <a:pPr indent="0" lvl="0" marL="0" rtl="0" algn="l">
+              <a:spcBef>
+                <a:spcPts val="0"/>
+              </a:spcBef>
+              <a:spcAft>
+                <a:spcPts val="0"/>
+              </a:spcAft>
+              <a:buNone/>
+            </a:pPr>
+            <a:r>
+              <a:rPr lang="it"/>
+              <a:t>v2: collegare meglio il discorso</a:t>
+            </a:r>
+            <a:endParaRPr/>
+          </a:p>
+          <a:p>
+            <a:pPr indent="0" lvl="0" marL="0" rtl="0" algn="l">
+              <a:spcBef>
+                <a:spcPts val="0"/>
+              </a:spcBef>
+              <a:spcAft>
+                <a:spcPts val="0"/>
+              </a:spcAft>
+              <a:buClr>
+                <a:schemeClr val="dk1"/>
+              </a:buClr>
+              <a:buSzPts val="1100"/>
+              <a:buFont typeface="Arial"/>
+              <a:buNone/>
+            </a:pPr>
+            <a:r>
+              <a:rPr lang="it">
+                <a:solidFill>
+                  <a:schemeClr val="dk1"/>
+                </a:solidFill>
+              </a:rPr>
+              <a:t>v2: chiaro bene e calmo</a:t>
+            </a:r>
+            <a:endParaRPr>
+              <a:solidFill>
+                <a:schemeClr val="dk1"/>
+              </a:solidFill>
+            </a:endParaRPr>
+          </a:p>
+          <a:p>
+            <a:pPr indent="0" lvl="0" marL="0" rtl="0" algn="l">
+              <a:spcBef>
+                <a:spcPts val="0"/>
+              </a:spcBef>
+              <a:spcAft>
+                <a:spcPts val="0"/>
+              </a:spcAft>
+              <a:buClr>
+                <a:schemeClr val="dk1"/>
+              </a:buClr>
+              <a:buSzPts val="1100"/>
+              <a:buFont typeface="Arial"/>
+              <a:buNone/>
+            </a:pPr>
+            <a:r>
+              <a:rPr lang="it">
+                <a:solidFill>
+                  <a:schemeClr val="dk1"/>
+                </a:solidFill>
+              </a:rPr>
+              <a:t>v3: cerca di farla più discorsiva</a:t>
+            </a:r>
+            <a:endParaRPr>
+              <a:solidFill>
+                <a:schemeClr val="dk1"/>
+              </a:solidFill>
+            </a:endParaRPr>
           </a:p>
         </p:txBody>
       </p:sp>
@@ -1003,7 +1096,7 @@
   <p:cSld>
     <p:spTree>
       <p:nvGrpSpPr>
-        <p:cNvPr id="71" name="Shape 71"/>
+        <p:cNvPr id="78" name="Shape 78"/>
         <p:cNvGrpSpPr/>
         <p:nvPr/>
       </p:nvGrpSpPr>
@@ -1017,7 +1110,7 @@
       </p:grpSpPr>
       <p:sp>
         <p:nvSpPr>
-          <p:cNvPr id="72" name="Google Shape;72;g21c301281a3_0_33:notes"/>
+          <p:cNvPr id="79" name="Google Shape;79;g21c301281a3_0_17:notes"/>
           <p:cNvSpPr/>
           <p:nvPr>
             <p:ph idx="2" type="sldImg"/>
@@ -1052,7 +1145,7 @@
       </p:sp>
       <p:sp>
         <p:nvSpPr>
-          <p:cNvPr id="73" name="Google Shape;73;g21c301281a3_0_33:notes"/>
+          <p:cNvPr id="80" name="Google Shape;80;g21c301281a3_0_17:notes"/>
           <p:cNvSpPr txBox="1"/>
           <p:nvPr>
             <p:ph idx="1" type="body"/>
@@ -1083,7 +1176,49 @@
               <a:buNone/>
             </a:pPr>
             <a:r>
-              <a:t/>
+              <a:rPr lang="it"/>
+              <a:t>v0: non spiegare come funziona wasi libc e l’ambaradan, limita solo ad evidenziare il problema e a dire qual è la soluzione (wasm gira sul browser nella vm, fuori ha bisogno di interfacciarsi col sistema operativo sottostante)</a:t>
+            </a:r>
+            <a:endParaRPr/>
+          </a:p>
+          <a:p>
+            <a:pPr indent="0" lvl="0" marL="0" rtl="0" algn="l">
+              <a:spcBef>
+                <a:spcPts val="0"/>
+              </a:spcBef>
+              <a:spcAft>
+                <a:spcPts val="0"/>
+              </a:spcAft>
+              <a:buNone/>
+            </a:pPr>
+            <a:r>
+              <a:rPr lang="it"/>
+              <a:t>v1: abbastanza ok</a:t>
+            </a:r>
+            <a:endParaRPr/>
+          </a:p>
+          <a:p>
+            <a:pPr indent="0" lvl="0" marL="0" rtl="0" algn="l">
+              <a:spcBef>
+                <a:spcPts val="0"/>
+              </a:spcBef>
+              <a:spcAft>
+                <a:spcPts val="0"/>
+              </a:spcAft>
+              <a:buClr>
+                <a:schemeClr val="dk1"/>
+              </a:buClr>
+              <a:buSzPts val="1100"/>
+              <a:buFont typeface="Arial"/>
+              <a:buNone/>
+            </a:pPr>
+            <a:r>
+              <a:rPr lang="it">
+                <a:solidFill>
+                  <a:schemeClr val="dk1"/>
+                </a:solidFill>
+              </a:rPr>
+              <a:t>v2: chiaro bene e calmo</a:t>
             </a:r>
             <a:endParaRPr/>
           </a:p>
@@ -1102,7 +1237,7 @@
   <p:cSld>
     <p:spTree>
       <p:nvGrpSpPr>
-        <p:cNvPr id="77" name="Shape 77"/>
+        <p:cNvPr id="85" name="Shape 85"/>
         <p:cNvGrpSpPr/>
         <p:nvPr/>
       </p:nvGrpSpPr>
@@ -1116,7 +1251,7 @@
       </p:grpSpPr>
       <p:sp>
         <p:nvSpPr>
-          <p:cNvPr id="78" name="Google Shape;78;g21c301281a3_0_40:notes"/>
+          <p:cNvPr id="86" name="Google Shape;86;g21c301281a3_0_33:notes"/>
           <p:cNvSpPr/>
           <p:nvPr>
             <p:ph idx="2" type="sldImg"/>
@@ -1151,7 +1286,7 @@
       </p:sp>
       <p:sp>
         <p:nvSpPr>
-          <p:cNvPr id="79" name="Google Shape;79;g21c301281a3_0_40:notes"/>
+          <p:cNvPr id="87" name="Google Shape;87;g21c301281a3_0_33:notes"/>
           <p:cNvSpPr txBox="1"/>
           <p:nvPr>
             <p:ph idx="1" type="body"/>
@@ -1182,7 +1317,40 @@
               <a:buNone/>
             </a:pPr>
             <a:r>
-              <a:t/>
+              <a:rPr lang="it"/>
+              <a:t>v0: dire cosa fa la capability based e la sandbox, non spiegare cosa sono</a:t>
+            </a:r>
+            <a:endParaRPr/>
+          </a:p>
+          <a:p>
+            <a:pPr indent="0" lvl="0" marL="0" rtl="0" algn="l">
+              <a:spcBef>
+                <a:spcPts val="0"/>
+              </a:spcBef>
+              <a:spcAft>
+                <a:spcPts val="0"/>
+              </a:spcAft>
+              <a:buNone/>
+            </a:pPr>
+            <a:r>
+              <a:rPr lang="it"/>
+              <a:t>v1: troppo rapidom, fermati più sui compilatori e cabapibility based</a:t>
+            </a:r>
+            <a:endParaRPr/>
+          </a:p>
+          <a:p>
+            <a:pPr indent="0" lvl="0" marL="0" rtl="0" algn="l">
+              <a:spcBef>
+                <a:spcPts val="0"/>
+              </a:spcBef>
+              <a:spcAft>
+                <a:spcPts val="0"/>
+              </a:spcAft>
+              <a:buNone/>
+            </a:pPr>
+            <a:r>
+              <a:rPr lang="it"/>
+              <a:t>v2: chiaro bene e calmo</a:t>
             </a:r>
             <a:endParaRPr/>
           </a:p>
@@ -1201,7 +1369,7 @@
   <p:cSld>
     <p:spTree>
       <p:nvGrpSpPr>
-        <p:cNvPr id="83" name="Shape 83"/>
+        <p:cNvPr id="92" name="Shape 92"/>
         <p:cNvGrpSpPr/>
         <p:nvPr/>
       </p:nvGrpSpPr>
@@ -1215,7 +1383,7 @@
       </p:grpSpPr>
       <p:sp>
         <p:nvSpPr>
-          <p:cNvPr id="84" name="Google Shape;84;g21c301281a3_0_44:notes"/>
+          <p:cNvPr id="93" name="Google Shape;93;g21c301281a3_0_40:notes"/>
           <p:cNvSpPr/>
           <p:nvPr>
             <p:ph idx="2" type="sldImg"/>
@@ -1250,7 +1418,7 @@
       </p:sp>
       <p:sp>
         <p:nvSpPr>
-          <p:cNvPr id="85" name="Google Shape;85;g21c301281a3_0_44:notes"/>
+          <p:cNvPr id="94" name="Google Shape;94;g21c301281a3_0_40:notes"/>
           <p:cNvSpPr txBox="1"/>
           <p:nvPr>
             <p:ph idx="1" type="body"/>
@@ -1281,9 +1449,94 @@
               <a:buNone/>
             </a:pPr>
             <a:r>
-              <a:t/>
+              <a:rPr lang="it"/>
+              <a:t>v0: non dire cosa sono dai solo le caratteristiche: size, portabilità, sicurezza,</a:t>
             </a:r>
-            <a:endParaRPr/>
+            <a:r>
+              <a:rPr lang="it">
+                <a:solidFill>
+                  <a:schemeClr val="dk1"/>
+                </a:solidFill>
+              </a:rPr>
+              <a:t> tempo di caricamento</a:t>
+            </a:r>
+            <a:endParaRPr>
+              <a:solidFill>
+                <a:schemeClr val="dk1"/>
+              </a:solidFill>
+            </a:endParaRPr>
+          </a:p>
+          <a:p>
+            <a:pPr indent="0" lvl="0" marL="0" rtl="0" algn="l">
+              <a:spcBef>
+                <a:spcPts val="0"/>
+              </a:spcBef>
+              <a:spcAft>
+                <a:spcPts val="0"/>
+              </a:spcAft>
+              <a:buNone/>
+            </a:pPr>
+            <a:r>
+              <a:rPr lang="it">
+                <a:solidFill>
+                  <a:schemeClr val="dk1"/>
+                </a:solidFill>
+              </a:rPr>
+              <a:t>v1: confronta vm, container e wasm (terza ondata del cloud computing)</a:t>
+            </a:r>
+            <a:endParaRPr>
+              <a:solidFill>
+                <a:schemeClr val="dk1"/>
+              </a:solidFill>
+            </a:endParaRPr>
+          </a:p>
+          <a:p>
+            <a:pPr indent="0" lvl="0" marL="0" rtl="0" algn="l">
+              <a:spcBef>
+                <a:spcPts val="0"/>
+              </a:spcBef>
+              <a:spcAft>
+                <a:spcPts val="0"/>
+              </a:spcAft>
+              <a:buNone/>
+            </a:pPr>
+            <a:r>
+              <a:rPr lang="it">
+                <a:solidFill>
+                  <a:schemeClr val="dk1"/>
+                </a:solidFill>
+              </a:rPr>
+              <a:t>v2: troppo tempo, far capire l’evoluzione in cui wasm è l’ultima novità. non spiegare vm e container!</a:t>
+            </a:r>
+            <a:endParaRPr>
+              <a:solidFill>
+                <a:schemeClr val="dk1"/>
+              </a:solidFill>
+            </a:endParaRPr>
+          </a:p>
+          <a:p>
+            <a:pPr indent="0" lvl="0" marL="0" rtl="0" algn="l">
+              <a:spcBef>
+                <a:spcPts val="0"/>
+              </a:spcBef>
+              <a:spcAft>
+                <a:spcPts val="0"/>
+              </a:spcAft>
+              <a:buNone/>
+            </a:pPr>
+            <a:r>
+              <a:rPr lang="it">
+                <a:solidFill>
+                  <a:schemeClr val="dk1"/>
+                </a:solidFill>
+              </a:rPr>
+              <a:t>v3: parla meno di vm e container + di wasm</a:t>
+            </a:r>
+            <a:endParaRPr>
+              <a:solidFill>
+                <a:schemeClr val="dk1"/>
+              </a:solidFill>
+            </a:endParaRPr>
           </a:p>
         </p:txBody>
       </p:sp>
@@ -1300,7 +1553,7 @@
   <p:cSld>
     <p:spTree>
       <p:nvGrpSpPr>
-        <p:cNvPr id="90" name="Shape 90"/>
+        <p:cNvPr id="99" name="Shape 99"/>
         <p:cNvGrpSpPr/>
         <p:nvPr/>
       </p:nvGrpSpPr>
@@ -1314,7 +1567,7 @@
       </p:grpSpPr>
       <p:sp>
         <p:nvSpPr>
-          <p:cNvPr id="91" name="Google Shape;91;g21c301281a3_0_48:notes"/>
+          <p:cNvPr id="100" name="Google Shape;100;g21c301281a3_0_44:notes"/>
           <p:cNvSpPr/>
           <p:nvPr>
             <p:ph idx="2" type="sldImg"/>
@@ -1349,7 +1602,7 @@
       </p:sp>
       <p:sp>
         <p:nvSpPr>
-          <p:cNvPr id="92" name="Google Shape;92;g21c301281a3_0_48:notes"/>
+          <p:cNvPr id="101" name="Google Shape;101;g21c301281a3_0_44:notes"/>
           <p:cNvSpPr txBox="1"/>
           <p:nvPr>
             <p:ph idx="1" type="body"/>
@@ -1380,7 +1633,304 @@
               <a:buNone/>
             </a:pPr>
             <a:r>
-              <a:t/>
+              <a:rPr lang="it"/>
+              <a:t>v0: webassembly lato server! mettere l’attenzione su quello non su come funziona e che è una chat</a:t>
+            </a:r>
+            <a:endParaRPr/>
+          </a:p>
+          <a:p>
+            <a:pPr indent="0" lvl="0" marL="0" rtl="0" algn="l">
+              <a:spcBef>
+                <a:spcPts val="0"/>
+              </a:spcBef>
+              <a:spcAft>
+                <a:spcPts val="0"/>
+              </a:spcAft>
+              <a:buNone/>
+            </a:pPr>
+            <a:r>
+              <a:rPr lang="it"/>
+              <a:t>v1: abbastanza bene</a:t>
+            </a:r>
+            <a:endParaRPr/>
+          </a:p>
+          <a:p>
+            <a:pPr indent="0" lvl="0" marL="0" rtl="0" algn="l">
+              <a:spcBef>
+                <a:spcPts val="0"/>
+              </a:spcBef>
+              <a:spcAft>
+                <a:spcPts val="0"/>
+              </a:spcAft>
+              <a:buNone/>
+            </a:pPr>
+            <a:r>
+              <a:rPr lang="it"/>
+              <a:t>v2: ok</a:t>
+            </a:r>
+            <a:endParaRPr/>
+          </a:p>
+        </p:txBody>
+      </p:sp>
+    </p:spTree>
+  </p:cSld>
+  <p:clrMapOvr>
+    <a:masterClrMapping/>
+  </p:clrMapOvr>
+</p:notes>
+</file>
+
+<file path=ppt/notesSlides/notesSlide8.xml><?xml version="1.0" encoding="utf-8"?>
+<p:notes xmlns:a="http://schemas.openxmlformats.org/drawingml/2006/main" xmlns:r="http://schemas.openxmlformats.org/officeDocument/2006/relationships" xmlns:mc="http://schemas.openxmlformats.org/markup-compatibility/2006" xmlns:mv="urn:schemas-microsoft-com:mac:vml" xmlns:p="http://schemas.openxmlformats.org/presentationml/2006/main" xmlns:c="http://schemas.openxmlformats.org/drawingml/2006/chart" xmlns:dgm="http://schemas.openxmlformats.org/drawingml/2006/diagram" xmlns:o="urn:schemas-microsoft-com:office:office" xmlns:v="urn:schemas-microsoft-com:vml" xmlns:pvml="urn:schemas-microsoft-com:office:powerpoint" xmlns:com="http://schemas.openxmlformats.org/drawingml/2006/compatibility" xmlns:p14="http://schemas.microsoft.com/office/powerpoint/2010/main" xmlns:p15="http://schemas.microsoft.com/office/powerpoint/2012/main" xmlns:ahyp="http://schemas.microsoft.com/office/drawing/2018/hyperlinkcolor" showMasterPhAnim="0" showMasterSp="0">
+  <p:cSld>
+    <p:spTree>
+      <p:nvGrpSpPr>
+        <p:cNvPr id="107" name="Shape 107"/>
+        <p:cNvGrpSpPr/>
+        <p:nvPr/>
+      </p:nvGrpSpPr>
+      <p:grpSpPr>
+        <a:xfrm>
+          <a:off x="0" y="0"/>
+          <a:ext cx="0" cy="0"/>
+          <a:chOff x="0" y="0"/>
+          <a:chExt cx="0" cy="0"/>
+        </a:xfrm>
+      </p:grpSpPr>
+      <p:sp>
+        <p:nvSpPr>
+          <p:cNvPr id="108" name="Google Shape;108;g21c301281a3_0_48:notes"/>
+          <p:cNvSpPr/>
+          <p:nvPr>
+            <p:ph idx="2" type="sldImg"/>
+          </p:nvPr>
+        </p:nvSpPr>
+        <p:spPr>
+          <a:xfrm>
+            <a:off x="381300" y="685800"/>
+            <a:ext cx="6096000" cy="3429000"/>
+          </a:xfrm>
+          <a:custGeom>
+            <a:rect b="b" l="l" r="r" t="t"/>
+            <a:pathLst>
+              <a:path extrusionOk="0" h="120000" w="120000">
+                <a:moveTo>
+                  <a:pt x="0" y="0"/>
+                </a:moveTo>
+                <a:lnTo>
+                  <a:pt x="120000" y="0"/>
+                </a:lnTo>
+                <a:lnTo>
+                  <a:pt x="120000" y="120000"/>
+                </a:lnTo>
+                <a:lnTo>
+                  <a:pt x="0" y="120000"/>
+                </a:lnTo>
+                <a:close/>
+              </a:path>
+            </a:pathLst>
+          </a:custGeom>
+        </p:spPr>
+      </p:sp>
+      <p:sp>
+        <p:nvSpPr>
+          <p:cNvPr id="109" name="Google Shape;109;g21c301281a3_0_48:notes"/>
+          <p:cNvSpPr txBox="1"/>
+          <p:nvPr>
+            <p:ph idx="1" type="body"/>
+          </p:nvPr>
+        </p:nvSpPr>
+        <p:spPr>
+          <a:xfrm>
+            <a:off x="685800" y="4343400"/>
+            <a:ext cx="5486400" cy="4114800"/>
+          </a:xfrm>
+          <a:prstGeom prst="rect">
+            <a:avLst/>
+          </a:prstGeom>
+        </p:spPr>
+        <p:txBody>
+          <a:bodyPr anchorCtr="0" anchor="t" bIns="91425" lIns="91425" spcFirstLastPara="1" rIns="91425" wrap="square" tIns="91425">
+            <a:noAutofit/>
+          </a:bodyPr>
+          <a:lstStyle/>
+          <a:p>
+            <a:pPr indent="0" lvl="0" marL="0" rtl="0" algn="l">
+              <a:spcBef>
+                <a:spcPts val="0"/>
+              </a:spcBef>
+              <a:spcAft>
+                <a:spcPts val="0"/>
+              </a:spcAft>
+              <a:buNone/>
+            </a:pPr>
+            <a:r>
+              <a:rPr lang="it"/>
+              <a:t>v0: delineare la differenza fondamentale con NodeJS, super ottimizzato da anni mentre wasm roba nuova che però dimostra efficienza per quanto riguarda la size.</a:t>
+            </a:r>
+            <a:endParaRPr/>
+          </a:p>
+          <a:p>
+            <a:pPr indent="0" lvl="0" marL="0" rtl="0" algn="l">
+              <a:spcBef>
+                <a:spcPts val="0"/>
+              </a:spcBef>
+              <a:spcAft>
+                <a:spcPts val="0"/>
+              </a:spcAft>
+              <a:buNone/>
+            </a:pPr>
+            <a:r>
+              <a:rPr lang="it"/>
+              <a:t>pecca di performance ancora però, non mettere troppo il focus sulla pecca. spiega il perchè: lo standard si muove lento, le implementazioni ci sono ma sono custom</a:t>
+            </a:r>
+            <a:endParaRPr/>
+          </a:p>
+          <a:p>
+            <a:pPr indent="0" lvl="0" marL="0" rtl="0" algn="l">
+              <a:spcBef>
+                <a:spcPts val="0"/>
+              </a:spcBef>
+              <a:spcAft>
+                <a:spcPts val="0"/>
+              </a:spcAft>
+              <a:buNone/>
+            </a:pPr>
+            <a:r>
+              <a:rPr lang="it"/>
+              <a:t>v1: male, mi sono perso. lasciarla agli ultimissimi 30 secondi, deve essere il finale della presentazione e ricalcare ciò che è stato detto prima non ritornare indietro</a:t>
+            </a:r>
+            <a:endParaRPr/>
+          </a:p>
+          <a:p>
+            <a:pPr indent="0" lvl="0" marL="0" rtl="0" algn="l">
+              <a:spcBef>
+                <a:spcPts val="0"/>
+              </a:spcBef>
+              <a:spcAft>
+                <a:spcPts val="0"/>
+              </a:spcAft>
+              <a:buNone/>
+            </a:pPr>
+            <a:r>
+              <a:rPr lang="it"/>
+              <a:t>una cosa che non si evince dai benchmark è la sicurezza e la portabilità / interoperabilità</a:t>
+            </a:r>
+            <a:endParaRPr/>
+          </a:p>
+          <a:p>
+            <a:pPr indent="0" lvl="0" marL="0" rtl="0" algn="l">
+              <a:spcBef>
+                <a:spcPts val="0"/>
+              </a:spcBef>
+              <a:spcAft>
+                <a:spcPts val="0"/>
+              </a:spcAft>
+              <a:buNone/>
+            </a:pPr>
+            <a:r>
+              <a:rPr lang="it"/>
+              <a:t>v2: effettuare un discorso fatto bene: è una soluzione immatura. poni il focus su quello e fai bene le conclusioni. devono essere fatte bene</a:t>
+            </a:r>
+            <a:endParaRPr/>
+          </a:p>
+        </p:txBody>
+      </p:sp>
+    </p:spTree>
+  </p:cSld>
+  <p:clrMapOvr>
+    <a:masterClrMapping/>
+  </p:clrMapOvr>
+</p:notes>
+</file>
+
+<file path=ppt/notesSlides/notesSlide9.xml><?xml version="1.0" encoding="utf-8"?>
+<p:notes xmlns:a="http://schemas.openxmlformats.org/drawingml/2006/main" xmlns:r="http://schemas.openxmlformats.org/officeDocument/2006/relationships" xmlns:mc="http://schemas.openxmlformats.org/markup-compatibility/2006" xmlns:mv="urn:schemas-microsoft-com:mac:vml" xmlns:p="http://schemas.openxmlformats.org/presentationml/2006/main" xmlns:c="http://schemas.openxmlformats.org/drawingml/2006/chart" xmlns:dgm="http://schemas.openxmlformats.org/drawingml/2006/diagram" xmlns:o="urn:schemas-microsoft-com:office:office" xmlns:v="urn:schemas-microsoft-com:vml" xmlns:pvml="urn:schemas-microsoft-com:office:powerpoint" xmlns:com="http://schemas.openxmlformats.org/drawingml/2006/compatibility" xmlns:p14="http://schemas.microsoft.com/office/powerpoint/2010/main" xmlns:p15="http://schemas.microsoft.com/office/powerpoint/2012/main" xmlns:ahyp="http://schemas.microsoft.com/office/drawing/2018/hyperlinkcolor" showMasterPhAnim="0" showMasterSp="0">
+  <p:cSld>
+    <p:spTree>
+      <p:nvGrpSpPr>
+        <p:cNvPr id="120" name="Shape 120"/>
+        <p:cNvGrpSpPr/>
+        <p:nvPr/>
+      </p:nvGrpSpPr>
+      <p:grpSpPr>
+        <a:xfrm>
+          <a:off x="0" y="0"/>
+          <a:ext cx="0" cy="0"/>
+          <a:chOff x="0" y="0"/>
+          <a:chExt cx="0" cy="0"/>
+        </a:xfrm>
+      </p:grpSpPr>
+      <p:sp>
+        <p:nvSpPr>
+          <p:cNvPr id="121" name="Google Shape;121;g21fc4e117c9_0_28:notes"/>
+          <p:cNvSpPr/>
+          <p:nvPr>
+            <p:ph idx="2" type="sldImg"/>
+          </p:nvPr>
+        </p:nvSpPr>
+        <p:spPr>
+          <a:xfrm>
+            <a:off x="381300" y="685800"/>
+            <a:ext cx="6096000" cy="3429000"/>
+          </a:xfrm>
+          <a:custGeom>
+            <a:rect b="b" l="l" r="r" t="t"/>
+            <a:pathLst>
+              <a:path extrusionOk="0" h="120000" w="120000">
+                <a:moveTo>
+                  <a:pt x="0" y="0"/>
+                </a:moveTo>
+                <a:lnTo>
+                  <a:pt x="120000" y="0"/>
+                </a:lnTo>
+                <a:lnTo>
+                  <a:pt x="120000" y="120000"/>
+                </a:lnTo>
+                <a:lnTo>
+                  <a:pt x="0" y="120000"/>
+                </a:lnTo>
+                <a:close/>
+              </a:path>
+            </a:pathLst>
+          </a:custGeom>
+        </p:spPr>
+      </p:sp>
+      <p:sp>
+        <p:nvSpPr>
+          <p:cNvPr id="122" name="Google Shape;122;g21fc4e117c9_0_28:notes"/>
+          <p:cNvSpPr txBox="1"/>
+          <p:nvPr>
+            <p:ph idx="1" type="body"/>
+          </p:nvPr>
+        </p:nvSpPr>
+        <p:spPr>
+          <a:xfrm>
+            <a:off x="685800" y="4343400"/>
+            <a:ext cx="5486400" cy="4114800"/>
+          </a:xfrm>
+          <a:prstGeom prst="rect">
+            <a:avLst/>
+          </a:prstGeom>
+        </p:spPr>
+        <p:txBody>
+          <a:bodyPr anchorCtr="0" anchor="t" bIns="91425" lIns="91425" spcFirstLastPara="1" rIns="91425" wrap="square" tIns="91425">
+            <a:noAutofit/>
+          </a:bodyPr>
+          <a:lstStyle/>
+          <a:p>
+            <a:pPr indent="0" lvl="0" marL="0" rtl="0" algn="l">
+              <a:spcBef>
+                <a:spcPts val="0"/>
+              </a:spcBef>
+              <a:spcAft>
+                <a:spcPts val="0"/>
+              </a:spcAft>
+              <a:buNone/>
+            </a:pPr>
+            <a:r>
+              <a:rPr lang="it"/>
+              <a:t>v3: abbastanza good, non riprendere cncetti già dati</a:t>
             </a:r>
             <a:endParaRPr/>
           </a:p>
@@ -5350,7 +5900,7 @@
     <p:sldLayoutId id="2147483657" r:id="rId10"/>
     <p:sldLayoutId id="2147483658" r:id="rId11"/>
   </p:sldLayoutIdLst>
-  <p:hf dt="0" ftr="0" hdr="0" sldNum="0"/>
+  <p:hf dt="0" ftr="0" hdr="0"/>
   <p:txStyles>
     <p:titleStyle>
       <a:defPPr lvl="0" marR="0" rtl="0" algn="l">
@@ -6065,43 +6615,84 @@
           <p:cNvPr id="54" name="Google Shape;54;p13"/>
           <p:cNvSpPr txBox="1"/>
           <p:nvPr>
-            <p:ph type="ctrTitle"/>
+            <p:ph idx="1" type="subTitle"/>
           </p:nvPr>
         </p:nvSpPr>
         <p:spPr>
           <a:xfrm>
-            <a:off x="311700" y="207600"/>
-            <a:ext cx="8520600" cy="913200"/>
+            <a:off x="311700" y="1233925"/>
+            <a:ext cx="8520600" cy="1031400"/>
           </a:xfrm>
           <a:prstGeom prst="rect">
             <a:avLst/>
           </a:prstGeom>
         </p:spPr>
         <p:txBody>
-          <a:bodyPr anchorCtr="0" anchor="b" bIns="91425" lIns="91425" spcFirstLastPara="1" rIns="91425" wrap="square" tIns="91425">
-            <a:normAutofit fontScale="90000"/>
+          <a:bodyPr anchorCtr="0" anchor="t" bIns="91425" lIns="91425" spcFirstLastPara="1" rIns="91425" wrap="square" tIns="91425">
+            <a:noAutofit/>
           </a:bodyPr>
           <a:lstStyle/>
           <a:p>
             <a:pPr indent="0" lvl="0" marL="0" rtl="0" algn="ctr">
-              <a:spcBef>
-                <a:spcPts val="0"/>
-              </a:spcBef>
-              <a:spcAft>
-                <a:spcPts val="0"/>
-              </a:spcAft>
+              <a:lnSpc>
+                <a:spcPct val="95000"/>
+              </a:lnSpc>
+              <a:spcBef>
+                <a:spcPts val="1200"/>
+              </a:spcBef>
+              <a:spcAft>
+                <a:spcPts val="0"/>
+              </a:spcAft>
+              <a:buClr>
+                <a:schemeClr val="dk1"/>
+              </a:buClr>
+              <a:buSzPts val="275"/>
+              <a:buFont typeface="Arial"/>
               <a:buNone/>
             </a:pPr>
             <a:r>
-              <a:rPr lang="it">
+              <a:rPr lang="it" sz="2400">
+                <a:solidFill>
+                  <a:schemeClr val="dk1"/>
+                </a:solidFill>
                 <a:latin typeface="Source Sans Pro"/>
                 <a:ea typeface="Source Sans Pro"/>
                 <a:cs typeface="Source Sans Pro"/>
                 <a:sym typeface="Source Sans Pro"/>
               </a:rPr>
-              <a:t>WASI</a:t>
+              <a:t>SVILUPPO DI APPLICAZIONI BASATE SU WEB ASSEMBLY SYSTEM INTERFACE (WASI) </a:t>
             </a:r>
-            <a:endParaRPr>
+            <a:endParaRPr sz="2400">
+              <a:solidFill>
+                <a:schemeClr val="dk1"/>
+              </a:solidFill>
+              <a:latin typeface="Source Sans Pro"/>
+              <a:ea typeface="Source Sans Pro"/>
+              <a:cs typeface="Source Sans Pro"/>
+              <a:sym typeface="Source Sans Pro"/>
+            </a:endParaRPr>
+          </a:p>
+          <a:p>
+            <a:pPr indent="0" lvl="0" marL="0" rtl="0" algn="ctr">
+              <a:lnSpc>
+                <a:spcPct val="80000"/>
+              </a:lnSpc>
+              <a:spcBef>
+                <a:spcPts val="1200"/>
+              </a:spcBef>
+              <a:spcAft>
+                <a:spcPts val="0"/>
+              </a:spcAft>
+              <a:buSzPts val="275"/>
+              <a:buNone/>
+            </a:pPr>
+            <a:r>
+              <a:t/>
+            </a:r>
+            <a:endParaRPr sz="2400">
+              <a:solidFill>
+                <a:schemeClr val="dk1"/>
+              </a:solidFill>
               <a:latin typeface="Source Sans Pro"/>
               <a:ea typeface="Source Sans Pro"/>
               <a:cs typeface="Source Sans Pro"/>
@@ -6110,9 +6701,37 @@
           </a:p>
         </p:txBody>
       </p:sp>
+      <p:pic>
+        <p:nvPicPr>
+          <p:cNvPr id="55" name="Google Shape;55;p13"/>
+          <p:cNvPicPr preferRelativeResize="0"/>
+          <p:nvPr/>
+        </p:nvPicPr>
+        <p:blipFill>
+          <a:blip r:embed="rId3">
+            <a:alphaModFix/>
+          </a:blip>
+          <a:stretch>
+            <a:fillRect/>
+          </a:stretch>
+        </p:blipFill>
+        <p:spPr>
+          <a:xfrm>
+            <a:off x="5863650" y="1456925"/>
+            <a:ext cx="846150" cy="846126"/>
+          </a:xfrm>
+          <a:prstGeom prst="rect">
+            <a:avLst/>
+          </a:prstGeom>
+          <a:noFill/>
+          <a:ln>
+            <a:noFill/>
+          </a:ln>
+        </p:spPr>
+      </p:pic>
       <p:sp>
         <p:nvSpPr>
-          <p:cNvPr id="55" name="Google Shape;55;p13"/>
+          <p:cNvPr id="56" name="Google Shape;56;p13"/>
           <p:cNvSpPr txBox="1"/>
           <p:nvPr>
             <p:ph idx="1" type="subTitle"/>
@@ -6120,7 +6739,7 @@
         </p:nvSpPr>
         <p:spPr>
           <a:xfrm>
-            <a:off x="311700" y="1157725"/>
+            <a:off x="311700" y="2529325"/>
             <a:ext cx="8520600" cy="792600"/>
           </a:xfrm>
           <a:prstGeom prst="rect">
@@ -6143,15 +6762,15 @@
               <a:buNone/>
             </a:pPr>
             <a:r>
-              <a:rPr lang="it">
+              <a:rPr lang="it" sz="1700">
                 <a:latin typeface="Source Sans Pro"/>
                 <a:ea typeface="Source Sans Pro"/>
                 <a:cs typeface="Source Sans Pro"/>
                 <a:sym typeface="Source Sans Pro"/>
               </a:rPr>
-              <a:t>WebAssembly System Interface</a:t>
+              <a:t>Una System Interface per un sistema operativo concettuale</a:t>
             </a:r>
-            <a:endParaRPr>
+            <a:endParaRPr sz="1700">
               <a:latin typeface="Source Sans Pro"/>
               <a:ea typeface="Source Sans Pro"/>
               <a:cs typeface="Source Sans Pro"/>
@@ -6160,24 +6779,56 @@
           </a:p>
         </p:txBody>
       </p:sp>
-      <p:pic>
-        <p:nvPicPr>
-          <p:cNvPr id="56" name="Google Shape;56;p13"/>
-          <p:cNvPicPr preferRelativeResize="0"/>
-          <p:nvPr/>
-        </p:nvPicPr>
-        <p:blipFill>
-          <a:blip r:embed="rId3">
-            <a:alphaModFix/>
-          </a:blip>
-          <a:stretch>
-            <a:fillRect/>
-          </a:stretch>
-        </p:blipFill>
+      <p:sp>
+        <p:nvSpPr>
+          <p:cNvPr id="57" name="Google Shape;57;p13"/>
+          <p:cNvSpPr txBox="1"/>
+          <p:nvPr>
+            <p:ph idx="12" type="sldNum"/>
+          </p:nvPr>
+        </p:nvSpPr>
         <p:spPr>
           <a:xfrm>
-            <a:off x="3318312" y="2476075"/>
-            <a:ext cx="2507376" cy="2507376"/>
+            <a:off x="8472458" y="4663217"/>
+            <a:ext cx="548700" cy="393600"/>
+          </a:xfrm>
+          <a:prstGeom prst="rect">
+            <a:avLst/>
+          </a:prstGeom>
+        </p:spPr>
+        <p:txBody>
+          <a:bodyPr anchorCtr="0" anchor="ctr" bIns="91425" lIns="91425" spcFirstLastPara="1" rIns="91425" wrap="square" tIns="91425">
+            <a:normAutofit/>
+          </a:bodyPr>
+          <a:lstStyle/>
+          <a:p>
+            <a:pPr indent="0" lvl="0" marL="0" rtl="0" algn="r">
+              <a:spcBef>
+                <a:spcPts val="0"/>
+              </a:spcBef>
+              <a:spcAft>
+                <a:spcPts val="0"/>
+              </a:spcAft>
+              <a:buNone/>
+            </a:pPr>
+            <a:fld id="{00000000-1234-1234-1234-123412341234}" type="slidenum">
+              <a:rPr lang="it"/>
+              <a:t>‹#›</a:t>
+            </a:fld>
+            <a:endParaRPr/>
+          </a:p>
+        </p:txBody>
+      </p:sp>
+      <p:sp>
+        <p:nvSpPr>
+          <p:cNvPr id="58" name="Google Shape;58;p13"/>
+          <p:cNvSpPr txBox="1"/>
+          <p:nvPr/>
+        </p:nvSpPr>
+        <p:spPr>
+          <a:xfrm>
+            <a:off x="1907550" y="76350"/>
+            <a:ext cx="5328900" cy="831300"/>
           </a:xfrm>
           <a:prstGeom prst="rect">
             <a:avLst/>
@@ -6187,27 +6838,9 @@
             <a:noFill/>
           </a:ln>
         </p:spPr>
-      </p:pic>
-      <p:sp>
-        <p:nvSpPr>
-          <p:cNvPr id="57" name="Google Shape;57;p13"/>
-          <p:cNvSpPr txBox="1"/>
-          <p:nvPr>
-            <p:ph idx="1" type="subTitle"/>
-          </p:nvPr>
-        </p:nvSpPr>
-        <p:spPr>
-          <a:xfrm>
-            <a:off x="311700" y="1995925"/>
-            <a:ext cx="8520600" cy="792600"/>
-          </a:xfrm>
-          <a:prstGeom prst="rect">
-            <a:avLst/>
-          </a:prstGeom>
-        </p:spPr>
         <p:txBody>
           <a:bodyPr anchorCtr="0" anchor="t" bIns="91425" lIns="91425" spcFirstLastPara="1" rIns="91425" wrap="square" tIns="91425">
-            <a:normAutofit/>
+            <a:spAutoFit/>
           </a:bodyPr>
           <a:lstStyle/>
           <a:p>
@@ -6221,15 +6854,223 @@
               <a:buNone/>
             </a:pPr>
             <a:r>
-              <a:rPr lang="it" sz="1700">
+              <a:rPr b="1" lang="it">
                 <a:latin typeface="Source Sans Pro"/>
                 <a:ea typeface="Source Sans Pro"/>
                 <a:cs typeface="Source Sans Pro"/>
                 <a:sym typeface="Source Sans Pro"/>
               </a:rPr>
-              <a:t>Una System Interface per un sistema operativo concettuale</a:t>
+              <a:t>Scuola di Ingegneria e Architettura Dipartimento di Informatica · Scienza e Ingegneria · DISI Corso di Laurea in Ingegneria Informatica </a:t>
             </a:r>
-            <a:endParaRPr sz="1700">
+            <a:endParaRPr b="1">
+              <a:latin typeface="Source Sans Pro"/>
+              <a:ea typeface="Source Sans Pro"/>
+              <a:cs typeface="Source Sans Pro"/>
+              <a:sym typeface="Source Sans Pro"/>
+            </a:endParaRPr>
+          </a:p>
+        </p:txBody>
+      </p:sp>
+      <p:sp>
+        <p:nvSpPr>
+          <p:cNvPr id="59" name="Google Shape;59;p13"/>
+          <p:cNvSpPr txBox="1"/>
+          <p:nvPr/>
+        </p:nvSpPr>
+        <p:spPr>
+          <a:xfrm>
+            <a:off x="509650" y="3879675"/>
+            <a:ext cx="2594400" cy="615600"/>
+          </a:xfrm>
+          <a:prstGeom prst="rect">
+            <a:avLst/>
+          </a:prstGeom>
+          <a:noFill/>
+          <a:ln>
+            <a:noFill/>
+          </a:ln>
+        </p:spPr>
+        <p:txBody>
+          <a:bodyPr anchorCtr="0" anchor="t" bIns="91425" lIns="91425" spcFirstLastPara="1" rIns="91425" wrap="square" tIns="91425">
+            <a:spAutoFit/>
+          </a:bodyPr>
+          <a:lstStyle/>
+          <a:p>
+            <a:pPr indent="0" lvl="0" marL="0" rtl="0" algn="l">
+              <a:spcBef>
+                <a:spcPts val="0"/>
+              </a:spcBef>
+              <a:spcAft>
+                <a:spcPts val="0"/>
+              </a:spcAft>
+              <a:buNone/>
+            </a:pPr>
+            <a:r>
+              <a:rPr lang="it">
+                <a:latin typeface="Source Sans Pro"/>
+                <a:ea typeface="Source Sans Pro"/>
+                <a:cs typeface="Source Sans Pro"/>
+                <a:sym typeface="Source Sans Pro"/>
+              </a:rPr>
+              <a:t>Relatore: </a:t>
+            </a:r>
+            <a:br>
+              <a:rPr lang="it">
+                <a:latin typeface="Source Sans Pro"/>
+                <a:ea typeface="Source Sans Pro"/>
+                <a:cs typeface="Source Sans Pro"/>
+                <a:sym typeface="Source Sans Pro"/>
+              </a:rPr>
+            </a:br>
+            <a:r>
+              <a:rPr b="1" lang="it">
+                <a:latin typeface="Source Sans Pro"/>
+                <a:ea typeface="Source Sans Pro"/>
+                <a:cs typeface="Source Sans Pro"/>
+                <a:sym typeface="Source Sans Pro"/>
+              </a:rPr>
+              <a:t>Prof. Paolo Bellavista</a:t>
+            </a:r>
+            <a:endParaRPr b="1">
+              <a:latin typeface="Source Sans Pro"/>
+              <a:ea typeface="Source Sans Pro"/>
+              <a:cs typeface="Source Sans Pro"/>
+              <a:sym typeface="Source Sans Pro"/>
+            </a:endParaRPr>
+          </a:p>
+        </p:txBody>
+      </p:sp>
+      <p:sp>
+        <p:nvSpPr>
+          <p:cNvPr id="60" name="Google Shape;60;p13"/>
+          <p:cNvSpPr txBox="1"/>
+          <p:nvPr/>
+        </p:nvSpPr>
+        <p:spPr>
+          <a:xfrm>
+            <a:off x="7016775" y="3879675"/>
+            <a:ext cx="1456500" cy="615600"/>
+          </a:xfrm>
+          <a:prstGeom prst="rect">
+            <a:avLst/>
+          </a:prstGeom>
+          <a:noFill/>
+          <a:ln>
+            <a:noFill/>
+          </a:ln>
+        </p:spPr>
+        <p:txBody>
+          <a:bodyPr anchorCtr="0" anchor="t" bIns="91425" lIns="91425" spcFirstLastPara="1" rIns="91425" wrap="square" tIns="91425">
+            <a:spAutoFit/>
+          </a:bodyPr>
+          <a:lstStyle/>
+          <a:p>
+            <a:pPr indent="0" lvl="0" marL="0" rtl="0" algn="l">
+              <a:spcBef>
+                <a:spcPts val="0"/>
+              </a:spcBef>
+              <a:spcAft>
+                <a:spcPts val="0"/>
+              </a:spcAft>
+              <a:buNone/>
+            </a:pPr>
+            <a:r>
+              <a:rPr lang="it">
+                <a:latin typeface="Source Sans Pro"/>
+                <a:ea typeface="Source Sans Pro"/>
+                <a:cs typeface="Source Sans Pro"/>
+                <a:sym typeface="Source Sans Pro"/>
+              </a:rPr>
+              <a:t>Presentata da</a:t>
+            </a:r>
+            <a:r>
+              <a:rPr lang="it">
+                <a:latin typeface="Source Sans Pro"/>
+                <a:ea typeface="Source Sans Pro"/>
+                <a:cs typeface="Source Sans Pro"/>
+                <a:sym typeface="Source Sans Pro"/>
+              </a:rPr>
+              <a:t>: </a:t>
+            </a:r>
+            <a:br>
+              <a:rPr lang="it">
+                <a:latin typeface="Source Sans Pro"/>
+                <a:ea typeface="Source Sans Pro"/>
+                <a:cs typeface="Source Sans Pro"/>
+                <a:sym typeface="Source Sans Pro"/>
+              </a:rPr>
+            </a:br>
+            <a:r>
+              <a:rPr b="1" lang="it">
+                <a:latin typeface="Source Sans Pro"/>
+                <a:ea typeface="Source Sans Pro"/>
+                <a:cs typeface="Source Sans Pro"/>
+                <a:sym typeface="Source Sans Pro"/>
+              </a:rPr>
+              <a:t>Luca Corsetti</a:t>
+            </a:r>
+            <a:endParaRPr b="1">
+              <a:latin typeface="Source Sans Pro"/>
+              <a:ea typeface="Source Sans Pro"/>
+              <a:cs typeface="Source Sans Pro"/>
+              <a:sym typeface="Source Sans Pro"/>
+            </a:endParaRPr>
+          </a:p>
+        </p:txBody>
+      </p:sp>
+      <p:sp>
+        <p:nvSpPr>
+          <p:cNvPr id="61" name="Google Shape;61;p13"/>
+          <p:cNvSpPr txBox="1"/>
+          <p:nvPr/>
+        </p:nvSpPr>
+        <p:spPr>
+          <a:xfrm>
+            <a:off x="3306450" y="4629750"/>
+            <a:ext cx="2531100" cy="369300"/>
+          </a:xfrm>
+          <a:prstGeom prst="rect">
+            <a:avLst/>
+          </a:prstGeom>
+          <a:noFill/>
+          <a:ln>
+            <a:noFill/>
+          </a:ln>
+        </p:spPr>
+        <p:txBody>
+          <a:bodyPr anchorCtr="0" anchor="t" bIns="91425" lIns="91425" spcFirstLastPara="1" rIns="91425" wrap="square" tIns="91425">
+            <a:spAutoFit/>
+          </a:bodyPr>
+          <a:lstStyle/>
+          <a:p>
+            <a:pPr indent="0" lvl="0" marL="0" rtl="0" algn="ctr">
+              <a:spcBef>
+                <a:spcPts val="0"/>
+              </a:spcBef>
+              <a:spcAft>
+                <a:spcPts val="0"/>
+              </a:spcAft>
+              <a:buNone/>
+            </a:pPr>
+            <a:r>
+              <a:rPr lang="it" sz="1200">
+                <a:latin typeface="Source Sans Pro"/>
+                <a:ea typeface="Source Sans Pro"/>
+                <a:cs typeface="Source Sans Pro"/>
+                <a:sym typeface="Source Sans Pro"/>
+              </a:rPr>
+              <a:t>A</a:t>
+            </a:r>
+            <a:r>
+              <a:rPr lang="it" sz="1200">
+                <a:latin typeface="Source Sans Pro"/>
+                <a:ea typeface="Source Sans Pro"/>
+                <a:cs typeface="Source Sans Pro"/>
+                <a:sym typeface="Source Sans Pro"/>
+              </a:rPr>
+              <a:t>nno Accademico 2021/2022</a:t>
+            </a:r>
+            <a:endParaRPr sz="1200">
               <a:latin typeface="Source Sans Pro"/>
               <a:ea typeface="Source Sans Pro"/>
               <a:cs typeface="Source Sans Pro"/>
@@ -6251,7 +7092,7 @@
   <p:cSld>
     <p:spTree>
       <p:nvGrpSpPr>
-        <p:cNvPr id="61" name="Shape 61"/>
+        <p:cNvPr id="65" name="Shape 65"/>
         <p:cNvGrpSpPr/>
         <p:nvPr/>
       </p:nvGrpSpPr>
@@ -6265,7 +7106,332 @@
       </p:grpSpPr>
       <p:sp>
         <p:nvSpPr>
-          <p:cNvPr id="62" name="Google Shape;62;p14"/>
+          <p:cNvPr id="66" name="Google Shape;66;p14"/>
+          <p:cNvSpPr txBox="1"/>
+          <p:nvPr>
+            <p:ph idx="12" type="sldNum"/>
+          </p:nvPr>
+        </p:nvSpPr>
+        <p:spPr>
+          <a:xfrm>
+            <a:off x="8472458" y="4663217"/>
+            <a:ext cx="548700" cy="393600"/>
+          </a:xfrm>
+          <a:prstGeom prst="rect">
+            <a:avLst/>
+          </a:prstGeom>
+        </p:spPr>
+        <p:txBody>
+          <a:bodyPr anchorCtr="0" anchor="ctr" bIns="91425" lIns="91425" spcFirstLastPara="1" rIns="91425" wrap="square" tIns="91425">
+            <a:normAutofit/>
+          </a:bodyPr>
+          <a:lstStyle/>
+          <a:p>
+            <a:pPr indent="0" lvl="0" marL="0" rtl="0" algn="r">
+              <a:spcBef>
+                <a:spcPts val="0"/>
+              </a:spcBef>
+              <a:spcAft>
+                <a:spcPts val="0"/>
+              </a:spcAft>
+              <a:buNone/>
+            </a:pPr>
+            <a:fld id="{00000000-1234-1234-1234-123412341234}" type="slidenum">
+              <a:rPr lang="it"/>
+              <a:t>‹#›</a:t>
+            </a:fld>
+            <a:endParaRPr/>
+          </a:p>
+        </p:txBody>
+      </p:sp>
+      <p:sp>
+        <p:nvSpPr>
+          <p:cNvPr id="67" name="Google Shape;67;p14"/>
+          <p:cNvSpPr txBox="1"/>
+          <p:nvPr/>
+        </p:nvSpPr>
+        <p:spPr>
+          <a:xfrm>
+            <a:off x="1907550" y="76350"/>
+            <a:ext cx="5328900" cy="400200"/>
+          </a:xfrm>
+          <a:prstGeom prst="rect">
+            <a:avLst/>
+          </a:prstGeom>
+          <a:noFill/>
+          <a:ln>
+            <a:noFill/>
+          </a:ln>
+        </p:spPr>
+        <p:txBody>
+          <a:bodyPr anchorCtr="0" anchor="t" bIns="91425" lIns="91425" spcFirstLastPara="1" rIns="91425" wrap="square" tIns="91425">
+            <a:spAutoFit/>
+          </a:bodyPr>
+          <a:lstStyle/>
+          <a:p>
+            <a:pPr indent="0" lvl="0" marL="0" rtl="0" algn="ctr">
+              <a:spcBef>
+                <a:spcPts val="0"/>
+              </a:spcBef>
+              <a:spcAft>
+                <a:spcPts val="0"/>
+              </a:spcAft>
+              <a:buNone/>
+            </a:pPr>
+            <a:r>
+              <a:t/>
+            </a:r>
+            <a:endParaRPr b="1">
+              <a:latin typeface="Source Sans Pro"/>
+              <a:ea typeface="Source Sans Pro"/>
+              <a:cs typeface="Source Sans Pro"/>
+              <a:sym typeface="Source Sans Pro"/>
+            </a:endParaRPr>
+          </a:p>
+        </p:txBody>
+      </p:sp>
+      <p:sp>
+        <p:nvSpPr>
+          <p:cNvPr id="68" name="Google Shape;68;p14"/>
+          <p:cNvSpPr txBox="1"/>
+          <p:nvPr>
+            <p:ph idx="4294967295" type="title"/>
+          </p:nvPr>
+        </p:nvSpPr>
+        <p:spPr>
+          <a:xfrm>
+            <a:off x="311700" y="-12175"/>
+            <a:ext cx="8520600" cy="572700"/>
+          </a:xfrm>
+          <a:prstGeom prst="rect">
+            <a:avLst/>
+          </a:prstGeom>
+        </p:spPr>
+        <p:txBody>
+          <a:bodyPr anchorCtr="0" anchor="t" bIns="91425" lIns="91425" spcFirstLastPara="1" rIns="91425" wrap="square" tIns="91425">
+            <a:normAutofit fontScale="90000"/>
+          </a:bodyPr>
+          <a:lstStyle/>
+          <a:p>
+            <a:pPr indent="0" lvl="0" marL="0" rtl="0" algn="ctr">
+              <a:spcBef>
+                <a:spcPts val="0"/>
+              </a:spcBef>
+              <a:spcAft>
+                <a:spcPts val="0"/>
+              </a:spcAft>
+              <a:buNone/>
+            </a:pPr>
+            <a:r>
+              <a:rPr lang="it">
+                <a:latin typeface="Source Sans Pro"/>
+                <a:ea typeface="Source Sans Pro"/>
+                <a:cs typeface="Source Sans Pro"/>
+                <a:sym typeface="Source Sans Pro"/>
+              </a:rPr>
+              <a:t>Obiettivi della tesi</a:t>
+            </a:r>
+            <a:endParaRPr>
+              <a:latin typeface="Source Sans Pro"/>
+              <a:ea typeface="Source Sans Pro"/>
+              <a:cs typeface="Source Sans Pro"/>
+              <a:sym typeface="Source Sans Pro"/>
+            </a:endParaRPr>
+          </a:p>
+        </p:txBody>
+      </p:sp>
+      <p:sp>
+        <p:nvSpPr>
+          <p:cNvPr id="69" name="Google Shape;69;p14"/>
+          <p:cNvSpPr txBox="1"/>
+          <p:nvPr/>
+        </p:nvSpPr>
+        <p:spPr>
+          <a:xfrm>
+            <a:off x="684150" y="1863750"/>
+            <a:ext cx="7775700" cy="1416000"/>
+          </a:xfrm>
+          <a:prstGeom prst="rect">
+            <a:avLst/>
+          </a:prstGeom>
+          <a:noFill/>
+          <a:ln>
+            <a:noFill/>
+          </a:ln>
+        </p:spPr>
+        <p:txBody>
+          <a:bodyPr anchorCtr="0" anchor="t" bIns="91425" lIns="91425" spcFirstLastPara="1" rIns="91425" wrap="square" tIns="91425">
+            <a:spAutoFit/>
+          </a:bodyPr>
+          <a:lstStyle/>
+          <a:p>
+            <a:pPr indent="0" lvl="0" marL="0" rtl="0" algn="l">
+              <a:spcBef>
+                <a:spcPts val="0"/>
+              </a:spcBef>
+              <a:spcAft>
+                <a:spcPts val="0"/>
+              </a:spcAft>
+              <a:buNone/>
+            </a:pPr>
+            <a:r>
+              <a:rPr lang="it" sz="1600">
+                <a:solidFill>
+                  <a:schemeClr val="dk1"/>
+                </a:solidFill>
+                <a:latin typeface="Source Sans Pro"/>
+                <a:ea typeface="Source Sans Pro"/>
+                <a:cs typeface="Source Sans Pro"/>
+                <a:sym typeface="Source Sans Pro"/>
+              </a:rPr>
+              <a:t>👉 Studiare </a:t>
+            </a:r>
+            <a:r>
+              <a:rPr lang="it" sz="1600">
+                <a:latin typeface="Source Sans Pro"/>
+                <a:ea typeface="Source Sans Pro"/>
+                <a:cs typeface="Source Sans Pro"/>
+                <a:sym typeface="Source Sans Pro"/>
+              </a:rPr>
+              <a:t>WebAssembly in contesti non-browser</a:t>
+            </a:r>
+            <a:br>
+              <a:rPr lang="it" sz="1600">
+                <a:latin typeface="Source Sans Pro"/>
+                <a:ea typeface="Source Sans Pro"/>
+                <a:cs typeface="Source Sans Pro"/>
+                <a:sym typeface="Source Sans Pro"/>
+              </a:rPr>
+            </a:br>
+            <a:endParaRPr sz="1600">
+              <a:latin typeface="Source Sans Pro"/>
+              <a:ea typeface="Source Sans Pro"/>
+              <a:cs typeface="Source Sans Pro"/>
+              <a:sym typeface="Source Sans Pro"/>
+            </a:endParaRPr>
+          </a:p>
+          <a:p>
+            <a:pPr indent="0" lvl="0" marL="0" rtl="0" algn="l">
+              <a:spcBef>
+                <a:spcPts val="0"/>
+              </a:spcBef>
+              <a:spcAft>
+                <a:spcPts val="0"/>
+              </a:spcAft>
+              <a:buNone/>
+            </a:pPr>
+            <a:r>
+              <a:rPr lang="it" sz="1600">
+                <a:solidFill>
+                  <a:schemeClr val="dk1"/>
+                </a:solidFill>
+                <a:latin typeface="Source Sans Pro"/>
+                <a:ea typeface="Source Sans Pro"/>
+                <a:cs typeface="Source Sans Pro"/>
+                <a:sym typeface="Source Sans Pro"/>
+              </a:rPr>
+              <a:t>👉 Comprenderne le potenzialità in ambiente cloud</a:t>
+            </a:r>
+            <a:endParaRPr sz="1600">
+              <a:solidFill>
+                <a:schemeClr val="dk1"/>
+              </a:solidFill>
+              <a:latin typeface="Source Sans Pro"/>
+              <a:ea typeface="Source Sans Pro"/>
+              <a:cs typeface="Source Sans Pro"/>
+              <a:sym typeface="Source Sans Pro"/>
+            </a:endParaRPr>
+          </a:p>
+          <a:p>
+            <a:pPr indent="0" lvl="0" marL="0" rtl="0" algn="l">
+              <a:spcBef>
+                <a:spcPts val="0"/>
+              </a:spcBef>
+              <a:spcAft>
+                <a:spcPts val="0"/>
+              </a:spcAft>
+              <a:buNone/>
+            </a:pPr>
+            <a:r>
+              <a:t/>
+            </a:r>
+            <a:endParaRPr sz="1600">
+              <a:solidFill>
+                <a:schemeClr val="dk1"/>
+              </a:solidFill>
+              <a:latin typeface="Source Sans Pro"/>
+              <a:ea typeface="Source Sans Pro"/>
+              <a:cs typeface="Source Sans Pro"/>
+              <a:sym typeface="Source Sans Pro"/>
+            </a:endParaRPr>
+          </a:p>
+          <a:p>
+            <a:pPr indent="0" lvl="0" marL="0" rtl="0" algn="l">
+              <a:spcBef>
+                <a:spcPts val="0"/>
+              </a:spcBef>
+              <a:spcAft>
+                <a:spcPts val="0"/>
+              </a:spcAft>
+              <a:buClr>
+                <a:schemeClr val="dk1"/>
+              </a:buClr>
+              <a:buSzPts val="1100"/>
+              <a:buFont typeface="Arial"/>
+              <a:buNone/>
+            </a:pPr>
+            <a:r>
+              <a:rPr lang="it" sz="1600">
+                <a:solidFill>
+                  <a:schemeClr val="dk1"/>
+                </a:solidFill>
+                <a:latin typeface="Source Sans Pro"/>
+                <a:ea typeface="Source Sans Pro"/>
+                <a:cs typeface="Source Sans Pro"/>
+                <a:sym typeface="Source Sans Pro"/>
+              </a:rPr>
+              <a:t>👉 Sviluppare un prototipo per valutare la realizzabilità e lo stato attuale della tecnologia</a:t>
+            </a:r>
+            <a:endParaRPr sz="1600">
+              <a:solidFill>
+                <a:schemeClr val="dk1"/>
+              </a:solidFill>
+              <a:latin typeface="Source Sans Pro"/>
+              <a:ea typeface="Source Sans Pro"/>
+              <a:cs typeface="Source Sans Pro"/>
+              <a:sym typeface="Source Sans Pro"/>
+            </a:endParaRPr>
+          </a:p>
+        </p:txBody>
+      </p:sp>
+    </p:spTree>
+  </p:cSld>
+  <p:clrMapOvr>
+    <a:masterClrMapping/>
+  </p:clrMapOvr>
+</p:sld>
+</file>
+
+<file path=ppt/slides/slide3.xml><?xml version="1.0" encoding="utf-8"?>
+<p:sld xmlns:a="http://schemas.openxmlformats.org/drawingml/2006/main" xmlns:r="http://schemas.openxmlformats.org/officeDocument/2006/relationships" xmlns:mc="http://schemas.openxmlformats.org/markup-compatibility/2006" xmlns:mv="urn:schemas-microsoft-com:mac:vml" xmlns:p="http://schemas.openxmlformats.org/presentationml/2006/main" xmlns:c="http://schemas.openxmlformats.org/drawingml/2006/chart" xmlns:dgm="http://schemas.openxmlformats.org/drawingml/2006/diagram" xmlns:o="urn:schemas-microsoft-com:office:office" xmlns:v="urn:schemas-microsoft-com:vml" xmlns:pvml="urn:schemas-microsoft-com:office:powerpoint" xmlns:com="http://schemas.openxmlformats.org/drawingml/2006/compatibility" xmlns:p14="http://schemas.microsoft.com/office/powerpoint/2010/main" xmlns:p15="http://schemas.microsoft.com/office/powerpoint/2012/main" xmlns:ahyp="http://schemas.microsoft.com/office/drawing/2018/hyperlinkcolor">
+  <p:cSld>
+    <p:spTree>
+      <p:nvGrpSpPr>
+        <p:cNvPr id="73" name="Shape 73"/>
+        <p:cNvGrpSpPr/>
+        <p:nvPr/>
+      </p:nvGrpSpPr>
+      <p:grpSpPr>
+        <a:xfrm>
+          <a:off x="0" y="0"/>
+          <a:ext cx="0" cy="0"/>
+          <a:chOff x="0" y="0"/>
+          <a:chExt cx="0" cy="0"/>
+        </a:xfrm>
+      </p:grpSpPr>
+      <p:sp>
+        <p:nvSpPr>
+          <p:cNvPr id="74" name="Google Shape;74;p15"/>
           <p:cNvSpPr txBox="1"/>
           <p:nvPr>
             <p:ph type="title"/>
@@ -6315,7 +7481,7 @@
       </p:sp>
       <p:pic>
         <p:nvPicPr>
-          <p:cNvPr id="63" name="Google Shape;63;p14"/>
+          <p:cNvPr id="75" name="Google Shape;75;p15"/>
           <p:cNvPicPr preferRelativeResize="0"/>
           <p:nvPr/>
         </p:nvPicPr>
@@ -6343,7 +7509,7 @@
       </p:pic>
       <p:pic>
         <p:nvPicPr>
-          <p:cNvPr id="64" name="Google Shape;64;p14"/>
+          <p:cNvPr id="76" name="Google Shape;76;p15"/>
           <p:cNvPicPr preferRelativeResize="0"/>
           <p:nvPr/>
         </p:nvPicPr>
@@ -6369,6 +7535,46 @@
           </a:ln>
         </p:spPr>
       </p:pic>
+      <p:sp>
+        <p:nvSpPr>
+          <p:cNvPr id="77" name="Google Shape;77;p15"/>
+          <p:cNvSpPr txBox="1"/>
+          <p:nvPr>
+            <p:ph idx="12" type="sldNum"/>
+          </p:nvPr>
+        </p:nvSpPr>
+        <p:spPr>
+          <a:xfrm>
+            <a:off x="8472458" y="4663217"/>
+            <a:ext cx="548700" cy="393600"/>
+          </a:xfrm>
+          <a:prstGeom prst="rect">
+            <a:avLst/>
+          </a:prstGeom>
+        </p:spPr>
+        <p:txBody>
+          <a:bodyPr anchorCtr="0" anchor="ctr" bIns="91425" lIns="91425" spcFirstLastPara="1" rIns="91425" wrap="square" tIns="91425">
+            <a:normAutofit/>
+          </a:bodyPr>
+          <a:lstStyle/>
+          <a:p>
+            <a:pPr indent="0" lvl="0" marL="0" rtl="0" algn="r">
+              <a:spcBef>
+                <a:spcPts val="0"/>
+              </a:spcBef>
+              <a:spcAft>
+                <a:spcPts val="0"/>
+              </a:spcAft>
+              <a:buNone/>
+            </a:pPr>
+            <a:fld id="{00000000-1234-1234-1234-123412341234}" type="slidenum">
+              <a:rPr lang="it"/>
+              <a:t>‹#›</a:t>
+            </a:fld>
+            <a:endParaRPr/>
+          </a:p>
+        </p:txBody>
+      </p:sp>
     </p:spTree>
   </p:cSld>
   <p:clrMapOvr>
@@ -6377,12 +7583,12 @@
 </p:sld>
 </file>
 
-<file path=ppt/slides/slide3.xml><?xml version="1.0" encoding="utf-8"?>
+<file path=ppt/slides/slide4.xml><?xml version="1.0" encoding="utf-8"?>
 <p:sld xmlns:a="http://schemas.openxmlformats.org/drawingml/2006/main" xmlns:r="http://schemas.openxmlformats.org/officeDocument/2006/relationships" xmlns:mc="http://schemas.openxmlformats.org/markup-compatibility/2006" xmlns:mv="urn:schemas-microsoft-com:mac:vml" xmlns:p="http://schemas.openxmlformats.org/presentationml/2006/main" xmlns:c="http://schemas.openxmlformats.org/drawingml/2006/chart" xmlns:dgm="http://schemas.openxmlformats.org/drawingml/2006/diagram" xmlns:o="urn:schemas-microsoft-com:office:office" xmlns:v="urn:schemas-microsoft-com:vml" xmlns:pvml="urn:schemas-microsoft-com:office:powerpoint" xmlns:com="http://schemas.openxmlformats.org/drawingml/2006/compatibility" xmlns:p14="http://schemas.microsoft.com/office/powerpoint/2010/main" xmlns:p15="http://schemas.microsoft.com/office/powerpoint/2012/main" xmlns:ahyp="http://schemas.microsoft.com/office/drawing/2018/hyperlinkcolor">
   <p:cSld>
     <p:spTree>
       <p:nvGrpSpPr>
-        <p:cNvPr id="68" name="Shape 68"/>
+        <p:cNvPr id="81" name="Shape 81"/>
         <p:cNvGrpSpPr/>
         <p:nvPr/>
       </p:nvGrpSpPr>
@@ -6396,7 +7602,7 @@
       </p:grpSpPr>
       <p:sp>
         <p:nvSpPr>
-          <p:cNvPr id="69" name="Google Shape;69;p15"/>
+          <p:cNvPr id="82" name="Google Shape;82;p16"/>
           <p:cNvSpPr txBox="1"/>
           <p:nvPr>
             <p:ph type="title"/>
@@ -6446,7 +7652,7 @@
       </p:sp>
       <p:pic>
         <p:nvPicPr>
-          <p:cNvPr id="70" name="Google Shape;70;p15"/>
+          <p:cNvPr id="83" name="Google Shape;83;p16"/>
           <p:cNvPicPr preferRelativeResize="0"/>
           <p:nvPr/>
         </p:nvPicPr>
@@ -6472,6 +7678,46 @@
           </a:ln>
         </p:spPr>
       </p:pic>
+      <p:sp>
+        <p:nvSpPr>
+          <p:cNvPr id="84" name="Google Shape;84;p16"/>
+          <p:cNvSpPr txBox="1"/>
+          <p:nvPr>
+            <p:ph idx="12" type="sldNum"/>
+          </p:nvPr>
+        </p:nvSpPr>
+        <p:spPr>
+          <a:xfrm>
+            <a:off x="8472458" y="4663217"/>
+            <a:ext cx="548700" cy="393600"/>
+          </a:xfrm>
+          <a:prstGeom prst="rect">
+            <a:avLst/>
+          </a:prstGeom>
+        </p:spPr>
+        <p:txBody>
+          <a:bodyPr anchorCtr="0" anchor="ctr" bIns="91425" lIns="91425" spcFirstLastPara="1" rIns="91425" wrap="square" tIns="91425">
+            <a:normAutofit/>
+          </a:bodyPr>
+          <a:lstStyle/>
+          <a:p>
+            <a:pPr indent="0" lvl="0" marL="0" rtl="0" algn="r">
+              <a:spcBef>
+                <a:spcPts val="0"/>
+              </a:spcBef>
+              <a:spcAft>
+                <a:spcPts val="0"/>
+              </a:spcAft>
+              <a:buNone/>
+            </a:pPr>
+            <a:fld id="{00000000-1234-1234-1234-123412341234}" type="slidenum">
+              <a:rPr lang="it"/>
+              <a:t>‹#›</a:t>
+            </a:fld>
+            <a:endParaRPr/>
+          </a:p>
+        </p:txBody>
+      </p:sp>
     </p:spTree>
   </p:cSld>
   <p:clrMapOvr>
@@ -6480,12 +7726,12 @@
 </p:sld>
 </file>
 
-<file path=ppt/slides/slide4.xml><?xml version="1.0" encoding="utf-8"?>
+<file path=ppt/slides/slide5.xml><?xml version="1.0" encoding="utf-8"?>
 <p:sld xmlns:a="http://schemas.openxmlformats.org/drawingml/2006/main" xmlns:r="http://schemas.openxmlformats.org/officeDocument/2006/relationships" xmlns:mc="http://schemas.openxmlformats.org/markup-compatibility/2006" xmlns:mv="urn:schemas-microsoft-com:mac:vml" xmlns:p="http://schemas.openxmlformats.org/presentationml/2006/main" xmlns:c="http://schemas.openxmlformats.org/drawingml/2006/chart" xmlns:dgm="http://schemas.openxmlformats.org/drawingml/2006/diagram" xmlns:o="urn:schemas-microsoft-com:office:office" xmlns:v="urn:schemas-microsoft-com:vml" xmlns:pvml="urn:schemas-microsoft-com:office:powerpoint" xmlns:com="http://schemas.openxmlformats.org/drawingml/2006/compatibility" xmlns:p14="http://schemas.microsoft.com/office/powerpoint/2010/main" xmlns:p15="http://schemas.microsoft.com/office/powerpoint/2012/main" xmlns:ahyp="http://schemas.microsoft.com/office/drawing/2018/hyperlinkcolor">
   <p:cSld>
     <p:spTree>
       <p:nvGrpSpPr>
-        <p:cNvPr id="74" name="Shape 74"/>
+        <p:cNvPr id="88" name="Shape 88"/>
         <p:cNvGrpSpPr/>
         <p:nvPr/>
       </p:nvGrpSpPr>
@@ -6499,7 +7745,7 @@
       </p:grpSpPr>
       <p:sp>
         <p:nvSpPr>
-          <p:cNvPr id="75" name="Google Shape;75;p16"/>
+          <p:cNvPr id="89" name="Google Shape;89;p17"/>
           <p:cNvSpPr txBox="1"/>
           <p:nvPr>
             <p:ph type="title"/>
@@ -6549,7 +7795,7 @@
       </p:sp>
       <p:pic>
         <p:nvPicPr>
-          <p:cNvPr id="76" name="Google Shape;76;p16"/>
+          <p:cNvPr id="90" name="Google Shape;90;p17"/>
           <p:cNvPicPr preferRelativeResize="0"/>
           <p:nvPr/>
         </p:nvPicPr>
@@ -6575,6 +7821,46 @@
           </a:ln>
         </p:spPr>
       </p:pic>
+      <p:sp>
+        <p:nvSpPr>
+          <p:cNvPr id="91" name="Google Shape;91;p17"/>
+          <p:cNvSpPr txBox="1"/>
+          <p:nvPr>
+            <p:ph idx="12" type="sldNum"/>
+          </p:nvPr>
+        </p:nvSpPr>
+        <p:spPr>
+          <a:xfrm>
+            <a:off x="8472458" y="4663217"/>
+            <a:ext cx="548700" cy="393600"/>
+          </a:xfrm>
+          <a:prstGeom prst="rect">
+            <a:avLst/>
+          </a:prstGeom>
+        </p:spPr>
+        <p:txBody>
+          <a:bodyPr anchorCtr="0" anchor="ctr" bIns="91425" lIns="91425" spcFirstLastPara="1" rIns="91425" wrap="square" tIns="91425">
+            <a:normAutofit/>
+          </a:bodyPr>
+          <a:lstStyle/>
+          <a:p>
+            <a:pPr indent="0" lvl="0" marL="0" rtl="0" algn="r">
+              <a:spcBef>
+                <a:spcPts val="0"/>
+              </a:spcBef>
+              <a:spcAft>
+                <a:spcPts val="0"/>
+              </a:spcAft>
+              <a:buNone/>
+            </a:pPr>
+            <a:fld id="{00000000-1234-1234-1234-123412341234}" type="slidenum">
+              <a:rPr lang="it"/>
+              <a:t>‹#›</a:t>
+            </a:fld>
+            <a:endParaRPr/>
+          </a:p>
+        </p:txBody>
+      </p:sp>
     </p:spTree>
   </p:cSld>
   <p:clrMapOvr>
@@ -6583,12 +7869,12 @@
 </p:sld>
 </file>
 
-<file path=ppt/slides/slide5.xml><?xml version="1.0" encoding="utf-8"?>
+<file path=ppt/slides/slide6.xml><?xml version="1.0" encoding="utf-8"?>
 <p:sld xmlns:a="http://schemas.openxmlformats.org/drawingml/2006/main" xmlns:r="http://schemas.openxmlformats.org/officeDocument/2006/relationships" xmlns:mc="http://schemas.openxmlformats.org/markup-compatibility/2006" xmlns:mv="urn:schemas-microsoft-com:mac:vml" xmlns:p="http://schemas.openxmlformats.org/presentationml/2006/main" xmlns:c="http://schemas.openxmlformats.org/drawingml/2006/chart" xmlns:dgm="http://schemas.openxmlformats.org/drawingml/2006/diagram" xmlns:o="urn:schemas-microsoft-com:office:office" xmlns:v="urn:schemas-microsoft-com:vml" xmlns:pvml="urn:schemas-microsoft-com:office:powerpoint" xmlns:com="http://schemas.openxmlformats.org/drawingml/2006/compatibility" xmlns:p14="http://schemas.microsoft.com/office/powerpoint/2010/main" xmlns:p15="http://schemas.microsoft.com/office/powerpoint/2012/main" xmlns:ahyp="http://schemas.microsoft.com/office/drawing/2018/hyperlinkcolor">
   <p:cSld>
     <p:spTree>
       <p:nvGrpSpPr>
-        <p:cNvPr id="80" name="Shape 80"/>
+        <p:cNvPr id="95" name="Shape 95"/>
         <p:cNvGrpSpPr/>
         <p:nvPr/>
       </p:nvGrpSpPr>
@@ -6602,7 +7888,7 @@
       </p:grpSpPr>
       <p:sp>
         <p:nvSpPr>
-          <p:cNvPr id="81" name="Google Shape;81;p17"/>
+          <p:cNvPr id="96" name="Google Shape;96;p18"/>
           <p:cNvSpPr txBox="1"/>
           <p:nvPr>
             <p:ph type="title"/>
@@ -6652,7 +7938,7 @@
       </p:sp>
       <p:pic>
         <p:nvPicPr>
-          <p:cNvPr id="82" name="Google Shape;82;p17"/>
+          <p:cNvPr id="97" name="Google Shape;97;p18"/>
           <p:cNvPicPr preferRelativeResize="0"/>
           <p:nvPr/>
         </p:nvPicPr>
@@ -6678,6 +7964,46 @@
           </a:ln>
         </p:spPr>
       </p:pic>
+      <p:sp>
+        <p:nvSpPr>
+          <p:cNvPr id="98" name="Google Shape;98;p18"/>
+          <p:cNvSpPr txBox="1"/>
+          <p:nvPr>
+            <p:ph idx="12" type="sldNum"/>
+          </p:nvPr>
+        </p:nvSpPr>
+        <p:spPr>
+          <a:xfrm>
+            <a:off x="8472458" y="4663217"/>
+            <a:ext cx="548700" cy="393600"/>
+          </a:xfrm>
+          <a:prstGeom prst="rect">
+            <a:avLst/>
+          </a:prstGeom>
+        </p:spPr>
+        <p:txBody>
+          <a:bodyPr anchorCtr="0" anchor="ctr" bIns="91425" lIns="91425" spcFirstLastPara="1" rIns="91425" wrap="square" tIns="91425">
+            <a:normAutofit/>
+          </a:bodyPr>
+          <a:lstStyle/>
+          <a:p>
+            <a:pPr indent="0" lvl="0" marL="0" rtl="0" algn="r">
+              <a:spcBef>
+                <a:spcPts val="0"/>
+              </a:spcBef>
+              <a:spcAft>
+                <a:spcPts val="0"/>
+              </a:spcAft>
+              <a:buNone/>
+            </a:pPr>
+            <a:fld id="{00000000-1234-1234-1234-123412341234}" type="slidenum">
+              <a:rPr lang="it"/>
+              <a:t>‹#›</a:t>
+            </a:fld>
+            <a:endParaRPr/>
+          </a:p>
+        </p:txBody>
+      </p:sp>
     </p:spTree>
   </p:cSld>
   <p:clrMapOvr>
@@ -6686,12 +8012,12 @@
 </p:sld>
 </file>
 
-<file path=ppt/slides/slide6.xml><?xml version="1.0" encoding="utf-8"?>
+<file path=ppt/slides/slide7.xml><?xml version="1.0" encoding="utf-8"?>
 <p:sld xmlns:a="http://schemas.openxmlformats.org/drawingml/2006/main" xmlns:r="http://schemas.openxmlformats.org/officeDocument/2006/relationships" xmlns:mc="http://schemas.openxmlformats.org/markup-compatibility/2006" xmlns:mv="urn:schemas-microsoft-com:mac:vml" xmlns:p="http://schemas.openxmlformats.org/presentationml/2006/main" xmlns:c="http://schemas.openxmlformats.org/drawingml/2006/chart" xmlns:dgm="http://schemas.openxmlformats.org/drawingml/2006/diagram" xmlns:o="urn:schemas-microsoft-com:office:office" xmlns:v="urn:schemas-microsoft-com:vml" xmlns:pvml="urn:schemas-microsoft-com:office:powerpoint" xmlns:com="http://schemas.openxmlformats.org/drawingml/2006/compatibility" xmlns:p14="http://schemas.microsoft.com/office/powerpoint/2010/main" xmlns:p15="http://schemas.microsoft.com/office/powerpoint/2012/main" xmlns:ahyp="http://schemas.microsoft.com/office/drawing/2018/hyperlinkcolor">
   <p:cSld>
     <p:spTree>
       <p:nvGrpSpPr>
-        <p:cNvPr id="86" name="Shape 86"/>
+        <p:cNvPr id="102" name="Shape 102"/>
         <p:cNvGrpSpPr/>
         <p:nvPr/>
       </p:nvGrpSpPr>
@@ -6705,7 +8031,7 @@
       </p:grpSpPr>
       <p:sp>
         <p:nvSpPr>
-          <p:cNvPr id="87" name="Google Shape;87;p18"/>
+          <p:cNvPr id="103" name="Google Shape;103;p19"/>
           <p:cNvSpPr txBox="1"/>
           <p:nvPr>
             <p:ph type="title"/>
@@ -6755,7 +8081,7 @@
       </p:sp>
       <p:pic>
         <p:nvPicPr>
-          <p:cNvPr id="88" name="Google Shape;88;p18"/>
+          <p:cNvPr id="104" name="Google Shape;104;p19"/>
           <p:cNvPicPr preferRelativeResize="0"/>
           <p:nvPr/>
         </p:nvPicPr>
@@ -6783,7 +8109,7 @@
       </p:pic>
       <p:pic>
         <p:nvPicPr>
-          <p:cNvPr id="89" name="Google Shape;89;p18"/>
+          <p:cNvPr id="105" name="Google Shape;105;p19"/>
           <p:cNvPicPr preferRelativeResize="0"/>
           <p:nvPr/>
         </p:nvPicPr>
@@ -6809,6 +8135,46 @@
           </a:ln>
         </p:spPr>
       </p:pic>
+      <p:sp>
+        <p:nvSpPr>
+          <p:cNvPr id="106" name="Google Shape;106;p19"/>
+          <p:cNvSpPr txBox="1"/>
+          <p:nvPr>
+            <p:ph idx="12" type="sldNum"/>
+          </p:nvPr>
+        </p:nvSpPr>
+        <p:spPr>
+          <a:xfrm>
+            <a:off x="8472458" y="4663217"/>
+            <a:ext cx="548700" cy="393600"/>
+          </a:xfrm>
+          <a:prstGeom prst="rect">
+            <a:avLst/>
+          </a:prstGeom>
+        </p:spPr>
+        <p:txBody>
+          <a:bodyPr anchorCtr="0" anchor="ctr" bIns="91425" lIns="91425" spcFirstLastPara="1" rIns="91425" wrap="square" tIns="91425">
+            <a:normAutofit/>
+          </a:bodyPr>
+          <a:lstStyle/>
+          <a:p>
+            <a:pPr indent="0" lvl="0" marL="0" rtl="0" algn="r">
+              <a:spcBef>
+                <a:spcPts val="0"/>
+              </a:spcBef>
+              <a:spcAft>
+                <a:spcPts val="0"/>
+              </a:spcAft>
+              <a:buNone/>
+            </a:pPr>
+            <a:fld id="{00000000-1234-1234-1234-123412341234}" type="slidenum">
+              <a:rPr lang="it"/>
+              <a:t>‹#›</a:t>
+            </a:fld>
+            <a:endParaRPr/>
+          </a:p>
+        </p:txBody>
+      </p:sp>
     </p:spTree>
   </p:cSld>
   <p:clrMapOvr>
@@ -6817,12 +8183,12 @@
 </p:sld>
 </file>
 
-<file path=ppt/slides/slide7.xml><?xml version="1.0" encoding="utf-8"?>
+<file path=ppt/slides/slide8.xml><?xml version="1.0" encoding="utf-8"?>
 <p:sld xmlns:a="http://schemas.openxmlformats.org/drawingml/2006/main" xmlns:r="http://schemas.openxmlformats.org/officeDocument/2006/relationships" xmlns:mc="http://schemas.openxmlformats.org/markup-compatibility/2006" xmlns:mv="urn:schemas-microsoft-com:mac:vml" xmlns:p="http://schemas.openxmlformats.org/presentationml/2006/main" xmlns:c="http://schemas.openxmlformats.org/drawingml/2006/chart" xmlns:dgm="http://schemas.openxmlformats.org/drawingml/2006/diagram" xmlns:o="urn:schemas-microsoft-com:office:office" xmlns:v="urn:schemas-microsoft-com:vml" xmlns:pvml="urn:schemas-microsoft-com:office:powerpoint" xmlns:com="http://schemas.openxmlformats.org/drawingml/2006/compatibility" xmlns:p14="http://schemas.microsoft.com/office/powerpoint/2010/main" xmlns:p15="http://schemas.microsoft.com/office/powerpoint/2012/main" xmlns:ahyp="http://schemas.microsoft.com/office/drawing/2018/hyperlinkcolor">
   <p:cSld>
     <p:spTree>
       <p:nvGrpSpPr>
-        <p:cNvPr id="93" name="Shape 93"/>
+        <p:cNvPr id="110" name="Shape 110"/>
         <p:cNvGrpSpPr/>
         <p:nvPr/>
       </p:nvGrpSpPr>
@@ -6836,7 +8202,7 @@
       </p:grpSpPr>
       <p:sp>
         <p:nvSpPr>
-          <p:cNvPr id="94" name="Google Shape;94;p19"/>
+          <p:cNvPr id="111" name="Google Shape;111;p20"/>
           <p:cNvSpPr txBox="1"/>
           <p:nvPr>
             <p:ph type="title"/>
@@ -6873,7 +8239,7 @@
                 <a:cs typeface="Source Sans Pro"/>
                 <a:sym typeface="Source Sans Pro"/>
               </a:rPr>
-              <a:t>Un confronto e Conclusioni</a:t>
+              <a:t>Un confronto</a:t>
             </a:r>
             <a:endParaRPr>
               <a:latin typeface="Source Sans Pro"/>
@@ -6886,7 +8252,7 @@
       </p:sp>
       <p:pic>
         <p:nvPicPr>
-          <p:cNvPr id="95" name="Google Shape;95;p19"/>
+          <p:cNvPr id="112" name="Google Shape;112;p20"/>
           <p:cNvPicPr preferRelativeResize="0"/>
           <p:nvPr/>
         </p:nvPicPr>
@@ -6914,7 +8280,7 @@
       </p:pic>
       <p:pic>
         <p:nvPicPr>
-          <p:cNvPr id="96" name="Google Shape;96;p19"/>
+          <p:cNvPr id="113" name="Google Shape;113;p20"/>
           <p:cNvPicPr preferRelativeResize="0"/>
           <p:nvPr/>
         </p:nvPicPr>
@@ -6942,14 +8308,14 @@
       </p:pic>
       <p:sp>
         <p:nvSpPr>
-          <p:cNvPr id="97" name="Google Shape;97;p19"/>
+          <p:cNvPr id="114" name="Google Shape;114;p20"/>
           <p:cNvSpPr txBox="1"/>
           <p:nvPr/>
         </p:nvSpPr>
         <p:spPr>
           <a:xfrm>
-            <a:off x="118350" y="560525"/>
-            <a:ext cx="5206800" cy="2586000"/>
+            <a:off x="118350" y="1627325"/>
+            <a:ext cx="5009400" cy="1985700"/>
           </a:xfrm>
           <a:prstGeom prst="rect">
             <a:avLst/>
@@ -6979,14 +8345,22 @@
                 <a:solidFill>
                   <a:schemeClr val="dk1"/>
                 </a:solidFill>
+                <a:latin typeface="Source Sans Pro"/>
+                <a:ea typeface="Source Sans Pro"/>
+                <a:cs typeface="Source Sans Pro"/>
+                <a:sym typeface="Source Sans Pro"/>
               </a:rPr>
-              <a:t>Benchmark - CPU Apple M1 8 core e 16 GB di RAM </a:t>
+              <a:t>Benchmark </a:t>
             </a:r>
             <a:br>
               <a:rPr lang="it" sz="1300">
                 <a:solidFill>
                   <a:schemeClr val="dk1"/>
                 </a:solidFill>
+                <a:latin typeface="Source Sans Pro"/>
+                <a:ea typeface="Source Sans Pro"/>
+                <a:cs typeface="Source Sans Pro"/>
+                <a:sym typeface="Source Sans Pro"/>
               </a:rPr>
             </a:br>
             <a:r>
@@ -6994,37 +8368,10 @@
                 <a:solidFill>
                   <a:schemeClr val="dk1"/>
                 </a:solidFill>
-              </a:rPr>
-              <a:t>100 utenti connessi in simultanea, inserimento messaggi nell’applicazione</a:t>
-            </a:r>
-            <a:br>
-              <a:rPr lang="it" sz="1300">
-                <a:solidFill>
-                  <a:schemeClr val="dk1"/>
-                </a:solidFill>
-              </a:rPr>
-            </a:br>
-            <a:endParaRPr sz="1300">
-              <a:solidFill>
-                <a:schemeClr val="dk1"/>
-              </a:solidFill>
-            </a:endParaRPr>
-          </a:p>
-          <a:p>
-            <a:pPr indent="0" lvl="0" marL="0" rtl="0" algn="l">
-              <a:spcBef>
-                <a:spcPts val="0"/>
-              </a:spcBef>
-              <a:spcAft>
-                <a:spcPts val="0"/>
-              </a:spcAft>
-              <a:buNone/>
-            </a:pPr>
-            <a:r>
-              <a:rPr lang="it" sz="1300">
-                <a:solidFill>
-                  <a:schemeClr val="dk1"/>
-                </a:solidFill>
+                <a:latin typeface="Source Sans Pro"/>
+                <a:ea typeface="Source Sans Pro"/>
+                <a:cs typeface="Source Sans Pro"/>
+                <a:sym typeface="Source Sans Pro"/>
               </a:rPr>
               <a:t>NodeJS:</a:t>
             </a:r>
@@ -7032,6 +8379,10 @@
               <a:solidFill>
                 <a:schemeClr val="dk1"/>
               </a:solidFill>
+              <a:latin typeface="Source Sans Pro"/>
+              <a:ea typeface="Source Sans Pro"/>
+              <a:cs typeface="Source Sans Pro"/>
+              <a:sym typeface="Source Sans Pro"/>
             </a:endParaRPr>
           </a:p>
           <a:p>
@@ -7046,6 +8397,7 @@
                 <a:schemeClr val="dk1"/>
               </a:buClr>
               <a:buSzPts val="1300"/>
+              <a:buFont typeface="Source Sans Pro"/>
               <a:buChar char="-"/>
             </a:pPr>
             <a:r>
@@ -7053,6 +8405,10 @@
                 <a:solidFill>
                   <a:schemeClr val="dk1"/>
                 </a:solidFill>
+                <a:latin typeface="Source Sans Pro"/>
+                <a:ea typeface="Source Sans Pro"/>
+                <a:cs typeface="Source Sans Pro"/>
+                <a:sym typeface="Source Sans Pro"/>
               </a:rPr>
               <a:t>tempi di risposta &lt; 12ms</a:t>
             </a:r>
@@ -7060,6 +8416,10 @@
               <a:solidFill>
                 <a:schemeClr val="dk1"/>
               </a:solidFill>
+              <a:latin typeface="Source Sans Pro"/>
+              <a:ea typeface="Source Sans Pro"/>
+              <a:cs typeface="Source Sans Pro"/>
+              <a:sym typeface="Source Sans Pro"/>
             </a:endParaRPr>
           </a:p>
           <a:p>
@@ -7074,6 +8434,7 @@
                 <a:schemeClr val="dk1"/>
               </a:buClr>
               <a:buSzPts val="1300"/>
+              <a:buFont typeface="Source Sans Pro"/>
               <a:buChar char="-"/>
             </a:pPr>
             <a:r>
@@ -7081,6 +8442,10 @@
                 <a:solidFill>
                   <a:schemeClr val="dk1"/>
                 </a:solidFill>
+                <a:latin typeface="Source Sans Pro"/>
+                <a:ea typeface="Source Sans Pro"/>
+                <a:cs typeface="Source Sans Pro"/>
+                <a:sym typeface="Source Sans Pro"/>
               </a:rPr>
               <a:t>throughput 603 kReq/min</a:t>
             </a:r>
@@ -7088,6 +8453,10 @@
               <a:solidFill>
                 <a:schemeClr val="dk1"/>
               </a:solidFill>
+              <a:latin typeface="Source Sans Pro"/>
+              <a:ea typeface="Source Sans Pro"/>
+              <a:cs typeface="Source Sans Pro"/>
+              <a:sym typeface="Source Sans Pro"/>
             </a:endParaRPr>
           </a:p>
           <a:p>
@@ -7102,6 +8471,7 @@
                 <a:schemeClr val="dk1"/>
               </a:buClr>
               <a:buSzPts val="1300"/>
+              <a:buFont typeface="Source Sans Pro"/>
               <a:buChar char="-"/>
             </a:pPr>
             <a:r>
@@ -7109,6 +8479,10 @@
                 <a:solidFill>
                   <a:schemeClr val="dk1"/>
                 </a:solidFill>
+                <a:latin typeface="Source Sans Pro"/>
+                <a:ea typeface="Source Sans Pro"/>
+                <a:cs typeface="Source Sans Pro"/>
+                <a:sym typeface="Source Sans Pro"/>
               </a:rPr>
               <a:t>utilizzo della cpu &lt; 5%</a:t>
             </a:r>
@@ -7116,6 +8490,10 @@
               <a:solidFill>
                 <a:schemeClr val="dk1"/>
               </a:solidFill>
+              <a:latin typeface="Source Sans Pro"/>
+              <a:ea typeface="Source Sans Pro"/>
+              <a:cs typeface="Source Sans Pro"/>
+              <a:sym typeface="Source Sans Pro"/>
             </a:endParaRPr>
           </a:p>
           <a:p>
@@ -7133,6 +8511,10 @@
                 <a:solidFill>
                   <a:schemeClr val="dk1"/>
                 </a:solidFill>
+                <a:latin typeface="Source Sans Pro"/>
+                <a:ea typeface="Source Sans Pro"/>
+                <a:cs typeface="Source Sans Pro"/>
+                <a:sym typeface="Source Sans Pro"/>
               </a:rPr>
               <a:t>Wasm:</a:t>
             </a:r>
@@ -7140,6 +8522,10 @@
               <a:solidFill>
                 <a:schemeClr val="dk1"/>
               </a:solidFill>
+              <a:latin typeface="Source Sans Pro"/>
+              <a:ea typeface="Source Sans Pro"/>
+              <a:cs typeface="Source Sans Pro"/>
+              <a:sym typeface="Source Sans Pro"/>
             </a:endParaRPr>
           </a:p>
           <a:p>
@@ -7154,6 +8540,7 @@
                 <a:schemeClr val="dk1"/>
               </a:buClr>
               <a:buSzPts val="1300"/>
+              <a:buFont typeface="Source Sans Pro"/>
               <a:buChar char="-"/>
             </a:pPr>
             <a:r>
@@ -7161,13 +8548,21 @@
                 <a:solidFill>
                   <a:schemeClr val="dk1"/>
                 </a:solidFill>
+                <a:latin typeface="Source Sans Pro"/>
+                <a:ea typeface="Source Sans Pro"/>
+                <a:cs typeface="Source Sans Pro"/>
+                <a:sym typeface="Source Sans Pro"/>
               </a:rPr>
-              <a:t>tempi di risposta &lt;61ms</a:t>
+              <a:t>tempi di risposta &lt; 61ms</a:t>
             </a:r>
             <a:endParaRPr sz="1300">
               <a:solidFill>
                 <a:schemeClr val="dk1"/>
               </a:solidFill>
+              <a:latin typeface="Source Sans Pro"/>
+              <a:ea typeface="Source Sans Pro"/>
+              <a:cs typeface="Source Sans Pro"/>
+              <a:sym typeface="Source Sans Pro"/>
             </a:endParaRPr>
           </a:p>
           <a:p>
@@ -7182,6 +8577,7 @@
                 <a:schemeClr val="dk1"/>
               </a:buClr>
               <a:buSzPts val="1300"/>
+              <a:buFont typeface="Source Sans Pro"/>
               <a:buChar char="-"/>
             </a:pPr>
             <a:r>
@@ -7189,6 +8585,10 @@
                 <a:solidFill>
                   <a:schemeClr val="dk1"/>
                 </a:solidFill>
+                <a:latin typeface="Source Sans Pro"/>
+                <a:ea typeface="Source Sans Pro"/>
+                <a:cs typeface="Source Sans Pro"/>
+                <a:sym typeface="Source Sans Pro"/>
               </a:rPr>
               <a:t>throughput 135 kReq/min</a:t>
             </a:r>
@@ -7196,6 +8596,10 @@
               <a:solidFill>
                 <a:schemeClr val="dk1"/>
               </a:solidFill>
+              <a:latin typeface="Source Sans Pro"/>
+              <a:ea typeface="Source Sans Pro"/>
+              <a:cs typeface="Source Sans Pro"/>
+              <a:sym typeface="Source Sans Pro"/>
             </a:endParaRPr>
           </a:p>
           <a:p>
@@ -7210,6 +8614,7 @@
                 <a:schemeClr val="dk1"/>
               </a:buClr>
               <a:buSzPts val="1300"/>
+              <a:buFont typeface="Source Sans Pro"/>
               <a:buChar char="-"/>
             </a:pPr>
             <a:r>
@@ -7217,6 +8622,10 @@
                 <a:solidFill>
                   <a:schemeClr val="dk1"/>
                 </a:solidFill>
+                <a:latin typeface="Source Sans Pro"/>
+                <a:ea typeface="Source Sans Pro"/>
+                <a:cs typeface="Source Sans Pro"/>
+                <a:sym typeface="Source Sans Pro"/>
               </a:rPr>
               <a:t>utilizzo della cpu tra il 28% e il 38%</a:t>
             </a:r>
@@ -7224,13 +8633,17 @@
               <a:solidFill>
                 <a:schemeClr val="dk1"/>
               </a:solidFill>
+              <a:latin typeface="Source Sans Pro"/>
+              <a:ea typeface="Source Sans Pro"/>
+              <a:cs typeface="Source Sans Pro"/>
+              <a:sym typeface="Source Sans Pro"/>
             </a:endParaRPr>
           </a:p>
         </p:txBody>
       </p:sp>
       <p:pic>
         <p:nvPicPr>
-          <p:cNvPr id="98" name="Google Shape;98;p19"/>
+          <p:cNvPr id="115" name="Google Shape;115;p20"/>
           <p:cNvPicPr preferRelativeResize="0"/>
           <p:nvPr/>
         </p:nvPicPr>
@@ -7258,7 +8671,7 @@
       </p:pic>
       <p:pic>
         <p:nvPicPr>
-          <p:cNvPr id="99" name="Google Shape;99;p19"/>
+          <p:cNvPr id="116" name="Google Shape;116;p20"/>
           <p:cNvPicPr preferRelativeResize="0"/>
           <p:nvPr/>
         </p:nvPicPr>
@@ -7286,14 +8699,14 @@
       </p:pic>
       <p:sp>
         <p:nvSpPr>
-          <p:cNvPr id="100" name="Google Shape;100;p19"/>
+          <p:cNvPr id="117" name="Google Shape;117;p20"/>
           <p:cNvSpPr txBox="1"/>
           <p:nvPr/>
         </p:nvSpPr>
         <p:spPr>
           <a:xfrm>
-            <a:off x="132525" y="3005525"/>
-            <a:ext cx="5984100" cy="785100"/>
+            <a:off x="118350" y="560525"/>
+            <a:ext cx="5009400" cy="785100"/>
           </a:xfrm>
           <a:prstGeom prst="rect">
             <a:avLst/>
@@ -7390,7 +8803,7 @@
       </p:sp>
       <p:pic>
         <p:nvPicPr>
-          <p:cNvPr id="101" name="Google Shape;101;p19"/>
+          <p:cNvPr id="118" name="Google Shape;118;p20"/>
           <p:cNvPicPr preferRelativeResize="0"/>
           <p:nvPr/>
         </p:nvPicPr>
@@ -7406,6 +8819,473 @@
           <a:xfrm>
             <a:off x="8080100" y="0"/>
             <a:ext cx="1063900" cy="1063900"/>
+          </a:xfrm>
+          <a:prstGeom prst="rect">
+            <a:avLst/>
+          </a:prstGeom>
+          <a:noFill/>
+          <a:ln>
+            <a:noFill/>
+          </a:ln>
+        </p:spPr>
+      </p:pic>
+      <p:sp>
+        <p:nvSpPr>
+          <p:cNvPr id="119" name="Google Shape;119;p20"/>
+          <p:cNvSpPr txBox="1"/>
+          <p:nvPr>
+            <p:ph idx="12" type="sldNum"/>
+          </p:nvPr>
+        </p:nvSpPr>
+        <p:spPr>
+          <a:xfrm>
+            <a:off x="8472458" y="4663217"/>
+            <a:ext cx="548700" cy="393600"/>
+          </a:xfrm>
+          <a:prstGeom prst="rect">
+            <a:avLst/>
+          </a:prstGeom>
+        </p:spPr>
+        <p:txBody>
+          <a:bodyPr anchorCtr="0" anchor="ctr" bIns="91425" lIns="91425" spcFirstLastPara="1" rIns="91425" wrap="square" tIns="91425">
+            <a:normAutofit/>
+          </a:bodyPr>
+          <a:lstStyle/>
+          <a:p>
+            <a:pPr indent="0" lvl="0" marL="0" rtl="0" algn="r">
+              <a:spcBef>
+                <a:spcPts val="0"/>
+              </a:spcBef>
+              <a:spcAft>
+                <a:spcPts val="0"/>
+              </a:spcAft>
+              <a:buNone/>
+            </a:pPr>
+            <a:fld id="{00000000-1234-1234-1234-123412341234}" type="slidenum">
+              <a:rPr lang="it"/>
+              <a:t>‹#›</a:t>
+            </a:fld>
+            <a:endParaRPr/>
+          </a:p>
+        </p:txBody>
+      </p:sp>
+    </p:spTree>
+  </p:cSld>
+  <p:clrMapOvr>
+    <a:masterClrMapping/>
+  </p:clrMapOvr>
+</p:sld>
+</file>
+
+<file path=ppt/slides/slide9.xml><?xml version="1.0" encoding="utf-8"?>
+<p:sld xmlns:a="http://schemas.openxmlformats.org/drawingml/2006/main" xmlns:r="http://schemas.openxmlformats.org/officeDocument/2006/relationships" xmlns:mc="http://schemas.openxmlformats.org/markup-compatibility/2006" xmlns:mv="urn:schemas-microsoft-com:mac:vml" xmlns:p="http://schemas.openxmlformats.org/presentationml/2006/main" xmlns:c="http://schemas.openxmlformats.org/drawingml/2006/chart" xmlns:dgm="http://schemas.openxmlformats.org/drawingml/2006/diagram" xmlns:o="urn:schemas-microsoft-com:office:office" xmlns:v="urn:schemas-microsoft-com:vml" xmlns:pvml="urn:schemas-microsoft-com:office:powerpoint" xmlns:com="http://schemas.openxmlformats.org/drawingml/2006/compatibility" xmlns:p14="http://schemas.microsoft.com/office/powerpoint/2010/main" xmlns:p15="http://schemas.microsoft.com/office/powerpoint/2012/main" xmlns:ahyp="http://schemas.microsoft.com/office/drawing/2018/hyperlinkcolor">
+  <p:cSld>
+    <p:spTree>
+      <p:nvGrpSpPr>
+        <p:cNvPr id="123" name="Shape 123"/>
+        <p:cNvGrpSpPr/>
+        <p:nvPr/>
+      </p:nvGrpSpPr>
+      <p:grpSpPr>
+        <a:xfrm>
+          <a:off x="0" y="0"/>
+          <a:ext cx="0" cy="0"/>
+          <a:chOff x="0" y="0"/>
+          <a:chExt cx="0" cy="0"/>
+        </a:xfrm>
+      </p:grpSpPr>
+      <p:sp>
+        <p:nvSpPr>
+          <p:cNvPr id="124" name="Google Shape;124;p21"/>
+          <p:cNvSpPr txBox="1"/>
+          <p:nvPr>
+            <p:ph type="title"/>
+          </p:nvPr>
+        </p:nvSpPr>
+        <p:spPr>
+          <a:xfrm>
+            <a:off x="311700" y="-12175"/>
+            <a:ext cx="8520600" cy="572700"/>
+          </a:xfrm>
+          <a:prstGeom prst="rect">
+            <a:avLst/>
+          </a:prstGeom>
+        </p:spPr>
+        <p:txBody>
+          <a:bodyPr anchorCtr="0" anchor="t" bIns="91425" lIns="91425" spcFirstLastPara="1" rIns="91425" wrap="square" tIns="91425">
+            <a:normAutofit fontScale="90000"/>
+          </a:bodyPr>
+          <a:lstStyle/>
+          <a:p>
+            <a:pPr indent="0" lvl="0" marL="0" rtl="0" algn="ctr">
+              <a:spcBef>
+                <a:spcPts val="0"/>
+              </a:spcBef>
+              <a:spcAft>
+                <a:spcPts val="0"/>
+              </a:spcAft>
+              <a:buNone/>
+            </a:pPr>
+            <a:r>
+              <a:rPr lang="it">
+                <a:latin typeface="Source Sans Pro"/>
+                <a:ea typeface="Source Sans Pro"/>
+                <a:cs typeface="Source Sans Pro"/>
+                <a:sym typeface="Source Sans Pro"/>
+              </a:rPr>
+              <a:t>Conclusioni</a:t>
+            </a:r>
+            <a:endParaRPr>
+              <a:latin typeface="Source Sans Pro"/>
+              <a:ea typeface="Source Sans Pro"/>
+              <a:cs typeface="Source Sans Pro"/>
+              <a:sym typeface="Source Sans Pro"/>
+            </a:endParaRPr>
+          </a:p>
+        </p:txBody>
+      </p:sp>
+      <p:sp>
+        <p:nvSpPr>
+          <p:cNvPr id="125" name="Google Shape;125;p21"/>
+          <p:cNvSpPr txBox="1"/>
+          <p:nvPr/>
+        </p:nvSpPr>
+        <p:spPr>
+          <a:xfrm>
+            <a:off x="673210" y="1001700"/>
+            <a:ext cx="5206800" cy="3140100"/>
+          </a:xfrm>
+          <a:prstGeom prst="rect">
+            <a:avLst/>
+          </a:prstGeom>
+          <a:noFill/>
+          <a:ln>
+            <a:noFill/>
+          </a:ln>
+        </p:spPr>
+        <p:txBody>
+          <a:bodyPr anchorCtr="0" anchor="t" bIns="91425" lIns="91425" spcFirstLastPara="1" rIns="91425" wrap="square" tIns="91425">
+            <a:spAutoFit/>
+          </a:bodyPr>
+          <a:lstStyle/>
+          <a:p>
+            <a:pPr indent="0" lvl="0" marL="0" rtl="0" algn="l">
+              <a:spcBef>
+                <a:spcPts val="0"/>
+              </a:spcBef>
+              <a:spcAft>
+                <a:spcPts val="0"/>
+              </a:spcAft>
+              <a:buClr>
+                <a:schemeClr val="dk1"/>
+              </a:buClr>
+              <a:buSzPts val="1100"/>
+              <a:buFont typeface="Arial"/>
+              <a:buNone/>
+            </a:pPr>
+            <a:r>
+              <a:rPr lang="it" sz="1600">
+                <a:solidFill>
+                  <a:schemeClr val="dk1"/>
+                </a:solidFill>
+              </a:rPr>
+              <a:t>☹️ ancora acerbo</a:t>
+            </a:r>
+            <a:endParaRPr sz="1600">
+              <a:solidFill>
+                <a:schemeClr val="dk1"/>
+              </a:solidFill>
+            </a:endParaRPr>
+          </a:p>
+          <a:p>
+            <a:pPr indent="0" lvl="0" marL="0" rtl="0" algn="l">
+              <a:spcBef>
+                <a:spcPts val="0"/>
+              </a:spcBef>
+              <a:spcAft>
+                <a:spcPts val="0"/>
+              </a:spcAft>
+              <a:buNone/>
+            </a:pPr>
+            <a:r>
+              <a:t/>
+            </a:r>
+            <a:endParaRPr sz="1600">
+              <a:solidFill>
+                <a:schemeClr val="dk1"/>
+              </a:solidFill>
+            </a:endParaRPr>
+          </a:p>
+          <a:p>
+            <a:pPr indent="0" lvl="0" marL="0" rtl="0" algn="l">
+              <a:spcBef>
+                <a:spcPts val="0"/>
+              </a:spcBef>
+              <a:spcAft>
+                <a:spcPts val="0"/>
+              </a:spcAft>
+              <a:buNone/>
+            </a:pPr>
+            <a:r>
+              <a:rPr lang="it" sz="1600">
+                <a:solidFill>
+                  <a:schemeClr val="dk1"/>
+                </a:solidFill>
+              </a:rPr>
+              <a:t>☹️ standard lento</a:t>
+            </a:r>
+            <a:endParaRPr sz="1600">
+              <a:solidFill>
+                <a:schemeClr val="dk1"/>
+              </a:solidFill>
+            </a:endParaRPr>
+          </a:p>
+          <a:p>
+            <a:pPr indent="0" lvl="0" marL="0" rtl="0" algn="l">
+              <a:spcBef>
+                <a:spcPts val="0"/>
+              </a:spcBef>
+              <a:spcAft>
+                <a:spcPts val="0"/>
+              </a:spcAft>
+              <a:buClr>
+                <a:schemeClr val="dk1"/>
+              </a:buClr>
+              <a:buSzPts val="1100"/>
+              <a:buFont typeface="Arial"/>
+              <a:buNone/>
+            </a:pPr>
+            <a:r>
+              <a:t/>
+            </a:r>
+            <a:endParaRPr sz="1600">
+              <a:solidFill>
+                <a:schemeClr val="dk1"/>
+              </a:solidFill>
+            </a:endParaRPr>
+          </a:p>
+          <a:p>
+            <a:pPr indent="0" lvl="0" marL="0" rtl="0" algn="l">
+              <a:spcBef>
+                <a:spcPts val="0"/>
+              </a:spcBef>
+              <a:spcAft>
+                <a:spcPts val="0"/>
+              </a:spcAft>
+              <a:buClr>
+                <a:schemeClr val="dk1"/>
+              </a:buClr>
+              <a:buSzPts val="1100"/>
+              <a:buFont typeface="Arial"/>
+              <a:buNone/>
+            </a:pPr>
+            <a:r>
+              <a:rPr lang="it" sz="1600">
+                <a:solidFill>
+                  <a:schemeClr val="dk1"/>
+                </a:solidFill>
+              </a:rPr>
+              <a:t>☹️ ecosistema emergente</a:t>
+            </a:r>
+            <a:endParaRPr sz="1600"/>
+          </a:p>
+          <a:p>
+            <a:pPr indent="0" lvl="0" marL="0" rtl="0" algn="l">
+              <a:spcBef>
+                <a:spcPts val="0"/>
+              </a:spcBef>
+              <a:spcAft>
+                <a:spcPts val="0"/>
+              </a:spcAft>
+              <a:buNone/>
+            </a:pPr>
+            <a:r>
+              <a:t/>
+            </a:r>
+            <a:endParaRPr sz="1600"/>
+          </a:p>
+          <a:p>
+            <a:pPr indent="0" lvl="0" marL="0" rtl="0" algn="l">
+              <a:spcBef>
+                <a:spcPts val="0"/>
+              </a:spcBef>
+              <a:spcAft>
+                <a:spcPts val="0"/>
+              </a:spcAft>
+              <a:buNone/>
+            </a:pPr>
+            <a:r>
+              <a:t/>
+            </a:r>
+            <a:endParaRPr sz="1600"/>
+          </a:p>
+          <a:p>
+            <a:pPr indent="0" lvl="0" marL="0" rtl="0" algn="l">
+              <a:spcBef>
+                <a:spcPts val="0"/>
+              </a:spcBef>
+              <a:spcAft>
+                <a:spcPts val="0"/>
+              </a:spcAft>
+              <a:buNone/>
+            </a:pPr>
+            <a:r>
+              <a:rPr lang="it" sz="1600"/>
+              <a:t>😄 garanzie di sicurezza</a:t>
+            </a:r>
+            <a:endParaRPr sz="1600"/>
+          </a:p>
+          <a:p>
+            <a:pPr indent="0" lvl="0" marL="0" rtl="0" algn="l">
+              <a:spcBef>
+                <a:spcPts val="0"/>
+              </a:spcBef>
+              <a:spcAft>
+                <a:spcPts val="0"/>
+              </a:spcAft>
+              <a:buNone/>
+            </a:pPr>
+            <a:r>
+              <a:t/>
+            </a:r>
+            <a:endParaRPr sz="1600">
+              <a:solidFill>
+                <a:schemeClr val="dk1"/>
+              </a:solidFill>
+            </a:endParaRPr>
+          </a:p>
+          <a:p>
+            <a:pPr indent="0" lvl="0" marL="0" rtl="0" algn="l">
+              <a:spcBef>
+                <a:spcPts val="0"/>
+              </a:spcBef>
+              <a:spcAft>
+                <a:spcPts val="0"/>
+              </a:spcAft>
+              <a:buNone/>
+            </a:pPr>
+            <a:r>
+              <a:rPr lang="it" sz="1600">
+                <a:solidFill>
+                  <a:schemeClr val="dk1"/>
+                </a:solidFill>
+              </a:rPr>
+              <a:t>😄 interoperabilità del codice sviluppato</a:t>
+            </a:r>
+            <a:endParaRPr sz="1600">
+              <a:solidFill>
+                <a:schemeClr val="dk1"/>
+              </a:solidFill>
+            </a:endParaRPr>
+          </a:p>
+          <a:p>
+            <a:pPr indent="0" lvl="0" marL="0" rtl="0" algn="l">
+              <a:spcBef>
+                <a:spcPts val="0"/>
+              </a:spcBef>
+              <a:spcAft>
+                <a:spcPts val="0"/>
+              </a:spcAft>
+              <a:buNone/>
+            </a:pPr>
+            <a:r>
+              <a:t/>
+            </a:r>
+            <a:endParaRPr sz="1600">
+              <a:solidFill>
+                <a:schemeClr val="dk1"/>
+              </a:solidFill>
+            </a:endParaRPr>
+          </a:p>
+          <a:p>
+            <a:pPr indent="0" lvl="0" marL="0" rtl="0" algn="l">
+              <a:spcBef>
+                <a:spcPts val="0"/>
+              </a:spcBef>
+              <a:spcAft>
+                <a:spcPts val="0"/>
+              </a:spcAft>
+              <a:buClr>
+                <a:schemeClr val="dk1"/>
+              </a:buClr>
+              <a:buSzPts val="1100"/>
+              <a:buFont typeface="Arial"/>
+              <a:buNone/>
+            </a:pPr>
+            <a:r>
+              <a:rPr lang="it" sz="1600">
+                <a:solidFill>
+                  <a:schemeClr val="dk1"/>
+                </a:solidFill>
+              </a:rPr>
+              <a:t>😄 stessa codebase, architetture diverse</a:t>
+            </a:r>
+            <a:endParaRPr sz="1600">
+              <a:solidFill>
+                <a:schemeClr val="dk1"/>
+              </a:solidFill>
+            </a:endParaRPr>
+          </a:p>
+        </p:txBody>
+      </p:sp>
+      <p:sp>
+        <p:nvSpPr>
+          <p:cNvPr id="126" name="Google Shape;126;p21"/>
+          <p:cNvSpPr txBox="1"/>
+          <p:nvPr>
+            <p:ph idx="12" type="sldNum"/>
+          </p:nvPr>
+        </p:nvSpPr>
+        <p:spPr>
+          <a:xfrm>
+            <a:off x="8472458" y="4663217"/>
+            <a:ext cx="548700" cy="393600"/>
+          </a:xfrm>
+          <a:prstGeom prst="rect">
+            <a:avLst/>
+          </a:prstGeom>
+        </p:spPr>
+        <p:txBody>
+          <a:bodyPr anchorCtr="0" anchor="ctr" bIns="91425" lIns="91425" spcFirstLastPara="1" rIns="91425" wrap="square" tIns="91425">
+            <a:normAutofit/>
+          </a:bodyPr>
+          <a:lstStyle/>
+          <a:p>
+            <a:pPr indent="0" lvl="0" marL="0" rtl="0" algn="r">
+              <a:spcBef>
+                <a:spcPts val="0"/>
+              </a:spcBef>
+              <a:spcAft>
+                <a:spcPts val="0"/>
+              </a:spcAft>
+              <a:buNone/>
+            </a:pPr>
+            <a:fld id="{00000000-1234-1234-1234-123412341234}" type="slidenum">
+              <a:rPr lang="it"/>
+              <a:t>‹#›</a:t>
+            </a:fld>
+            <a:endParaRPr/>
+          </a:p>
+        </p:txBody>
+      </p:sp>
+      <p:pic>
+        <p:nvPicPr>
+          <p:cNvPr id="127" name="Google Shape;127;p21"/>
+          <p:cNvPicPr preferRelativeResize="0"/>
+          <p:nvPr/>
+        </p:nvPicPr>
+        <p:blipFill>
+          <a:blip r:embed="rId3">
+            <a:alphaModFix/>
+          </a:blip>
+          <a:stretch>
+            <a:fillRect/>
+          </a:stretch>
+        </p:blipFill>
+        <p:spPr>
+          <a:xfrm>
+            <a:off x="4830901" y="476637"/>
+            <a:ext cx="4190252" cy="4190227"/>
           </a:xfrm>
           <a:prstGeom prst="rect">
             <a:avLst/>

--- a/presentation/Presentazione tesi - WASI.pptx
+++ b/presentation/Presentazione tesi - WASI.pptx
@@ -9284,8 +9284,8 @@
         </p:blipFill>
         <p:spPr>
           <a:xfrm>
-            <a:off x="4830901" y="476637"/>
-            <a:ext cx="4190252" cy="4190227"/>
+            <a:off x="5361275" y="1507250"/>
+            <a:ext cx="3330676" cy="2129001"/>
           </a:xfrm>
           <a:prstGeom prst="rect">
             <a:avLst/>

--- a/presentation/Presentazione tesi - WASI.pptx
+++ b/presentation/Presentazione tesi - WASI.pptx
@@ -1685,7 +1685,7 @@
   <p:cSld>
     <p:spTree>
       <p:nvGrpSpPr>
-        <p:cNvPr id="107" name="Shape 107"/>
+        <p:cNvPr id="108" name="Shape 108"/>
         <p:cNvGrpSpPr/>
         <p:nvPr/>
       </p:nvGrpSpPr>
@@ -1699,7 +1699,7 @@
       </p:grpSpPr>
       <p:sp>
         <p:nvSpPr>
-          <p:cNvPr id="108" name="Google Shape;108;g21c301281a3_0_48:notes"/>
+          <p:cNvPr id="109" name="Google Shape;109;g21c301281a3_0_48:notes"/>
           <p:cNvSpPr/>
           <p:nvPr>
             <p:ph idx="2" type="sldImg"/>
@@ -1734,7 +1734,7 @@
       </p:sp>
       <p:sp>
         <p:nvSpPr>
-          <p:cNvPr id="109" name="Google Shape;109;g21c301281a3_0_48:notes"/>
+          <p:cNvPr id="110" name="Google Shape;110;g21c301281a3_0_48:notes"/>
           <p:cNvSpPr txBox="1"/>
           <p:nvPr>
             <p:ph idx="1" type="body"/>
@@ -1849,7 +1849,7 @@
   <p:cSld>
     <p:spTree>
       <p:nvGrpSpPr>
-        <p:cNvPr id="120" name="Shape 120"/>
+        <p:cNvPr id="122" name="Shape 122"/>
         <p:cNvGrpSpPr/>
         <p:nvPr/>
       </p:nvGrpSpPr>
@@ -1863,7 +1863,7 @@
       </p:grpSpPr>
       <p:sp>
         <p:nvSpPr>
-          <p:cNvPr id="121" name="Google Shape;121;g21fc4e117c9_0_28:notes"/>
+          <p:cNvPr id="123" name="Google Shape;123;g21fc4e117c9_0_28:notes"/>
           <p:cNvSpPr/>
           <p:nvPr>
             <p:ph idx="2" type="sldImg"/>
@@ -1898,7 +1898,7 @@
       </p:sp>
       <p:sp>
         <p:nvSpPr>
-          <p:cNvPr id="122" name="Google Shape;122;g21fc4e117c9_0_28:notes"/>
+          <p:cNvPr id="124" name="Google Shape;124;g21fc4e117c9_0_28:notes"/>
           <p:cNvSpPr txBox="1"/>
           <p:nvPr>
             <p:ph idx="1" type="body"/>
@@ -8175,6 +8175,48 @@
           </a:p>
         </p:txBody>
       </p:sp>
+      <p:sp>
+        <p:nvSpPr>
+          <p:cNvPr id="107" name="Google Shape;107;p19"/>
+          <p:cNvSpPr txBox="1"/>
+          <p:nvPr/>
+        </p:nvSpPr>
+        <p:spPr>
+          <a:xfrm>
+            <a:off x="8022371" y="913002"/>
+            <a:ext cx="1194000" cy="292500"/>
+          </a:xfrm>
+          <a:prstGeom prst="rect">
+            <a:avLst/>
+          </a:prstGeom>
+          <a:noFill/>
+          <a:ln>
+            <a:noFill/>
+          </a:ln>
+        </p:spPr>
+        <p:txBody>
+          <a:bodyPr anchorCtr="0" anchor="t" bIns="91425" lIns="91425" spcFirstLastPara="1" rIns="91425" wrap="square" tIns="91425">
+            <a:spAutoFit/>
+          </a:bodyPr>
+          <a:lstStyle/>
+          <a:p>
+            <a:pPr indent="0" lvl="0" marL="0" rtl="0" algn="ctr">
+              <a:spcBef>
+                <a:spcPts val="0"/>
+              </a:spcBef>
+              <a:spcAft>
+                <a:spcPts val="0"/>
+              </a:spcAft>
+              <a:buNone/>
+            </a:pPr>
+            <a:r>
+              <a:rPr lang="it" sz="700"/>
+              <a:t>http://46.101.162.175/</a:t>
+            </a:r>
+            <a:endParaRPr sz="700"/>
+          </a:p>
+        </p:txBody>
+      </p:sp>
     </p:spTree>
   </p:cSld>
   <p:clrMapOvr>
@@ -8188,7 +8230,7 @@
   <p:cSld>
     <p:spTree>
       <p:nvGrpSpPr>
-        <p:cNvPr id="110" name="Shape 110"/>
+        <p:cNvPr id="111" name="Shape 111"/>
         <p:cNvGrpSpPr/>
         <p:nvPr/>
       </p:nvGrpSpPr>
@@ -8202,7 +8244,7 @@
       </p:grpSpPr>
       <p:sp>
         <p:nvSpPr>
-          <p:cNvPr id="111" name="Google Shape;111;p20"/>
+          <p:cNvPr id="112" name="Google Shape;112;p20"/>
           <p:cNvSpPr txBox="1"/>
           <p:nvPr>
             <p:ph type="title"/>
@@ -8252,7 +8294,7 @@
       </p:sp>
       <p:pic>
         <p:nvPicPr>
-          <p:cNvPr id="112" name="Google Shape;112;p20"/>
+          <p:cNvPr id="113" name="Google Shape;113;p20"/>
           <p:cNvPicPr preferRelativeResize="0"/>
           <p:nvPr/>
         </p:nvPicPr>
@@ -8280,7 +8322,7 @@
       </p:pic>
       <p:pic>
         <p:nvPicPr>
-          <p:cNvPr id="113" name="Google Shape;113;p20"/>
+          <p:cNvPr id="114" name="Google Shape;114;p20"/>
           <p:cNvPicPr preferRelativeResize="0"/>
           <p:nvPr/>
         </p:nvPicPr>
@@ -8308,7 +8350,7 @@
       </p:pic>
       <p:sp>
         <p:nvSpPr>
-          <p:cNvPr id="114" name="Google Shape;114;p20"/>
+          <p:cNvPr id="115" name="Google Shape;115;p20"/>
           <p:cNvSpPr txBox="1"/>
           <p:nvPr/>
         </p:nvSpPr>
@@ -8643,7 +8685,7 @@
       </p:sp>
       <p:pic>
         <p:nvPicPr>
-          <p:cNvPr id="115" name="Google Shape;115;p20"/>
+          <p:cNvPr id="116" name="Google Shape;116;p20"/>
           <p:cNvPicPr preferRelativeResize="0"/>
           <p:nvPr/>
         </p:nvPicPr>
@@ -8671,7 +8713,7 @@
       </p:pic>
       <p:pic>
         <p:nvPicPr>
-          <p:cNvPr id="116" name="Google Shape;116;p20"/>
+          <p:cNvPr id="117" name="Google Shape;117;p20"/>
           <p:cNvPicPr preferRelativeResize="0"/>
           <p:nvPr/>
         </p:nvPicPr>
@@ -8699,7 +8741,7 @@
       </p:pic>
       <p:sp>
         <p:nvSpPr>
-          <p:cNvPr id="117" name="Google Shape;117;p20"/>
+          <p:cNvPr id="118" name="Google Shape;118;p20"/>
           <p:cNvSpPr txBox="1"/>
           <p:nvPr/>
         </p:nvSpPr>
@@ -8803,7 +8845,7 @@
       </p:sp>
       <p:pic>
         <p:nvPicPr>
-          <p:cNvPr id="118" name="Google Shape;118;p20"/>
+          <p:cNvPr id="119" name="Google Shape;119;p20"/>
           <p:cNvPicPr preferRelativeResize="0"/>
           <p:nvPr/>
         </p:nvPicPr>
@@ -8831,7 +8873,7 @@
       </p:pic>
       <p:sp>
         <p:nvSpPr>
-          <p:cNvPr id="119" name="Google Shape;119;p20"/>
+          <p:cNvPr id="120" name="Google Shape;120;p20"/>
           <p:cNvSpPr txBox="1"/>
           <p:nvPr>
             <p:ph idx="12" type="sldNum"/>
@@ -8869,6 +8911,48 @@
           </a:p>
         </p:txBody>
       </p:sp>
+      <p:sp>
+        <p:nvSpPr>
+          <p:cNvPr id="121" name="Google Shape;121;p20"/>
+          <p:cNvSpPr txBox="1"/>
+          <p:nvPr/>
+        </p:nvSpPr>
+        <p:spPr>
+          <a:xfrm>
+            <a:off x="8022371" y="913002"/>
+            <a:ext cx="1194000" cy="292500"/>
+          </a:xfrm>
+          <a:prstGeom prst="rect">
+            <a:avLst/>
+          </a:prstGeom>
+          <a:noFill/>
+          <a:ln>
+            <a:noFill/>
+          </a:ln>
+        </p:spPr>
+        <p:txBody>
+          <a:bodyPr anchorCtr="0" anchor="t" bIns="91425" lIns="91425" spcFirstLastPara="1" rIns="91425" wrap="square" tIns="91425">
+            <a:spAutoFit/>
+          </a:bodyPr>
+          <a:lstStyle/>
+          <a:p>
+            <a:pPr indent="0" lvl="0" marL="0" rtl="0" algn="ctr">
+              <a:spcBef>
+                <a:spcPts val="0"/>
+              </a:spcBef>
+              <a:spcAft>
+                <a:spcPts val="0"/>
+              </a:spcAft>
+              <a:buNone/>
+            </a:pPr>
+            <a:r>
+              <a:rPr lang="it" sz="700"/>
+              <a:t>http://46.101.162.175/</a:t>
+            </a:r>
+            <a:endParaRPr sz="700"/>
+          </a:p>
+        </p:txBody>
+      </p:sp>
     </p:spTree>
   </p:cSld>
   <p:clrMapOvr>
@@ -8882,7 +8966,7 @@
   <p:cSld>
     <p:spTree>
       <p:nvGrpSpPr>
-        <p:cNvPr id="123" name="Shape 123"/>
+        <p:cNvPr id="125" name="Shape 125"/>
         <p:cNvGrpSpPr/>
         <p:nvPr/>
       </p:nvGrpSpPr>
@@ -8896,7 +8980,7 @@
       </p:grpSpPr>
       <p:sp>
         <p:nvSpPr>
-          <p:cNvPr id="124" name="Google Shape;124;p21"/>
+          <p:cNvPr id="126" name="Google Shape;126;p21"/>
           <p:cNvSpPr txBox="1"/>
           <p:nvPr>
             <p:ph type="title"/>
@@ -8946,7 +9030,7 @@
       </p:sp>
       <p:sp>
         <p:nvSpPr>
-          <p:cNvPr id="125" name="Google Shape;125;p21"/>
+          <p:cNvPr id="127" name="Google Shape;127;p21"/>
           <p:cNvSpPr txBox="1"/>
           <p:nvPr/>
         </p:nvSpPr>
@@ -9230,7 +9314,7 @@
       </p:sp>
       <p:sp>
         <p:nvSpPr>
-          <p:cNvPr id="126" name="Google Shape;126;p21"/>
+          <p:cNvPr id="128" name="Google Shape;128;p21"/>
           <p:cNvSpPr txBox="1"/>
           <p:nvPr>
             <p:ph idx="12" type="sldNum"/>
@@ -9270,7 +9354,7 @@
       </p:sp>
       <p:pic>
         <p:nvPicPr>
-          <p:cNvPr id="127" name="Google Shape;127;p21"/>
+          <p:cNvPr id="129" name="Google Shape;129;p21"/>
           <p:cNvPicPr preferRelativeResize="0"/>
           <p:nvPr/>
         </p:nvPicPr>
@@ -9296,6 +9380,76 @@
           </a:ln>
         </p:spPr>
       </p:pic>
+      <p:pic>
+        <p:nvPicPr>
+          <p:cNvPr id="130" name="Google Shape;130;p21"/>
+          <p:cNvPicPr preferRelativeResize="0"/>
+          <p:nvPr/>
+        </p:nvPicPr>
+        <p:blipFill>
+          <a:blip r:embed="rId4">
+            <a:alphaModFix/>
+          </a:blip>
+          <a:stretch>
+            <a:fillRect/>
+          </a:stretch>
+        </p:blipFill>
+        <p:spPr>
+          <a:xfrm>
+            <a:off x="8080100" y="0"/>
+            <a:ext cx="1063900" cy="1063900"/>
+          </a:xfrm>
+          <a:prstGeom prst="rect">
+            <a:avLst/>
+          </a:prstGeom>
+          <a:noFill/>
+          <a:ln>
+            <a:noFill/>
+          </a:ln>
+        </p:spPr>
+      </p:pic>
+      <p:sp>
+        <p:nvSpPr>
+          <p:cNvPr id="131" name="Google Shape;131;p21"/>
+          <p:cNvSpPr txBox="1"/>
+          <p:nvPr/>
+        </p:nvSpPr>
+        <p:spPr>
+          <a:xfrm>
+            <a:off x="8022371" y="913002"/>
+            <a:ext cx="1194000" cy="292500"/>
+          </a:xfrm>
+          <a:prstGeom prst="rect">
+            <a:avLst/>
+          </a:prstGeom>
+          <a:noFill/>
+          <a:ln>
+            <a:noFill/>
+          </a:ln>
+        </p:spPr>
+        <p:txBody>
+          <a:bodyPr anchorCtr="0" anchor="t" bIns="91425" lIns="91425" spcFirstLastPara="1" rIns="91425" wrap="square" tIns="91425">
+            <a:spAutoFit/>
+          </a:bodyPr>
+          <a:lstStyle/>
+          <a:p>
+            <a:pPr indent="0" lvl="0" marL="0" rtl="0" algn="ctr">
+              <a:spcBef>
+                <a:spcPts val="0"/>
+              </a:spcBef>
+              <a:spcAft>
+                <a:spcPts val="0"/>
+              </a:spcAft>
+              <a:buNone/>
+            </a:pPr>
+            <a:r>
+              <a:rPr lang="it" sz="700"/>
+              <a:t>http://46.101.162.175/</a:t>
+            </a:r>
+            <a:endParaRPr sz="700"/>
+          </a:p>
+        </p:txBody>
+      </p:sp>
     </p:spTree>
   </p:cSld>
   <p:clrMapOvr>
@@ -9305,6 +9459,285 @@
 </file>
 
 <file path=ppt/theme/theme1.xml><?xml version="1.0" encoding="utf-8"?>
+<a:theme xmlns:a="http://schemas.openxmlformats.org/drawingml/2006/main" xmlns:r="http://schemas.openxmlformats.org/officeDocument/2006/relationships" name="Simple Light">
+  <a:themeElements>
+    <a:clrScheme name="Simple Light">
+      <a:dk1>
+        <a:srgbClr val="000000"/>
+      </a:dk1>
+      <a:lt1>
+        <a:srgbClr val="FFFFFF"/>
+      </a:lt1>
+      <a:dk2>
+        <a:srgbClr val="595959"/>
+      </a:dk2>
+      <a:lt2>
+        <a:srgbClr val="EEEEEE"/>
+      </a:lt2>
+      <a:accent1>
+        <a:srgbClr val="4285F4"/>
+      </a:accent1>
+      <a:accent2>
+        <a:srgbClr val="212121"/>
+      </a:accent2>
+      <a:accent3>
+        <a:srgbClr val="78909C"/>
+      </a:accent3>
+      <a:accent4>
+        <a:srgbClr val="FFAB40"/>
+      </a:accent4>
+      <a:accent5>
+        <a:srgbClr val="0097A7"/>
+      </a:accent5>
+      <a:accent6>
+        <a:srgbClr val="EEFF41"/>
+      </a:accent6>
+      <a:hlink>
+        <a:srgbClr val="0097A7"/>
+      </a:hlink>
+      <a:folHlink>
+        <a:srgbClr val="0097A7"/>
+      </a:folHlink>
+    </a:clrScheme>
+    <a:fontScheme name="Office">
+      <a:majorFont>
+        <a:latin typeface="Arial"/>
+        <a:ea typeface=""/>
+        <a:cs typeface=""/>
+        <a:font script="Jpan" typeface="ＭＳ Ｐゴシック"/>
+        <a:font script="Hang" typeface="맑은 고딕"/>
+        <a:font script="Hans" typeface="宋体"/>
+        <a:font script="Hant" typeface="新細明體"/>
+        <a:font script="Arab" typeface="Times New Roman"/>
+        <a:font script="Hebr" typeface="Times New Roman"/>
+        <a:font script="Thai" typeface="Angsana New"/>
+        <a:font script="Ethi" typeface="Nyala"/>
+        <a:font script="Beng" typeface="Vrinda"/>
+        <a:font script="Gujr" typeface="Shruti"/>
+        <a:font script="Khmr" typeface="MoolBoran"/>
+        <a:font script="Knda" typeface="Tunga"/>
+        <a:font script="Guru" typeface="Raavi"/>
+        <a:font script="Cans" typeface="Euphemia"/>
+        <a:font script="Cher" typeface="Plantagenet Cherokee"/>
+        <a:font script="Yiii" typeface="Microsoft Yi Baiti"/>
+        <a:font script="Tibt" typeface="Microsoft Himalaya"/>
+        <a:font script="Thaa" typeface="MV Boli"/>
+        <a:font script="Deva" typeface="Mangal"/>
+        <a:font script="Telu" typeface="Gautami"/>
+        <a:font script="Taml" typeface="Latha"/>
+        <a:font script="Syrc" typeface="Estrangelo Edessa"/>
+        <a:font script="Orya" typeface="Kalinga"/>
+        <a:font script="Mlym" typeface="Kartika"/>
+        <a:font script="Laoo" typeface="DokChampa"/>
+        <a:font script="Sinh" typeface="Iskoola Pota"/>
+        <a:font script="Mong" typeface="Mongolian Baiti"/>
+        <a:font script="Viet" typeface="Times New Roman"/>
+        <a:font script="Uigh" typeface="Microsoft Uighur"/>
+        <a:font script="Geor" typeface="Sylfaen"/>
+      </a:majorFont>
+      <a:minorFont>
+        <a:latin typeface="Arial"/>
+        <a:ea typeface=""/>
+        <a:cs typeface=""/>
+        <a:font script="Jpan" typeface="ＭＳ Ｐゴシック"/>
+        <a:font script="Hang" typeface="맑은 고딕"/>
+        <a:font script="Hans" typeface="宋体"/>
+        <a:font script="Hant" typeface="新細明體"/>
+        <a:font script="Arab" typeface="Arial"/>
+        <a:font script="Hebr" typeface="Arial"/>
+        <a:font script="Thai" typeface="Cordia New"/>
+        <a:font script="Ethi" typeface="Nyala"/>
+        <a:font script="Beng" typeface="Vrinda"/>
+        <a:font script="Gujr" typeface="Shruti"/>
+        <a:font script="Khmr" typeface="DaunPenh"/>
+        <a:font script="Knda" typeface="Tunga"/>
+        <a:font script="Guru" typeface="Raavi"/>
+        <a:font script="Cans" typeface="Euphemia"/>
+        <a:font script="Cher" typeface="Plantagenet Cherokee"/>
+        <a:font script="Yiii" typeface="Microsoft Yi Baiti"/>
+        <a:font script="Tibt" typeface="Microsoft Himalaya"/>
+        <a:font script="Thaa" typeface="MV Boli"/>
+        <a:font script="Deva" typeface="Mangal"/>
+        <a:font script="Telu" typeface="Gautami"/>
+        <a:font script="Taml" typeface="Latha"/>
+        <a:font script="Syrc" typeface="Estrangelo Edessa"/>
+        <a:font script="Orya" typeface="Kalinga"/>
+        <a:font script="Mlym" typeface="Kartika"/>
+        <a:font script="Laoo" typeface="DokChampa"/>
+        <a:font script="Sinh" typeface="Iskoola Pota"/>
+        <a:font script="Mong" typeface="Mongolian Baiti"/>
+        <a:font script="Viet" typeface="Arial"/>
+        <a:font script="Uigh" typeface="Microsoft Uighur"/>
+        <a:font script="Geor" typeface="Sylfaen"/>
+      </a:minorFont>
+    </a:fontScheme>
+    <a:fmtScheme name="Office">
+      <a:fillStyleLst>
+        <a:solidFill>
+          <a:schemeClr val="phClr"/>
+        </a:solidFill>
+        <a:gradFill rotWithShape="1">
+          <a:gsLst>
+            <a:gs pos="0">
+              <a:schemeClr val="phClr">
+                <a:tint val="50000"/>
+                <a:satMod val="300000"/>
+              </a:schemeClr>
+            </a:gs>
+            <a:gs pos="35000">
+              <a:schemeClr val="phClr">
+                <a:tint val="37000"/>
+                <a:satMod val="300000"/>
+              </a:schemeClr>
+            </a:gs>
+            <a:gs pos="100000">
+              <a:schemeClr val="phClr">
+                <a:tint val="15000"/>
+                <a:satMod val="350000"/>
+              </a:schemeClr>
+            </a:gs>
+          </a:gsLst>
+          <a:lin ang="16200000" scaled="1"/>
+        </a:gradFill>
+        <a:gradFill rotWithShape="1">
+          <a:gsLst>
+            <a:gs pos="0">
+              <a:schemeClr val="phClr">
+                <a:tint val="100000"/>
+                <a:shade val="100000"/>
+                <a:satMod val="130000"/>
+              </a:schemeClr>
+            </a:gs>
+            <a:gs pos="100000">
+              <a:schemeClr val="phClr">
+                <a:tint val="50000"/>
+                <a:shade val="100000"/>
+                <a:satMod val="350000"/>
+              </a:schemeClr>
+            </a:gs>
+          </a:gsLst>
+          <a:lin ang="16200000" scaled="0"/>
+        </a:gradFill>
+      </a:fillStyleLst>
+      <a:lnStyleLst>
+        <a:ln w="9525" cap="flat" cmpd="sng" algn="ctr">
+          <a:solidFill>
+            <a:schemeClr val="phClr">
+              <a:shade val="95000"/>
+              <a:satMod val="105000"/>
+            </a:schemeClr>
+          </a:solidFill>
+          <a:prstDash val="solid"/>
+        </a:ln>
+        <a:ln w="25400" cap="flat" cmpd="sng" algn="ctr">
+          <a:solidFill>
+            <a:schemeClr val="phClr"/>
+          </a:solidFill>
+          <a:prstDash val="solid"/>
+        </a:ln>
+        <a:ln w="38100" cap="flat" cmpd="sng" algn="ctr">
+          <a:solidFill>
+            <a:schemeClr val="phClr"/>
+          </a:solidFill>
+          <a:prstDash val="solid"/>
+        </a:ln>
+      </a:lnStyleLst>
+      <a:effectStyleLst>
+        <a:effectStyle>
+          <a:effectLst>
+            <a:outerShdw blurRad="40000" dist="20000" dir="5400000" rotWithShape="0">
+              <a:srgbClr val="000000">
+                <a:alpha val="38000"/>
+              </a:srgbClr>
+            </a:outerShdw>
+          </a:effectLst>
+        </a:effectStyle>
+        <a:effectStyle>
+          <a:effectLst>
+            <a:outerShdw blurRad="40000" dist="23000" dir="5400000" rotWithShape="0">
+              <a:srgbClr val="000000">
+                <a:alpha val="35000"/>
+              </a:srgbClr>
+            </a:outerShdw>
+          </a:effectLst>
+        </a:effectStyle>
+        <a:effectStyle>
+          <a:effectLst>
+            <a:outerShdw blurRad="40000" dist="23000" dir="5400000" rotWithShape="0">
+              <a:srgbClr val="000000">
+                <a:alpha val="35000"/>
+              </a:srgbClr>
+            </a:outerShdw>
+          </a:effectLst>
+          <a:scene3d>
+            <a:camera prst="orthographicFront">
+              <a:rot lat="0" lon="0" rev="0"/>
+            </a:camera>
+            <a:lightRig rig="threePt" dir="t">
+              <a:rot lat="0" lon="0" rev="1200000"/>
+            </a:lightRig>
+          </a:scene3d>
+          <a:sp3d>
+            <a:bevelT w="63500" h="25400"/>
+          </a:sp3d>
+        </a:effectStyle>
+      </a:effectStyleLst>
+      <a:bgFillStyleLst>
+        <a:solidFill>
+          <a:schemeClr val="phClr"/>
+        </a:solidFill>
+        <a:gradFill rotWithShape="1">
+          <a:gsLst>
+            <a:gs pos="0">
+              <a:schemeClr val="phClr">
+                <a:tint val="40000"/>
+                <a:satMod val="350000"/>
+              </a:schemeClr>
+            </a:gs>
+            <a:gs pos="40000">
+              <a:schemeClr val="phClr">
+                <a:tint val="45000"/>
+                <a:shade val="99000"/>
+                <a:satMod val="350000"/>
+              </a:schemeClr>
+            </a:gs>
+            <a:gs pos="100000">
+              <a:schemeClr val="phClr">
+                <a:shade val="20000"/>
+                <a:satMod val="255000"/>
+              </a:schemeClr>
+            </a:gs>
+          </a:gsLst>
+          <a:path path="circle">
+            <a:fillToRect l="50000" t="-80000" r="50000" b="180000"/>
+          </a:path>
+        </a:gradFill>
+        <a:gradFill rotWithShape="1">
+          <a:gsLst>
+            <a:gs pos="0">
+              <a:schemeClr val="phClr">
+                <a:tint val="80000"/>
+                <a:satMod val="300000"/>
+              </a:schemeClr>
+            </a:gs>
+            <a:gs pos="100000">
+              <a:schemeClr val="phClr">
+                <a:shade val="30000"/>
+                <a:satMod val="200000"/>
+              </a:schemeClr>
+            </a:gs>
+          </a:gsLst>
+          <a:path path="circle">
+            <a:fillToRect l="50000" t="50000" r="50000" b="50000"/>
+          </a:path>
+        </a:gradFill>
+      </a:bgFillStyleLst>
+    </a:fmtScheme>
+  </a:themeElements>
+</a:theme>
+</file>
+
+<file path=ppt/theme/theme2.xml><?xml version="1.0" encoding="utf-8"?>
 <a:theme xmlns:a="http://schemas.openxmlformats.org/drawingml/2006/main" xmlns:r="http://schemas.openxmlformats.org/officeDocument/2006/relationships">
   <a:themeElements>
     <a:clrScheme name="Default">
@@ -9581,283 +10014,4 @@
     </a:fmtScheme>
   </a:themeElements>
 </a:theme>
-</file>
-
-<file path=ppt/theme/theme2.xml><?xml version="1.0" encoding="utf-8"?>
-<a:theme xmlns:a="http://schemas.openxmlformats.org/drawingml/2006/main" xmlns:r="http://schemas.openxmlformats.org/officeDocument/2006/relationships" name="Simple Light">
-  <a:themeElements>
-    <a:clrScheme name="Simple Light">
-      <a:dk1>
-        <a:srgbClr val="000000"/>
-      </a:dk1>
-      <a:lt1>
-        <a:srgbClr val="FFFFFF"/>
-      </a:lt1>
-      <a:dk2>
-        <a:srgbClr val="595959"/>
-      </a:dk2>
-      <a:lt2>
-        <a:srgbClr val="EEEEEE"/>
-      </a:lt2>
-      <a:accent1>
-        <a:srgbClr val="4285F4"/>
-      </a:accent1>
-      <a:accent2>
-        <a:srgbClr val="212121"/>
-      </a:accent2>
-      <a:accent3>
-        <a:srgbClr val="78909C"/>
-      </a:accent3>
-      <a:accent4>
-        <a:srgbClr val="FFAB40"/>
-      </a:accent4>
-      <a:accent5>
-        <a:srgbClr val="0097A7"/>
-      </a:accent5>
-      <a:accent6>
-        <a:srgbClr val="EEFF41"/>
-      </a:accent6>
-      <a:hlink>
-        <a:srgbClr val="0097A7"/>
-      </a:hlink>
-      <a:folHlink>
-        <a:srgbClr val="0097A7"/>
-      </a:folHlink>
-    </a:clrScheme>
-    <a:fontScheme name="Office">
-      <a:majorFont>
-        <a:latin typeface="Arial"/>
-        <a:ea typeface=""/>
-        <a:cs typeface=""/>
-        <a:font script="Jpan" typeface="ＭＳ Ｐゴシック"/>
-        <a:font script="Hang" typeface="맑은 고딕"/>
-        <a:font script="Hans" typeface="宋体"/>
-        <a:font script="Hant" typeface="新細明體"/>
-        <a:font script="Arab" typeface="Times New Roman"/>
-        <a:font script="Hebr" typeface="Times New Roman"/>
-        <a:font script="Thai" typeface="Angsana New"/>
-        <a:font script="Ethi" typeface="Nyala"/>
-        <a:font script="Beng" typeface="Vrinda"/>
-        <a:font script="Gujr" typeface="Shruti"/>
-        <a:font script="Khmr" typeface="MoolBoran"/>
-        <a:font script="Knda" typeface="Tunga"/>
-        <a:font script="Guru" typeface="Raavi"/>
-        <a:font script="Cans" typeface="Euphemia"/>
-        <a:font script="Cher" typeface="Plantagenet Cherokee"/>
-        <a:font script="Yiii" typeface="Microsoft Yi Baiti"/>
-        <a:font script="Tibt" typeface="Microsoft Himalaya"/>
-        <a:font script="Thaa" typeface="MV Boli"/>
-        <a:font script="Deva" typeface="Mangal"/>
-        <a:font script="Telu" typeface="Gautami"/>
-        <a:font script="Taml" typeface="Latha"/>
-        <a:font script="Syrc" typeface="Estrangelo Edessa"/>
-        <a:font script="Orya" typeface="Kalinga"/>
-        <a:font script="Mlym" typeface="Kartika"/>
-        <a:font script="Laoo" typeface="DokChampa"/>
-        <a:font script="Sinh" typeface="Iskoola Pota"/>
-        <a:font script="Mong" typeface="Mongolian Baiti"/>
-        <a:font script="Viet" typeface="Times New Roman"/>
-        <a:font script="Uigh" typeface="Microsoft Uighur"/>
-        <a:font script="Geor" typeface="Sylfaen"/>
-      </a:majorFont>
-      <a:minorFont>
-        <a:latin typeface="Arial"/>
-        <a:ea typeface=""/>
-        <a:cs typeface=""/>
-        <a:font script="Jpan" typeface="ＭＳ Ｐゴシック"/>
-        <a:font script="Hang" typeface="맑은 고딕"/>
-        <a:font script="Hans" typeface="宋体"/>
-        <a:font script="Hant" typeface="新細明體"/>
-        <a:font script="Arab" typeface="Arial"/>
-        <a:font script="Hebr" typeface="Arial"/>
-        <a:font script="Thai" typeface="Cordia New"/>
-        <a:font script="Ethi" typeface="Nyala"/>
-        <a:font script="Beng" typeface="Vrinda"/>
-        <a:font script="Gujr" typeface="Shruti"/>
-        <a:font script="Khmr" typeface="DaunPenh"/>
-        <a:font script="Knda" typeface="Tunga"/>
-        <a:font script="Guru" typeface="Raavi"/>
-        <a:font script="Cans" typeface="Euphemia"/>
-        <a:font script="Cher" typeface="Plantagenet Cherokee"/>
-        <a:font script="Yiii" typeface="Microsoft Yi Baiti"/>
-        <a:font script="Tibt" typeface="Microsoft Himalaya"/>
-        <a:font script="Thaa" typeface="MV Boli"/>
-        <a:font script="Deva" typeface="Mangal"/>
-        <a:font script="Telu" typeface="Gautami"/>
-        <a:font script="Taml" typeface="Latha"/>
-        <a:font script="Syrc" typeface="Estrangelo Edessa"/>
-        <a:font script="Orya" typeface="Kalinga"/>
-        <a:font script="Mlym" typeface="Kartika"/>
-        <a:font script="Laoo" typeface="DokChampa"/>
-        <a:font script="Sinh" typeface="Iskoola Pota"/>
-        <a:font script="Mong" typeface="Mongolian Baiti"/>
-        <a:font script="Viet" typeface="Arial"/>
-        <a:font script="Uigh" typeface="Microsoft Uighur"/>
-        <a:font script="Geor" typeface="Sylfaen"/>
-      </a:minorFont>
-    </a:fontScheme>
-    <a:fmtScheme name="Office">
-      <a:fillStyleLst>
-        <a:solidFill>
-          <a:schemeClr val="phClr"/>
-        </a:solidFill>
-        <a:gradFill rotWithShape="1">
-          <a:gsLst>
-            <a:gs pos="0">
-              <a:schemeClr val="phClr">
-                <a:tint val="50000"/>
-                <a:satMod val="300000"/>
-              </a:schemeClr>
-            </a:gs>
-            <a:gs pos="35000">
-              <a:schemeClr val="phClr">
-                <a:tint val="37000"/>
-                <a:satMod val="300000"/>
-              </a:schemeClr>
-            </a:gs>
-            <a:gs pos="100000">
-              <a:schemeClr val="phClr">
-                <a:tint val="15000"/>
-                <a:satMod val="350000"/>
-              </a:schemeClr>
-            </a:gs>
-          </a:gsLst>
-          <a:lin ang="16200000" scaled="1"/>
-        </a:gradFill>
-        <a:gradFill rotWithShape="1">
-          <a:gsLst>
-            <a:gs pos="0">
-              <a:schemeClr val="phClr">
-                <a:tint val="100000"/>
-                <a:shade val="100000"/>
-                <a:satMod val="130000"/>
-              </a:schemeClr>
-            </a:gs>
-            <a:gs pos="100000">
-              <a:schemeClr val="phClr">
-                <a:tint val="50000"/>
-                <a:shade val="100000"/>
-                <a:satMod val="350000"/>
-              </a:schemeClr>
-            </a:gs>
-          </a:gsLst>
-          <a:lin ang="16200000" scaled="0"/>
-        </a:gradFill>
-      </a:fillStyleLst>
-      <a:lnStyleLst>
-        <a:ln w="9525" cap="flat" cmpd="sng" algn="ctr">
-          <a:solidFill>
-            <a:schemeClr val="phClr">
-              <a:shade val="95000"/>
-              <a:satMod val="105000"/>
-            </a:schemeClr>
-          </a:solidFill>
-          <a:prstDash val="solid"/>
-        </a:ln>
-        <a:ln w="25400" cap="flat" cmpd="sng" algn="ctr">
-          <a:solidFill>
-            <a:schemeClr val="phClr"/>
-          </a:solidFill>
-          <a:prstDash val="solid"/>
-        </a:ln>
-        <a:ln w="38100" cap="flat" cmpd="sng" algn="ctr">
-          <a:solidFill>
-            <a:schemeClr val="phClr"/>
-          </a:solidFill>
-          <a:prstDash val="solid"/>
-        </a:ln>
-      </a:lnStyleLst>
-      <a:effectStyleLst>
-        <a:effectStyle>
-          <a:effectLst>
-            <a:outerShdw blurRad="40000" dist="20000" dir="5400000" rotWithShape="0">
-              <a:srgbClr val="000000">
-                <a:alpha val="38000"/>
-              </a:srgbClr>
-            </a:outerShdw>
-          </a:effectLst>
-        </a:effectStyle>
-        <a:effectStyle>
-          <a:effectLst>
-            <a:outerShdw blurRad="40000" dist="23000" dir="5400000" rotWithShape="0">
-              <a:srgbClr val="000000">
-                <a:alpha val="35000"/>
-              </a:srgbClr>
-            </a:outerShdw>
-          </a:effectLst>
-        </a:effectStyle>
-        <a:effectStyle>
-          <a:effectLst>
-            <a:outerShdw blurRad="40000" dist="23000" dir="5400000" rotWithShape="0">
-              <a:srgbClr val="000000">
-                <a:alpha val="35000"/>
-              </a:srgbClr>
-            </a:outerShdw>
-          </a:effectLst>
-          <a:scene3d>
-            <a:camera prst="orthographicFront">
-              <a:rot lat="0" lon="0" rev="0"/>
-            </a:camera>
-            <a:lightRig rig="threePt" dir="t">
-              <a:rot lat="0" lon="0" rev="1200000"/>
-            </a:lightRig>
-          </a:scene3d>
-          <a:sp3d>
-            <a:bevelT w="63500" h="25400"/>
-          </a:sp3d>
-        </a:effectStyle>
-      </a:effectStyleLst>
-      <a:bgFillStyleLst>
-        <a:solidFill>
-          <a:schemeClr val="phClr"/>
-        </a:solidFill>
-        <a:gradFill rotWithShape="1">
-          <a:gsLst>
-            <a:gs pos="0">
-              <a:schemeClr val="phClr">
-                <a:tint val="40000"/>
-                <a:satMod val="350000"/>
-              </a:schemeClr>
-            </a:gs>
-            <a:gs pos="40000">
-              <a:schemeClr val="phClr">
-                <a:tint val="45000"/>
-                <a:shade val="99000"/>
-                <a:satMod val="350000"/>
-              </a:schemeClr>
-            </a:gs>
-            <a:gs pos="100000">
-              <a:schemeClr val="phClr">
-                <a:shade val="20000"/>
-                <a:satMod val="255000"/>
-              </a:schemeClr>
-            </a:gs>
-          </a:gsLst>
-          <a:path path="circle">
-            <a:fillToRect l="50000" t="-80000" r="50000" b="180000"/>
-          </a:path>
-        </a:gradFill>
-        <a:gradFill rotWithShape="1">
-          <a:gsLst>
-            <a:gs pos="0">
-              <a:schemeClr val="phClr">
-                <a:tint val="80000"/>
-                <a:satMod val="300000"/>
-              </a:schemeClr>
-            </a:gs>
-            <a:gs pos="100000">
-              <a:schemeClr val="phClr">
-                <a:shade val="30000"/>
-                <a:satMod val="200000"/>
-              </a:schemeClr>
-            </a:gs>
-          </a:gsLst>
-          <a:path path="circle">
-            <a:fillToRect l="50000" t="50000" r="50000" b="50000"/>
-          </a:path>
-        </a:gradFill>
-      </a:bgFillStyleLst>
-    </a:fmtScheme>
-  </a:themeElements>
-</a:theme>
 </file>
--- a/presentation/Presentazione tesi - WASI.pptx
+++ b/presentation/Presentazione tesi - WASI.pptx
@@ -1096,7 +1096,7 @@
   <p:cSld>
     <p:spTree>
       <p:nvGrpSpPr>
-        <p:cNvPr id="78" name="Shape 78"/>
+        <p:cNvPr id="77" name="Shape 77"/>
         <p:cNvGrpSpPr/>
         <p:nvPr/>
       </p:nvGrpSpPr>
@@ -1110,7 +1110,7 @@
       </p:grpSpPr>
       <p:sp>
         <p:nvSpPr>
-          <p:cNvPr id="79" name="Google Shape;79;g21c301281a3_0_17:notes"/>
+          <p:cNvPr id="78" name="Google Shape;78;g21c301281a3_0_17:notes"/>
           <p:cNvSpPr/>
           <p:nvPr>
             <p:ph idx="2" type="sldImg"/>
@@ -1145,7 +1145,7 @@
       </p:sp>
       <p:sp>
         <p:nvSpPr>
-          <p:cNvPr id="80" name="Google Shape;80;g21c301281a3_0_17:notes"/>
+          <p:cNvPr id="79" name="Google Shape;79;g21c301281a3_0_17:notes"/>
           <p:cNvSpPr txBox="1"/>
           <p:nvPr>
             <p:ph idx="1" type="body"/>
@@ -1237,7 +1237,7 @@
   <p:cSld>
     <p:spTree>
       <p:nvGrpSpPr>
-        <p:cNvPr id="85" name="Shape 85"/>
+        <p:cNvPr id="84" name="Shape 84"/>
         <p:cNvGrpSpPr/>
         <p:nvPr/>
       </p:nvGrpSpPr>
@@ -1251,7 +1251,7 @@
       </p:grpSpPr>
       <p:sp>
         <p:nvSpPr>
-          <p:cNvPr id="86" name="Google Shape;86;g21c301281a3_0_33:notes"/>
+          <p:cNvPr id="85" name="Google Shape;85;g21c301281a3_0_33:notes"/>
           <p:cNvSpPr/>
           <p:nvPr>
             <p:ph idx="2" type="sldImg"/>
@@ -1286,7 +1286,7 @@
       </p:sp>
       <p:sp>
         <p:nvSpPr>
-          <p:cNvPr id="87" name="Google Shape;87;g21c301281a3_0_33:notes"/>
+          <p:cNvPr id="86" name="Google Shape;86;g21c301281a3_0_33:notes"/>
           <p:cNvSpPr txBox="1"/>
           <p:nvPr>
             <p:ph idx="1" type="body"/>
@@ -1369,7 +1369,7 @@
   <p:cSld>
     <p:spTree>
       <p:nvGrpSpPr>
-        <p:cNvPr id="92" name="Shape 92"/>
+        <p:cNvPr id="91" name="Shape 91"/>
         <p:cNvGrpSpPr/>
         <p:nvPr/>
       </p:nvGrpSpPr>
@@ -1383,7 +1383,7 @@
       </p:grpSpPr>
       <p:sp>
         <p:nvSpPr>
-          <p:cNvPr id="93" name="Google Shape;93;g21c301281a3_0_40:notes"/>
+          <p:cNvPr id="92" name="Google Shape;92;g21c301281a3_0_40:notes"/>
           <p:cNvSpPr/>
           <p:nvPr>
             <p:ph idx="2" type="sldImg"/>
@@ -1418,7 +1418,7 @@
       </p:sp>
       <p:sp>
         <p:nvSpPr>
-          <p:cNvPr id="94" name="Google Shape;94;g21c301281a3_0_40:notes"/>
+          <p:cNvPr id="93" name="Google Shape;93;g21c301281a3_0_40:notes"/>
           <p:cNvSpPr txBox="1"/>
           <p:nvPr>
             <p:ph idx="1" type="body"/>
@@ -1532,6 +1532,13 @@
               </a:rPr>
               <a:t>v3: parla meno di vm e container + di wasm</a:t>
             </a:r>
+            <a:br>
+              <a:rPr lang="it">
+                <a:solidFill>
+                  <a:schemeClr val="dk1"/>
+                </a:solidFill>
+              </a:rPr>
+            </a:br>
             <a:endParaRPr>
               <a:solidFill>
                 <a:schemeClr val="dk1"/>
@@ -1553,7 +1560,7 @@
   <p:cSld>
     <p:spTree>
       <p:nvGrpSpPr>
-        <p:cNvPr id="99" name="Shape 99"/>
+        <p:cNvPr id="98" name="Shape 98"/>
         <p:cNvGrpSpPr/>
         <p:nvPr/>
       </p:nvGrpSpPr>
@@ -1567,7 +1574,7 @@
       </p:grpSpPr>
       <p:sp>
         <p:nvSpPr>
-          <p:cNvPr id="100" name="Google Shape;100;g21c301281a3_0_44:notes"/>
+          <p:cNvPr id="99" name="Google Shape;99;g21c301281a3_0_44:notes"/>
           <p:cNvSpPr/>
           <p:nvPr>
             <p:ph idx="2" type="sldImg"/>
@@ -1602,7 +1609,7 @@
       </p:sp>
       <p:sp>
         <p:nvSpPr>
-          <p:cNvPr id="101" name="Google Shape;101;g21c301281a3_0_44:notes"/>
+          <p:cNvPr id="100" name="Google Shape;100;g21c301281a3_0_44:notes"/>
           <p:cNvSpPr txBox="1"/>
           <p:nvPr>
             <p:ph idx="1" type="body"/>
@@ -1685,7 +1692,7 @@
   <p:cSld>
     <p:spTree>
       <p:nvGrpSpPr>
-        <p:cNvPr id="108" name="Shape 108"/>
+        <p:cNvPr id="107" name="Shape 107"/>
         <p:cNvGrpSpPr/>
         <p:nvPr/>
       </p:nvGrpSpPr>
@@ -1699,7 +1706,7 @@
       </p:grpSpPr>
       <p:sp>
         <p:nvSpPr>
-          <p:cNvPr id="109" name="Google Shape;109;g21c301281a3_0_48:notes"/>
+          <p:cNvPr id="108" name="Google Shape;108;g21c301281a3_0_48:notes"/>
           <p:cNvSpPr/>
           <p:nvPr>
             <p:ph idx="2" type="sldImg"/>
@@ -1734,7 +1741,7 @@
       </p:sp>
       <p:sp>
         <p:nvSpPr>
-          <p:cNvPr id="110" name="Google Shape;110;g21c301281a3_0_48:notes"/>
+          <p:cNvPr id="109" name="Google Shape;109;g21c301281a3_0_48:notes"/>
           <p:cNvSpPr txBox="1"/>
           <p:nvPr>
             <p:ph idx="1" type="body"/>
@@ -1849,7 +1856,7 @@
   <p:cSld>
     <p:spTree>
       <p:nvGrpSpPr>
-        <p:cNvPr id="122" name="Shape 122"/>
+        <p:cNvPr id="121" name="Shape 121"/>
         <p:cNvGrpSpPr/>
         <p:nvPr/>
       </p:nvGrpSpPr>
@@ -1863,7 +1870,7 @@
       </p:grpSpPr>
       <p:sp>
         <p:nvSpPr>
-          <p:cNvPr id="123" name="Google Shape;123;g21fc4e117c9_0_28:notes"/>
+          <p:cNvPr id="122" name="Google Shape;122;g21fc4e117c9_0_28:notes"/>
           <p:cNvSpPr/>
           <p:nvPr>
             <p:ph idx="2" type="sldImg"/>
@@ -1898,7 +1905,7 @@
       </p:sp>
       <p:sp>
         <p:nvSpPr>
-          <p:cNvPr id="124" name="Google Shape;124;g21fc4e117c9_0_28:notes"/>
+          <p:cNvPr id="123" name="Google Shape;123;g21fc4e117c9_0_28:notes"/>
           <p:cNvSpPr txBox="1"/>
           <p:nvPr>
             <p:ph idx="1" type="body"/>
@@ -1931,6 +1938,21 @@
             <a:r>
               <a:rPr lang="it"/>
               <a:t>v3: abbastanza good, non riprendere cncetti già dati</a:t>
+            </a:r>
+            <a:endParaRPr/>
+          </a:p>
+          <a:p>
+            <a:pPr indent="0" lvl="0" marL="0" rtl="0" algn="l">
+              <a:spcBef>
+                <a:spcPts val="0"/>
+              </a:spcBef>
+              <a:spcAft>
+                <a:spcPts val="0"/>
+              </a:spcAft>
+              <a:buNone/>
+            </a:pPr>
+            <a:r>
+              <a:t/>
             </a:r>
             <a:endParaRPr/>
           </a:p>
@@ -7479,65 +7501,9 @@
           </a:p>
         </p:txBody>
       </p:sp>
-      <p:pic>
-        <p:nvPicPr>
-          <p:cNvPr id="75" name="Google Shape;75;p15"/>
-          <p:cNvPicPr preferRelativeResize="0"/>
-          <p:nvPr/>
-        </p:nvPicPr>
-        <p:blipFill>
-          <a:blip r:embed="rId3">
-            <a:alphaModFix/>
-          </a:blip>
-          <a:stretch>
-            <a:fillRect/>
-          </a:stretch>
-        </p:blipFill>
-        <p:spPr>
-          <a:xfrm>
-            <a:off x="1652875" y="658875"/>
-            <a:ext cx="5998003" cy="2039150"/>
-          </a:xfrm>
-          <a:prstGeom prst="rect">
-            <a:avLst/>
-          </a:prstGeom>
-          <a:noFill/>
-          <a:ln>
-            <a:noFill/>
-          </a:ln>
-        </p:spPr>
-      </p:pic>
-      <p:pic>
-        <p:nvPicPr>
-          <p:cNvPr id="76" name="Google Shape;76;p15"/>
-          <p:cNvPicPr preferRelativeResize="0"/>
-          <p:nvPr/>
-        </p:nvPicPr>
-        <p:blipFill>
-          <a:blip r:embed="rId4">
-            <a:alphaModFix/>
-          </a:blip>
-          <a:stretch>
-            <a:fillRect/>
-          </a:stretch>
-        </p:blipFill>
-        <p:spPr>
-          <a:xfrm>
-            <a:off x="1614063" y="2698025"/>
-            <a:ext cx="5915873" cy="2357100"/>
-          </a:xfrm>
-          <a:prstGeom prst="rect">
-            <a:avLst/>
-          </a:prstGeom>
-          <a:noFill/>
-          <a:ln>
-            <a:noFill/>
-          </a:ln>
-        </p:spPr>
-      </p:pic>
       <p:sp>
         <p:nvSpPr>
-          <p:cNvPr id="77" name="Google Shape;77;p15"/>
+          <p:cNvPr id="75" name="Google Shape;75;p15"/>
           <p:cNvSpPr txBox="1"/>
           <p:nvPr>
             <p:ph idx="12" type="sldNum"/>
@@ -7575,6 +7541,34 @@
           </a:p>
         </p:txBody>
       </p:sp>
+      <p:pic>
+        <p:nvPicPr>
+          <p:cNvPr id="76" name="Google Shape;76;p15"/>
+          <p:cNvPicPr preferRelativeResize="0"/>
+          <p:nvPr/>
+        </p:nvPicPr>
+        <p:blipFill>
+          <a:blip r:embed="rId3">
+            <a:alphaModFix/>
+          </a:blip>
+          <a:stretch>
+            <a:fillRect/>
+          </a:stretch>
+        </p:blipFill>
+        <p:spPr>
+          <a:xfrm>
+            <a:off x="1349950" y="560525"/>
+            <a:ext cx="6444098" cy="4458124"/>
+          </a:xfrm>
+          <a:prstGeom prst="rect">
+            <a:avLst/>
+          </a:prstGeom>
+          <a:noFill/>
+          <a:ln>
+            <a:noFill/>
+          </a:ln>
+        </p:spPr>
+      </p:pic>
     </p:spTree>
   </p:cSld>
   <p:clrMapOvr>
@@ -7588,7 +7582,7 @@
   <p:cSld>
     <p:spTree>
       <p:nvGrpSpPr>
-        <p:cNvPr id="81" name="Shape 81"/>
+        <p:cNvPr id="80" name="Shape 80"/>
         <p:cNvGrpSpPr/>
         <p:nvPr/>
       </p:nvGrpSpPr>
@@ -7602,7 +7596,7 @@
       </p:grpSpPr>
       <p:sp>
         <p:nvSpPr>
-          <p:cNvPr id="82" name="Google Shape;82;p16"/>
+          <p:cNvPr id="81" name="Google Shape;81;p16"/>
           <p:cNvSpPr txBox="1"/>
           <p:nvPr>
             <p:ph type="title"/>
@@ -7652,7 +7646,7 @@
       </p:sp>
       <p:pic>
         <p:nvPicPr>
-          <p:cNvPr id="83" name="Google Shape;83;p16"/>
+          <p:cNvPr id="82" name="Google Shape;82;p16"/>
           <p:cNvPicPr preferRelativeResize="0"/>
           <p:nvPr/>
         </p:nvPicPr>
@@ -7680,7 +7674,7 @@
       </p:pic>
       <p:sp>
         <p:nvSpPr>
-          <p:cNvPr id="84" name="Google Shape;84;p16"/>
+          <p:cNvPr id="83" name="Google Shape;83;p16"/>
           <p:cNvSpPr txBox="1"/>
           <p:nvPr>
             <p:ph idx="12" type="sldNum"/>
@@ -7731,7 +7725,7 @@
   <p:cSld>
     <p:spTree>
       <p:nvGrpSpPr>
-        <p:cNvPr id="88" name="Shape 88"/>
+        <p:cNvPr id="87" name="Shape 87"/>
         <p:cNvGrpSpPr/>
         <p:nvPr/>
       </p:nvGrpSpPr>
@@ -7745,7 +7739,7 @@
       </p:grpSpPr>
       <p:sp>
         <p:nvSpPr>
-          <p:cNvPr id="89" name="Google Shape;89;p17"/>
+          <p:cNvPr id="88" name="Google Shape;88;p17"/>
           <p:cNvSpPr txBox="1"/>
           <p:nvPr>
             <p:ph type="title"/>
@@ -7793,37 +7787,9 @@
           </a:p>
         </p:txBody>
       </p:sp>
-      <p:pic>
-        <p:nvPicPr>
-          <p:cNvPr id="90" name="Google Shape;90;p17"/>
-          <p:cNvPicPr preferRelativeResize="0"/>
-          <p:nvPr/>
-        </p:nvPicPr>
-        <p:blipFill>
-          <a:blip r:embed="rId3">
-            <a:alphaModFix/>
-          </a:blip>
-          <a:stretch>
-            <a:fillRect/>
-          </a:stretch>
-        </p:blipFill>
-        <p:spPr>
-          <a:xfrm>
-            <a:off x="1181925" y="560525"/>
-            <a:ext cx="6780144" cy="4278175"/>
-          </a:xfrm>
-          <a:prstGeom prst="rect">
-            <a:avLst/>
-          </a:prstGeom>
-          <a:noFill/>
-          <a:ln>
-            <a:noFill/>
-          </a:ln>
-        </p:spPr>
-      </p:pic>
       <p:sp>
         <p:nvSpPr>
-          <p:cNvPr id="91" name="Google Shape;91;p17"/>
+          <p:cNvPr id="89" name="Google Shape;89;p17"/>
           <p:cNvSpPr txBox="1"/>
           <p:nvPr>
             <p:ph idx="12" type="sldNum"/>
@@ -7861,6 +7827,34 @@
           </a:p>
         </p:txBody>
       </p:sp>
+      <p:pic>
+        <p:nvPicPr>
+          <p:cNvPr id="90" name="Google Shape;90;p17"/>
+          <p:cNvPicPr preferRelativeResize="0"/>
+          <p:nvPr/>
+        </p:nvPicPr>
+        <p:blipFill>
+          <a:blip r:embed="rId3">
+            <a:alphaModFix/>
+          </a:blip>
+          <a:stretch>
+            <a:fillRect/>
+          </a:stretch>
+        </p:blipFill>
+        <p:spPr>
+          <a:xfrm>
+            <a:off x="1008726" y="560525"/>
+            <a:ext cx="7126548" cy="4496301"/>
+          </a:xfrm>
+          <a:prstGeom prst="rect">
+            <a:avLst/>
+          </a:prstGeom>
+          <a:noFill/>
+          <a:ln>
+            <a:noFill/>
+          </a:ln>
+        </p:spPr>
+      </p:pic>
     </p:spTree>
   </p:cSld>
   <p:clrMapOvr>
@@ -7874,7 +7868,7 @@
   <p:cSld>
     <p:spTree>
       <p:nvGrpSpPr>
-        <p:cNvPr id="95" name="Shape 95"/>
+        <p:cNvPr id="94" name="Shape 94"/>
         <p:cNvGrpSpPr/>
         <p:nvPr/>
       </p:nvGrpSpPr>
@@ -7888,7 +7882,7 @@
       </p:grpSpPr>
       <p:sp>
         <p:nvSpPr>
-          <p:cNvPr id="96" name="Google Shape;96;p18"/>
+          <p:cNvPr id="95" name="Google Shape;95;p18"/>
           <p:cNvSpPr txBox="1"/>
           <p:nvPr>
             <p:ph type="title"/>
@@ -7938,7 +7932,7 @@
       </p:sp>
       <p:pic>
         <p:nvPicPr>
-          <p:cNvPr id="97" name="Google Shape;97;p18"/>
+          <p:cNvPr id="96" name="Google Shape;96;p18"/>
           <p:cNvPicPr preferRelativeResize="0"/>
           <p:nvPr/>
         </p:nvPicPr>
@@ -7966,7 +7960,7 @@
       </p:pic>
       <p:sp>
         <p:nvSpPr>
-          <p:cNvPr id="98" name="Google Shape;98;p18"/>
+          <p:cNvPr id="97" name="Google Shape;97;p18"/>
           <p:cNvSpPr txBox="1"/>
           <p:nvPr>
             <p:ph idx="12" type="sldNum"/>
@@ -8017,7 +8011,7 @@
   <p:cSld>
     <p:spTree>
       <p:nvGrpSpPr>
-        <p:cNvPr id="102" name="Shape 102"/>
+        <p:cNvPr id="101" name="Shape 101"/>
         <p:cNvGrpSpPr/>
         <p:nvPr/>
       </p:nvGrpSpPr>
@@ -8031,7 +8025,7 @@
       </p:grpSpPr>
       <p:sp>
         <p:nvSpPr>
-          <p:cNvPr id="103" name="Google Shape;103;p19"/>
+          <p:cNvPr id="102" name="Google Shape;102;p19"/>
           <p:cNvSpPr txBox="1"/>
           <p:nvPr>
             <p:ph type="title"/>
@@ -8081,7 +8075,7 @@
       </p:sp>
       <p:pic>
         <p:nvPicPr>
-          <p:cNvPr id="104" name="Google Shape;104;p19"/>
+          <p:cNvPr id="103" name="Google Shape;103;p19"/>
           <p:cNvPicPr preferRelativeResize="0"/>
           <p:nvPr/>
         </p:nvPicPr>
@@ -8109,7 +8103,7 @@
       </p:pic>
       <p:pic>
         <p:nvPicPr>
-          <p:cNvPr id="105" name="Google Shape;105;p19"/>
+          <p:cNvPr id="104" name="Google Shape;104;p19"/>
           <p:cNvPicPr preferRelativeResize="0"/>
           <p:nvPr/>
         </p:nvPicPr>
@@ -8137,7 +8131,7 @@
       </p:pic>
       <p:sp>
         <p:nvSpPr>
-          <p:cNvPr id="106" name="Google Shape;106;p19"/>
+          <p:cNvPr id="105" name="Google Shape;105;p19"/>
           <p:cNvSpPr txBox="1"/>
           <p:nvPr>
             <p:ph idx="12" type="sldNum"/>
@@ -8177,7 +8171,7 @@
       </p:sp>
       <p:sp>
         <p:nvSpPr>
-          <p:cNvPr id="107" name="Google Shape;107;p19"/>
+          <p:cNvPr id="106" name="Google Shape;106;p19"/>
           <p:cNvSpPr txBox="1"/>
           <p:nvPr/>
         </p:nvSpPr>
@@ -8230,7 +8224,7 @@
   <p:cSld>
     <p:spTree>
       <p:nvGrpSpPr>
-        <p:cNvPr id="111" name="Shape 111"/>
+        <p:cNvPr id="110" name="Shape 110"/>
         <p:cNvGrpSpPr/>
         <p:nvPr/>
       </p:nvGrpSpPr>
@@ -8244,7 +8238,7 @@
       </p:grpSpPr>
       <p:sp>
         <p:nvSpPr>
-          <p:cNvPr id="112" name="Google Shape;112;p20"/>
+          <p:cNvPr id="111" name="Google Shape;111;p20"/>
           <p:cNvSpPr txBox="1"/>
           <p:nvPr>
             <p:ph type="title"/>
@@ -8294,7 +8288,7 @@
       </p:sp>
       <p:pic>
         <p:nvPicPr>
-          <p:cNvPr id="113" name="Google Shape;113;p20"/>
+          <p:cNvPr id="112" name="Google Shape;112;p20"/>
           <p:cNvPicPr preferRelativeResize="0"/>
           <p:nvPr/>
         </p:nvPicPr>
@@ -8322,7 +8316,7 @@
       </p:pic>
       <p:pic>
         <p:nvPicPr>
-          <p:cNvPr id="114" name="Google Shape;114;p20"/>
+          <p:cNvPr id="113" name="Google Shape;113;p20"/>
           <p:cNvPicPr preferRelativeResize="0"/>
           <p:nvPr/>
         </p:nvPicPr>
@@ -8350,7 +8344,7 @@
       </p:pic>
       <p:sp>
         <p:nvSpPr>
-          <p:cNvPr id="115" name="Google Shape;115;p20"/>
+          <p:cNvPr id="114" name="Google Shape;114;p20"/>
           <p:cNvSpPr txBox="1"/>
           <p:nvPr/>
         </p:nvSpPr>
@@ -8685,7 +8679,7 @@
       </p:sp>
       <p:pic>
         <p:nvPicPr>
-          <p:cNvPr id="116" name="Google Shape;116;p20"/>
+          <p:cNvPr id="115" name="Google Shape;115;p20"/>
           <p:cNvPicPr preferRelativeResize="0"/>
           <p:nvPr/>
         </p:nvPicPr>
@@ -8713,7 +8707,7 @@
       </p:pic>
       <p:pic>
         <p:nvPicPr>
-          <p:cNvPr id="117" name="Google Shape;117;p20"/>
+          <p:cNvPr id="116" name="Google Shape;116;p20"/>
           <p:cNvPicPr preferRelativeResize="0"/>
           <p:nvPr/>
         </p:nvPicPr>
@@ -8741,7 +8735,7 @@
       </p:pic>
       <p:sp>
         <p:nvSpPr>
-          <p:cNvPr id="118" name="Google Shape;118;p20"/>
+          <p:cNvPr id="117" name="Google Shape;117;p20"/>
           <p:cNvSpPr txBox="1"/>
           <p:nvPr/>
         </p:nvSpPr>
@@ -8845,7 +8839,7 @@
       </p:sp>
       <p:pic>
         <p:nvPicPr>
-          <p:cNvPr id="119" name="Google Shape;119;p20"/>
+          <p:cNvPr id="118" name="Google Shape;118;p20"/>
           <p:cNvPicPr preferRelativeResize="0"/>
           <p:nvPr/>
         </p:nvPicPr>
@@ -8873,7 +8867,7 @@
       </p:pic>
       <p:sp>
         <p:nvSpPr>
-          <p:cNvPr id="120" name="Google Shape;120;p20"/>
+          <p:cNvPr id="119" name="Google Shape;119;p20"/>
           <p:cNvSpPr txBox="1"/>
           <p:nvPr>
             <p:ph idx="12" type="sldNum"/>
@@ -8913,7 +8907,7 @@
       </p:sp>
       <p:sp>
         <p:nvSpPr>
-          <p:cNvPr id="121" name="Google Shape;121;p20"/>
+          <p:cNvPr id="120" name="Google Shape;120;p20"/>
           <p:cNvSpPr txBox="1"/>
           <p:nvPr/>
         </p:nvSpPr>
@@ -8966,7 +8960,7 @@
   <p:cSld>
     <p:spTree>
       <p:nvGrpSpPr>
-        <p:cNvPr id="125" name="Shape 125"/>
+        <p:cNvPr id="124" name="Shape 124"/>
         <p:cNvGrpSpPr/>
         <p:nvPr/>
       </p:nvGrpSpPr>
@@ -8980,7 +8974,7 @@
       </p:grpSpPr>
       <p:sp>
         <p:nvSpPr>
-          <p:cNvPr id="126" name="Google Shape;126;p21"/>
+          <p:cNvPr id="125" name="Google Shape;125;p21"/>
           <p:cNvSpPr txBox="1"/>
           <p:nvPr>
             <p:ph type="title"/>
@@ -9030,7 +9024,7 @@
       </p:sp>
       <p:sp>
         <p:nvSpPr>
-          <p:cNvPr id="127" name="Google Shape;127;p21"/>
+          <p:cNvPr id="126" name="Google Shape;126;p21"/>
           <p:cNvSpPr txBox="1"/>
           <p:nvPr/>
         </p:nvSpPr>
@@ -9314,7 +9308,7 @@
       </p:sp>
       <p:sp>
         <p:nvSpPr>
-          <p:cNvPr id="128" name="Google Shape;128;p21"/>
+          <p:cNvPr id="127" name="Google Shape;127;p21"/>
           <p:cNvSpPr txBox="1"/>
           <p:nvPr>
             <p:ph idx="12" type="sldNum"/>
@@ -9354,7 +9348,7 @@
       </p:sp>
       <p:pic>
         <p:nvPicPr>
-          <p:cNvPr id="129" name="Google Shape;129;p21"/>
+          <p:cNvPr id="128" name="Google Shape;128;p21"/>
           <p:cNvPicPr preferRelativeResize="0"/>
           <p:nvPr/>
         </p:nvPicPr>
@@ -9382,7 +9376,7 @@
       </p:pic>
       <p:pic>
         <p:nvPicPr>
-          <p:cNvPr id="130" name="Google Shape;130;p21"/>
+          <p:cNvPr id="129" name="Google Shape;129;p21"/>
           <p:cNvPicPr preferRelativeResize="0"/>
           <p:nvPr/>
         </p:nvPicPr>
@@ -9410,7 +9404,7 @@
       </p:pic>
       <p:sp>
         <p:nvSpPr>
-          <p:cNvPr id="131" name="Google Shape;131;p21"/>
+          <p:cNvPr id="130" name="Google Shape;130;p21"/>
           <p:cNvSpPr txBox="1"/>
           <p:nvPr/>
         </p:nvSpPr>
@@ -9459,6 +9453,285 @@
 </file>
 
 <file path=ppt/theme/theme1.xml><?xml version="1.0" encoding="utf-8"?>
+<a:theme xmlns:a="http://schemas.openxmlformats.org/drawingml/2006/main" xmlns:r="http://schemas.openxmlformats.org/officeDocument/2006/relationships">
+  <a:themeElements>
+    <a:clrScheme name="Default">
+      <a:dk1>
+        <a:srgbClr val="000000"/>
+      </a:dk1>
+      <a:lt1>
+        <a:srgbClr val="FFFFFF"/>
+      </a:lt1>
+      <a:dk2>
+        <a:srgbClr val="158158"/>
+      </a:dk2>
+      <a:lt2>
+        <a:srgbClr val="F3F3F3"/>
+      </a:lt2>
+      <a:accent1>
+        <a:srgbClr val="058DC7"/>
+      </a:accent1>
+      <a:accent2>
+        <a:srgbClr val="50B432"/>
+      </a:accent2>
+      <a:accent3>
+        <a:srgbClr val="ED561B"/>
+      </a:accent3>
+      <a:accent4>
+        <a:srgbClr val="EDEF00"/>
+      </a:accent4>
+      <a:accent5>
+        <a:srgbClr val="24CBE5"/>
+      </a:accent5>
+      <a:accent6>
+        <a:srgbClr val="64E572"/>
+      </a:accent6>
+      <a:hlink>
+        <a:srgbClr val="2200CC"/>
+      </a:hlink>
+      <a:folHlink>
+        <a:srgbClr val="551A8B"/>
+      </a:folHlink>
+    </a:clrScheme>
+    <a:fontScheme name="Office">
+      <a:majorFont>
+        <a:latin typeface="Arial"/>
+        <a:ea typeface=""/>
+        <a:cs typeface=""/>
+        <a:font script="Jpan" typeface="ＭＳ Ｐゴシック"/>
+        <a:font script="Hang" typeface="맑은 고딕"/>
+        <a:font script="Hans" typeface="宋体"/>
+        <a:font script="Hant" typeface="新細明體"/>
+        <a:font script="Arab" typeface="Times New Roman"/>
+        <a:font script="Hebr" typeface="Times New Roman"/>
+        <a:font script="Thai" typeface="Angsana New"/>
+        <a:font script="Ethi" typeface="Nyala"/>
+        <a:font script="Beng" typeface="Vrinda"/>
+        <a:font script="Gujr" typeface="Shruti"/>
+        <a:font script="Khmr" typeface="MoolBoran"/>
+        <a:font script="Knda" typeface="Tunga"/>
+        <a:font script="Guru" typeface="Raavi"/>
+        <a:font script="Cans" typeface="Euphemia"/>
+        <a:font script="Cher" typeface="Plantagenet Cherokee"/>
+        <a:font script="Yiii" typeface="Microsoft Yi Baiti"/>
+        <a:font script="Tibt" typeface="Microsoft Himalaya"/>
+        <a:font script="Thaa" typeface="MV Boli"/>
+        <a:font script="Deva" typeface="Mangal"/>
+        <a:font script="Telu" typeface="Gautami"/>
+        <a:font script="Taml" typeface="Latha"/>
+        <a:font script="Syrc" typeface="Estrangelo Edessa"/>
+        <a:font script="Orya" typeface="Kalinga"/>
+        <a:font script="Mlym" typeface="Kartika"/>
+        <a:font script="Laoo" typeface="DokChampa"/>
+        <a:font script="Sinh" typeface="Iskoola Pota"/>
+        <a:font script="Mong" typeface="Mongolian Baiti"/>
+        <a:font script="Viet" typeface="Times New Roman"/>
+        <a:font script="Uigh" typeface="Microsoft Uighur"/>
+        <a:font script="Geor" typeface="Sylfaen"/>
+      </a:majorFont>
+      <a:minorFont>
+        <a:latin typeface="Arial"/>
+        <a:ea typeface=""/>
+        <a:cs typeface=""/>
+        <a:font script="Jpan" typeface="ＭＳ Ｐゴシック"/>
+        <a:font script="Hang" typeface="맑은 고딕"/>
+        <a:font script="Hans" typeface="宋体"/>
+        <a:font script="Hant" typeface="新細明體"/>
+        <a:font script="Arab" typeface="Arial"/>
+        <a:font script="Hebr" typeface="Arial"/>
+        <a:font script="Thai" typeface="Cordia New"/>
+        <a:font script="Ethi" typeface="Nyala"/>
+        <a:font script="Beng" typeface="Vrinda"/>
+        <a:font script="Gujr" typeface="Shruti"/>
+        <a:font script="Khmr" typeface="DaunPenh"/>
+        <a:font script="Knda" typeface="Tunga"/>
+        <a:font script="Guru" typeface="Raavi"/>
+        <a:font script="Cans" typeface="Euphemia"/>
+        <a:font script="Cher" typeface="Plantagenet Cherokee"/>
+        <a:font script="Yiii" typeface="Microsoft Yi Baiti"/>
+        <a:font script="Tibt" typeface="Microsoft Himalaya"/>
+        <a:font script="Thaa" typeface="MV Boli"/>
+        <a:font script="Deva" typeface="Mangal"/>
+        <a:font script="Telu" typeface="Gautami"/>
+        <a:font script="Taml" typeface="Latha"/>
+        <a:font script="Syrc" typeface="Estrangelo Edessa"/>
+        <a:font script="Orya" typeface="Kalinga"/>
+        <a:font script="Mlym" typeface="Kartika"/>
+        <a:font script="Laoo" typeface="DokChampa"/>
+        <a:font script="Sinh" typeface="Iskoola Pota"/>
+        <a:font script="Mong" typeface="Mongolian Baiti"/>
+        <a:font script="Viet" typeface="Arial"/>
+        <a:font script="Uigh" typeface="Microsoft Uighur"/>
+        <a:font script="Geor" typeface="Sylfaen"/>
+      </a:minorFont>
+    </a:fontScheme>
+    <a:fmtScheme name="Office">
+      <a:fillStyleLst>
+        <a:solidFill>
+          <a:schemeClr val="phClr"/>
+        </a:solidFill>
+        <a:gradFill rotWithShape="1">
+          <a:gsLst>
+            <a:gs pos="0">
+              <a:schemeClr val="phClr">
+                <a:tint val="50000"/>
+                <a:satMod val="300000"/>
+              </a:schemeClr>
+            </a:gs>
+            <a:gs pos="35000">
+              <a:schemeClr val="phClr">
+                <a:tint val="37000"/>
+                <a:satMod val="300000"/>
+              </a:schemeClr>
+            </a:gs>
+            <a:gs pos="100000">
+              <a:schemeClr val="phClr">
+                <a:tint val="15000"/>
+                <a:satMod val="350000"/>
+              </a:schemeClr>
+            </a:gs>
+          </a:gsLst>
+          <a:lin ang="16200000" scaled="1"/>
+        </a:gradFill>
+        <a:gradFill rotWithShape="1">
+          <a:gsLst>
+            <a:gs pos="0">
+              <a:schemeClr val="phClr">
+                <a:tint val="100000"/>
+                <a:shade val="100000"/>
+                <a:satMod val="130000"/>
+              </a:schemeClr>
+            </a:gs>
+            <a:gs pos="100000">
+              <a:schemeClr val="phClr">
+                <a:tint val="50000"/>
+                <a:shade val="100000"/>
+                <a:satMod val="350000"/>
+              </a:schemeClr>
+            </a:gs>
+          </a:gsLst>
+          <a:lin ang="16200000" scaled="0"/>
+        </a:gradFill>
+      </a:fillStyleLst>
+      <a:lnStyleLst>
+        <a:ln w="9525" cap="flat" cmpd="sng" algn="ctr">
+          <a:solidFill>
+            <a:schemeClr val="phClr">
+              <a:shade val="95000"/>
+              <a:satMod val="105000"/>
+            </a:schemeClr>
+          </a:solidFill>
+          <a:prstDash val="solid"/>
+        </a:ln>
+        <a:ln w="25400" cap="flat" cmpd="sng" algn="ctr">
+          <a:solidFill>
+            <a:schemeClr val="phClr"/>
+          </a:solidFill>
+          <a:prstDash val="solid"/>
+        </a:ln>
+        <a:ln w="38100" cap="flat" cmpd="sng" algn="ctr">
+          <a:solidFill>
+            <a:schemeClr val="phClr"/>
+          </a:solidFill>
+          <a:prstDash val="solid"/>
+        </a:ln>
+      </a:lnStyleLst>
+      <a:effectStyleLst>
+        <a:effectStyle>
+          <a:effectLst>
+            <a:outerShdw blurRad="40000" dist="20000" dir="5400000" rotWithShape="0">
+              <a:srgbClr val="000000">
+                <a:alpha val="38000"/>
+              </a:srgbClr>
+            </a:outerShdw>
+          </a:effectLst>
+        </a:effectStyle>
+        <a:effectStyle>
+          <a:effectLst>
+            <a:outerShdw blurRad="40000" dist="23000" dir="5400000" rotWithShape="0">
+              <a:srgbClr val="000000">
+                <a:alpha val="35000"/>
+              </a:srgbClr>
+            </a:outerShdw>
+          </a:effectLst>
+        </a:effectStyle>
+        <a:effectStyle>
+          <a:effectLst>
+            <a:outerShdw blurRad="40000" dist="23000" dir="5400000" rotWithShape="0">
+              <a:srgbClr val="000000">
+                <a:alpha val="35000"/>
+              </a:srgbClr>
+            </a:outerShdw>
+          </a:effectLst>
+          <a:scene3d>
+            <a:camera prst="orthographicFront">
+              <a:rot lat="0" lon="0" rev="0"/>
+            </a:camera>
+            <a:lightRig rig="threePt" dir="t">
+              <a:rot lat="0" lon="0" rev="1200000"/>
+            </a:lightRig>
+          </a:scene3d>
+          <a:sp3d>
+            <a:bevelT w="63500" h="25400"/>
+          </a:sp3d>
+        </a:effectStyle>
+      </a:effectStyleLst>
+      <a:bgFillStyleLst>
+        <a:solidFill>
+          <a:schemeClr val="phClr"/>
+        </a:solidFill>
+        <a:gradFill rotWithShape="1">
+          <a:gsLst>
+            <a:gs pos="0">
+              <a:schemeClr val="phClr">
+                <a:tint val="40000"/>
+                <a:satMod val="350000"/>
+              </a:schemeClr>
+            </a:gs>
+            <a:gs pos="40000">
+              <a:schemeClr val="phClr">
+                <a:tint val="45000"/>
+                <a:shade val="99000"/>
+                <a:satMod val="350000"/>
+              </a:schemeClr>
+            </a:gs>
+            <a:gs pos="100000">
+              <a:schemeClr val="phClr">
+                <a:shade val="20000"/>
+                <a:satMod val="255000"/>
+              </a:schemeClr>
+            </a:gs>
+          </a:gsLst>
+          <a:path path="circle">
+            <a:fillToRect l="50000" t="-80000" r="50000" b="180000"/>
+          </a:path>
+        </a:gradFill>
+        <a:gradFill rotWithShape="1">
+          <a:gsLst>
+            <a:gs pos="0">
+              <a:schemeClr val="phClr">
+                <a:tint val="80000"/>
+                <a:satMod val="300000"/>
+              </a:schemeClr>
+            </a:gs>
+            <a:gs pos="100000">
+              <a:schemeClr val="phClr">
+                <a:shade val="30000"/>
+                <a:satMod val="200000"/>
+              </a:schemeClr>
+            </a:gs>
+          </a:gsLst>
+          <a:path path="circle">
+            <a:fillToRect l="50000" t="50000" r="50000" b="50000"/>
+          </a:path>
+        </a:gradFill>
+      </a:bgFillStyleLst>
+    </a:fmtScheme>
+  </a:themeElements>
+</a:theme>
+</file>
+
+<file path=ppt/theme/theme2.xml><?xml version="1.0" encoding="utf-8"?>
 <a:theme xmlns:a="http://schemas.openxmlformats.org/drawingml/2006/main" xmlns:r="http://schemas.openxmlformats.org/officeDocument/2006/relationships" name="Simple Light">
   <a:themeElements>
     <a:clrScheme name="Simple Light">
@@ -9735,283 +10008,4 @@
     </a:fmtScheme>
   </a:themeElements>
 </a:theme>
-</file>
-
-<file path=ppt/theme/theme2.xml><?xml version="1.0" encoding="utf-8"?>
-<a:theme xmlns:a="http://schemas.openxmlformats.org/drawingml/2006/main" xmlns:r="http://schemas.openxmlformats.org/officeDocument/2006/relationships">
-  <a:themeElements>
-    <a:clrScheme name="Default">
-      <a:dk1>
-        <a:srgbClr val="000000"/>
-      </a:dk1>
-      <a:lt1>
-        <a:srgbClr val="FFFFFF"/>
-      </a:lt1>
-      <a:dk2>
-        <a:srgbClr val="158158"/>
-      </a:dk2>
-      <a:lt2>
-        <a:srgbClr val="F3F3F3"/>
-      </a:lt2>
-      <a:accent1>
-        <a:srgbClr val="058DC7"/>
-      </a:accent1>
-      <a:accent2>
-        <a:srgbClr val="50B432"/>
-      </a:accent2>
-      <a:accent3>
-        <a:srgbClr val="ED561B"/>
-      </a:accent3>
-      <a:accent4>
-        <a:srgbClr val="EDEF00"/>
-      </a:accent4>
-      <a:accent5>
-        <a:srgbClr val="24CBE5"/>
-      </a:accent5>
-      <a:accent6>
-        <a:srgbClr val="64E572"/>
-      </a:accent6>
-      <a:hlink>
-        <a:srgbClr val="2200CC"/>
-      </a:hlink>
-      <a:folHlink>
-        <a:srgbClr val="551A8B"/>
-      </a:folHlink>
-    </a:clrScheme>
-    <a:fontScheme name="Office">
-      <a:majorFont>
-        <a:latin typeface="Arial"/>
-        <a:ea typeface=""/>
-        <a:cs typeface=""/>
-        <a:font script="Jpan" typeface="ＭＳ Ｐゴシック"/>
-        <a:font script="Hang" typeface="맑은 고딕"/>
-        <a:font script="Hans" typeface="宋体"/>
-        <a:font script="Hant" typeface="新細明體"/>
-        <a:font script="Arab" typeface="Times New Roman"/>
-        <a:font script="Hebr" typeface="Times New Roman"/>
-        <a:font script="Thai" typeface="Angsana New"/>
-        <a:font script="Ethi" typeface="Nyala"/>
-        <a:font script="Beng" typeface="Vrinda"/>
-        <a:font script="Gujr" typeface="Shruti"/>
-        <a:font script="Khmr" typeface="MoolBoran"/>
-        <a:font script="Knda" typeface="Tunga"/>
-        <a:font script="Guru" typeface="Raavi"/>
-        <a:font script="Cans" typeface="Euphemia"/>
-        <a:font script="Cher" typeface="Plantagenet Cherokee"/>
-        <a:font script="Yiii" typeface="Microsoft Yi Baiti"/>
-        <a:font script="Tibt" typeface="Microsoft Himalaya"/>
-        <a:font script="Thaa" typeface="MV Boli"/>
-        <a:font script="Deva" typeface="Mangal"/>
-        <a:font script="Telu" typeface="Gautami"/>
-        <a:font script="Taml" typeface="Latha"/>
-        <a:font script="Syrc" typeface="Estrangelo Edessa"/>
-        <a:font script="Orya" typeface="Kalinga"/>
-        <a:font script="Mlym" typeface="Kartika"/>
-        <a:font script="Laoo" typeface="DokChampa"/>
-        <a:font script="Sinh" typeface="Iskoola Pota"/>
-        <a:font script="Mong" typeface="Mongolian Baiti"/>
-        <a:font script="Viet" typeface="Times New Roman"/>
-        <a:font script="Uigh" typeface="Microsoft Uighur"/>
-        <a:font script="Geor" typeface="Sylfaen"/>
-      </a:majorFont>
-      <a:minorFont>
-        <a:latin typeface="Arial"/>
-        <a:ea typeface=""/>
-        <a:cs typeface=""/>
-        <a:font script="Jpan" typeface="ＭＳ Ｐゴシック"/>
-        <a:font script="Hang" typeface="맑은 고딕"/>
-        <a:font script="Hans" typeface="宋体"/>
-        <a:font script="Hant" typeface="新細明體"/>
-        <a:font script="Arab" typeface="Arial"/>
-        <a:font script="Hebr" typeface="Arial"/>
-        <a:font script="Thai" typeface="Cordia New"/>
-        <a:font script="Ethi" typeface="Nyala"/>
-        <a:font script="Beng" typeface="Vrinda"/>
-        <a:font script="Gujr" typeface="Shruti"/>
-        <a:font script="Khmr" typeface="DaunPenh"/>
-        <a:font script="Knda" typeface="Tunga"/>
-        <a:font script="Guru" typeface="Raavi"/>
-        <a:font script="Cans" typeface="Euphemia"/>
-        <a:font script="Cher" typeface="Plantagenet Cherokee"/>
-        <a:font script="Yiii" typeface="Microsoft Yi Baiti"/>
-        <a:font script="Tibt" typeface="Microsoft Himalaya"/>
-        <a:font script="Thaa" typeface="MV Boli"/>
-        <a:font script="Deva" typeface="Mangal"/>
-        <a:font script="Telu" typeface="Gautami"/>
-        <a:font script="Taml" typeface="Latha"/>
-        <a:font script="Syrc" typeface="Estrangelo Edessa"/>
-        <a:font script="Orya" typeface="Kalinga"/>
-        <a:font script="Mlym" typeface="Kartika"/>
-        <a:font script="Laoo" typeface="DokChampa"/>
-        <a:font script="Sinh" typeface="Iskoola Pota"/>
-        <a:font script="Mong" typeface="Mongolian Baiti"/>
-        <a:font script="Viet" typeface="Arial"/>
-        <a:font script="Uigh" typeface="Microsoft Uighur"/>
-        <a:font script="Geor" typeface="Sylfaen"/>
-      </a:minorFont>
-    </a:fontScheme>
-    <a:fmtScheme name="Office">
-      <a:fillStyleLst>
-        <a:solidFill>
-          <a:schemeClr val="phClr"/>
-        </a:solidFill>
-        <a:gradFill rotWithShape="1">
-          <a:gsLst>
-            <a:gs pos="0">
-              <a:schemeClr val="phClr">
-                <a:tint val="50000"/>
-                <a:satMod val="300000"/>
-              </a:schemeClr>
-            </a:gs>
-            <a:gs pos="35000">
-              <a:schemeClr val="phClr">
-                <a:tint val="37000"/>
-                <a:satMod val="300000"/>
-              </a:schemeClr>
-            </a:gs>
-            <a:gs pos="100000">
-              <a:schemeClr val="phClr">
-                <a:tint val="15000"/>
-                <a:satMod val="350000"/>
-              </a:schemeClr>
-            </a:gs>
-          </a:gsLst>
-          <a:lin ang="16200000" scaled="1"/>
-        </a:gradFill>
-        <a:gradFill rotWithShape="1">
-          <a:gsLst>
-            <a:gs pos="0">
-              <a:schemeClr val="phClr">
-                <a:tint val="100000"/>
-                <a:shade val="100000"/>
-                <a:satMod val="130000"/>
-              </a:schemeClr>
-            </a:gs>
-            <a:gs pos="100000">
-              <a:schemeClr val="phClr">
-                <a:tint val="50000"/>
-                <a:shade val="100000"/>
-                <a:satMod val="350000"/>
-              </a:schemeClr>
-            </a:gs>
-          </a:gsLst>
-          <a:lin ang="16200000" scaled="0"/>
-        </a:gradFill>
-      </a:fillStyleLst>
-      <a:lnStyleLst>
-        <a:ln w="9525" cap="flat" cmpd="sng" algn="ctr">
-          <a:solidFill>
-            <a:schemeClr val="phClr">
-              <a:shade val="95000"/>
-              <a:satMod val="105000"/>
-            </a:schemeClr>
-          </a:solidFill>
-          <a:prstDash val="solid"/>
-        </a:ln>
-        <a:ln w="25400" cap="flat" cmpd="sng" algn="ctr">
-          <a:solidFill>
-            <a:schemeClr val="phClr"/>
-          </a:solidFill>
-          <a:prstDash val="solid"/>
-        </a:ln>
-        <a:ln w="38100" cap="flat" cmpd="sng" algn="ctr">
-          <a:solidFill>
-            <a:schemeClr val="phClr"/>
-          </a:solidFill>
-          <a:prstDash val="solid"/>
-        </a:ln>
-      </a:lnStyleLst>
-      <a:effectStyleLst>
-        <a:effectStyle>
-          <a:effectLst>
-            <a:outerShdw blurRad="40000" dist="20000" dir="5400000" rotWithShape="0">
-              <a:srgbClr val="000000">
-                <a:alpha val="38000"/>
-              </a:srgbClr>
-            </a:outerShdw>
-          </a:effectLst>
-        </a:effectStyle>
-        <a:effectStyle>
-          <a:effectLst>
-            <a:outerShdw blurRad="40000" dist="23000" dir="5400000" rotWithShape="0">
-              <a:srgbClr val="000000">
-                <a:alpha val="35000"/>
-              </a:srgbClr>
-            </a:outerShdw>
-          </a:effectLst>
-        </a:effectStyle>
-        <a:effectStyle>
-          <a:effectLst>
-            <a:outerShdw blurRad="40000" dist="23000" dir="5400000" rotWithShape="0">
-              <a:srgbClr val="000000">
-                <a:alpha val="35000"/>
-              </a:srgbClr>
-            </a:outerShdw>
-          </a:effectLst>
-          <a:scene3d>
-            <a:camera prst="orthographicFront">
-              <a:rot lat="0" lon="0" rev="0"/>
-            </a:camera>
-            <a:lightRig rig="threePt" dir="t">
-              <a:rot lat="0" lon="0" rev="1200000"/>
-            </a:lightRig>
-          </a:scene3d>
-          <a:sp3d>
-            <a:bevelT w="63500" h="25400"/>
-          </a:sp3d>
-        </a:effectStyle>
-      </a:effectStyleLst>
-      <a:bgFillStyleLst>
-        <a:solidFill>
-          <a:schemeClr val="phClr"/>
-        </a:solidFill>
-        <a:gradFill rotWithShape="1">
-          <a:gsLst>
-            <a:gs pos="0">
-              <a:schemeClr val="phClr">
-                <a:tint val="40000"/>
-                <a:satMod val="350000"/>
-              </a:schemeClr>
-            </a:gs>
-            <a:gs pos="40000">
-              <a:schemeClr val="phClr">
-                <a:tint val="45000"/>
-                <a:shade val="99000"/>
-                <a:satMod val="350000"/>
-              </a:schemeClr>
-            </a:gs>
-            <a:gs pos="100000">
-              <a:schemeClr val="phClr">
-                <a:shade val="20000"/>
-                <a:satMod val="255000"/>
-              </a:schemeClr>
-            </a:gs>
-          </a:gsLst>
-          <a:path path="circle">
-            <a:fillToRect l="50000" t="-80000" r="50000" b="180000"/>
-          </a:path>
-        </a:gradFill>
-        <a:gradFill rotWithShape="1">
-          <a:gsLst>
-            <a:gs pos="0">
-              <a:schemeClr val="phClr">
-                <a:tint val="80000"/>
-                <a:satMod val="300000"/>
-              </a:schemeClr>
-            </a:gs>
-            <a:gs pos="100000">
-              <a:schemeClr val="phClr">
-                <a:shade val="30000"/>
-                <a:satMod val="200000"/>
-              </a:schemeClr>
-            </a:gs>
-          </a:gsLst>
-          <a:path path="circle">
-            <a:fillToRect l="50000" t="50000" r="50000" b="50000"/>
-          </a:path>
-        </a:gradFill>
-      </a:bgFillStyleLst>
-    </a:fmtScheme>
-  </a:themeElements>
-</a:theme>
 </file>